--- a/telecomminucation/通信方法の遷移.pptx
+++ b/telecomminucation/通信方法の遷移.pptx
@@ -6,6 +6,9 @@
   </p:sldMasterIdLst>
   <p:sldIdLst>
     <p:sldId id="256" r:id="rId2"/>
+    <p:sldId id="257" r:id="rId3"/>
+    <p:sldId id="258" r:id="rId4"/>
+    <p:sldId id="259" r:id="rId5"/>
   </p:sldIdLst>
   <p:sldSz cx="12192000" cy="6858000"/>
   <p:notesSz cx="6858000" cy="9144000"/>
@@ -104,6 +107,11 @@
       </a:defRPr>
     </a:lvl9pPr>
   </p:defaultTextStyle>
+  <p:extLst>
+    <p:ext uri="{EFAFB233-063F-42B5-8137-9DF3F51BA10A}">
+      <p15:sldGuideLst xmlns:p15="http://schemas.microsoft.com/office/powerpoint/2012/main"/>
+    </p:ext>
+  </p:extLst>
 </p:presentation>
 </file>
 
@@ -254,7 +262,7 @@
           <a:p>
             <a:fld id="{2EA8CD69-038A-45E6-A9A4-5E80CD0B5689}" type="datetimeFigureOut">
               <a:rPr kumimoji="1" lang="ja-JP" altLang="en-US" smtClean="0"/>
-              <a:t>2023/6/11</a:t>
+              <a:t>2023/6/12</a:t>
             </a:fld>
             <a:endParaRPr kumimoji="1" lang="ja-JP" altLang="en-US"/>
           </a:p>
@@ -484,7 +492,7 @@
           <a:p>
             <a:fld id="{2EA8CD69-038A-45E6-A9A4-5E80CD0B5689}" type="datetimeFigureOut">
               <a:rPr kumimoji="1" lang="ja-JP" altLang="en-US" smtClean="0"/>
-              <a:t>2023/6/11</a:t>
+              <a:t>2023/6/12</a:t>
             </a:fld>
             <a:endParaRPr kumimoji="1" lang="ja-JP" altLang="en-US"/>
           </a:p>
@@ -724,7 +732,7 @@
           <a:p>
             <a:fld id="{2EA8CD69-038A-45E6-A9A4-5E80CD0B5689}" type="datetimeFigureOut">
               <a:rPr kumimoji="1" lang="ja-JP" altLang="en-US" smtClean="0"/>
-              <a:t>2023/6/11</a:t>
+              <a:t>2023/6/12</a:t>
             </a:fld>
             <a:endParaRPr kumimoji="1" lang="ja-JP" altLang="en-US"/>
           </a:p>
@@ -954,7 +962,7 @@
           <a:p>
             <a:fld id="{2EA8CD69-038A-45E6-A9A4-5E80CD0B5689}" type="datetimeFigureOut">
               <a:rPr kumimoji="1" lang="ja-JP" altLang="en-US" smtClean="0"/>
-              <a:t>2023/6/11</a:t>
+              <a:t>2023/6/12</a:t>
             </a:fld>
             <a:endParaRPr kumimoji="1" lang="ja-JP" altLang="en-US"/>
           </a:p>
@@ -1229,7 +1237,7 @@
           <a:p>
             <a:fld id="{2EA8CD69-038A-45E6-A9A4-5E80CD0B5689}" type="datetimeFigureOut">
               <a:rPr kumimoji="1" lang="ja-JP" altLang="en-US" smtClean="0"/>
-              <a:t>2023/6/11</a:t>
+              <a:t>2023/6/12</a:t>
             </a:fld>
             <a:endParaRPr kumimoji="1" lang="ja-JP" altLang="en-US"/>
           </a:p>
@@ -1558,7 +1566,7 @@
           <a:p>
             <a:fld id="{2EA8CD69-038A-45E6-A9A4-5E80CD0B5689}" type="datetimeFigureOut">
               <a:rPr kumimoji="1" lang="ja-JP" altLang="en-US" smtClean="0"/>
-              <a:t>2023/6/11</a:t>
+              <a:t>2023/6/12</a:t>
             </a:fld>
             <a:endParaRPr kumimoji="1" lang="ja-JP" altLang="en-US"/>
           </a:p>
@@ -2034,7 +2042,7 @@
           <a:p>
             <a:fld id="{2EA8CD69-038A-45E6-A9A4-5E80CD0B5689}" type="datetimeFigureOut">
               <a:rPr kumimoji="1" lang="ja-JP" altLang="en-US" smtClean="0"/>
-              <a:t>2023/6/11</a:t>
+              <a:t>2023/6/12</a:t>
             </a:fld>
             <a:endParaRPr kumimoji="1" lang="ja-JP" altLang="en-US"/>
           </a:p>
@@ -2175,7 +2183,7 @@
           <a:p>
             <a:fld id="{2EA8CD69-038A-45E6-A9A4-5E80CD0B5689}" type="datetimeFigureOut">
               <a:rPr kumimoji="1" lang="ja-JP" altLang="en-US" smtClean="0"/>
-              <a:t>2023/6/11</a:t>
+              <a:t>2023/6/12</a:t>
             </a:fld>
             <a:endParaRPr kumimoji="1" lang="ja-JP" altLang="en-US"/>
           </a:p>
@@ -2288,7 +2296,7 @@
           <a:p>
             <a:fld id="{2EA8CD69-038A-45E6-A9A4-5E80CD0B5689}" type="datetimeFigureOut">
               <a:rPr kumimoji="1" lang="ja-JP" altLang="en-US" smtClean="0"/>
-              <a:t>2023/6/11</a:t>
+              <a:t>2023/6/12</a:t>
             </a:fld>
             <a:endParaRPr kumimoji="1" lang="ja-JP" altLang="en-US"/>
           </a:p>
@@ -2631,7 +2639,7 @@
           <a:p>
             <a:fld id="{2EA8CD69-038A-45E6-A9A4-5E80CD0B5689}" type="datetimeFigureOut">
               <a:rPr kumimoji="1" lang="ja-JP" altLang="en-US" smtClean="0"/>
-              <a:t>2023/6/11</a:t>
+              <a:t>2023/6/12</a:t>
             </a:fld>
             <a:endParaRPr kumimoji="1" lang="ja-JP" altLang="en-US"/>
           </a:p>
@@ -2919,7 +2927,7 @@
           <a:p>
             <a:fld id="{2EA8CD69-038A-45E6-A9A4-5E80CD0B5689}" type="datetimeFigureOut">
               <a:rPr kumimoji="1" lang="ja-JP" altLang="en-US" smtClean="0"/>
-              <a:t>2023/6/11</a:t>
+              <a:t>2023/6/12</a:t>
             </a:fld>
             <a:endParaRPr kumimoji="1" lang="ja-JP" altLang="en-US"/>
           </a:p>
@@ -3192,7 +3200,7 @@
           <a:p>
             <a:fld id="{2EA8CD69-038A-45E6-A9A4-5E80CD0B5689}" type="datetimeFigureOut">
               <a:rPr kumimoji="1" lang="ja-JP" altLang="en-US" smtClean="0"/>
-              <a:t>2023/6/11</a:t>
+              <a:t>2023/6/12</a:t>
             </a:fld>
             <a:endParaRPr kumimoji="1" lang="ja-JP" altLang="en-US"/>
           </a:p>
@@ -5335,6 +5343,246 @@
 </p:sld>
 </file>
 
+<file path=ppt/slides/slide2.xml><?xml version="1.0" encoding="utf-8"?>
+<p:sld xmlns:a="http://schemas.openxmlformats.org/drawingml/2006/main" xmlns:r="http://schemas.openxmlformats.org/officeDocument/2006/relationships" xmlns:p="http://schemas.openxmlformats.org/presentationml/2006/main">
+  <p:cSld>
+    <p:spTree>
+      <p:nvGrpSpPr>
+        <p:cNvPr id="1" name=""/>
+        <p:cNvGrpSpPr/>
+        <p:nvPr/>
+      </p:nvGrpSpPr>
+      <p:grpSpPr>
+        <a:xfrm>
+          <a:off x="0" y="0"/>
+          <a:ext cx="0" cy="0"/>
+          <a:chOff x="0" y="0"/>
+          <a:chExt cx="0" cy="0"/>
+        </a:xfrm>
+      </p:grpSpPr>
+      <p:sp>
+        <p:nvSpPr>
+          <p:cNvPr id="2" name="タイトル 1">
+            <a:extLst>
+              <a:ext uri="{FF2B5EF4-FFF2-40B4-BE49-F238E27FC236}">
+                <a16:creationId xmlns:a16="http://schemas.microsoft.com/office/drawing/2014/main" id="{F8718E2C-1DAA-12B2-911F-81CFB9761312}"/>
+              </a:ext>
+            </a:extLst>
+          </p:cNvPr>
+          <p:cNvSpPr>
+            <a:spLocks noGrp="1"/>
+          </p:cNvSpPr>
+          <p:nvPr>
+            <p:ph type="title"/>
+          </p:nvPr>
+        </p:nvSpPr>
+        <p:spPr/>
+        <p:txBody>
+          <a:bodyPr/>
+          <a:lstStyle/>
+          <a:p>
+            <a:endParaRPr kumimoji="1" lang="ja-JP" altLang="en-US"/>
+          </a:p>
+        </p:txBody>
+      </p:sp>
+      <p:sp>
+        <p:nvSpPr>
+          <p:cNvPr id="3" name="コンテンツ プレースホルダー 2">
+            <a:extLst>
+              <a:ext uri="{FF2B5EF4-FFF2-40B4-BE49-F238E27FC236}">
+                <a16:creationId xmlns:a16="http://schemas.microsoft.com/office/drawing/2014/main" id="{D4010502-E5B0-559D-FAA8-F0C7D51F519A}"/>
+              </a:ext>
+            </a:extLst>
+          </p:cNvPr>
+          <p:cNvSpPr>
+            <a:spLocks noGrp="1"/>
+          </p:cNvSpPr>
+          <p:nvPr>
+            <p:ph idx="1"/>
+          </p:nvPr>
+        </p:nvSpPr>
+        <p:spPr/>
+        <p:txBody>
+          <a:bodyPr/>
+          <a:lstStyle/>
+          <a:p>
+            <a:endParaRPr kumimoji="1" lang="ja-JP" altLang="en-US"/>
+          </a:p>
+        </p:txBody>
+      </p:sp>
+    </p:spTree>
+    <p:extLst>
+      <p:ext uri="{BB962C8B-B14F-4D97-AF65-F5344CB8AC3E}">
+        <p14:creationId xmlns:p14="http://schemas.microsoft.com/office/powerpoint/2010/main" val="1381846713"/>
+      </p:ext>
+    </p:extLst>
+  </p:cSld>
+  <p:clrMapOvr>
+    <a:masterClrMapping/>
+  </p:clrMapOvr>
+</p:sld>
+</file>
+
+<file path=ppt/slides/slide3.xml><?xml version="1.0" encoding="utf-8"?>
+<p:sld xmlns:a="http://schemas.openxmlformats.org/drawingml/2006/main" xmlns:r="http://schemas.openxmlformats.org/officeDocument/2006/relationships" xmlns:p="http://schemas.openxmlformats.org/presentationml/2006/main">
+  <p:cSld>
+    <p:spTree>
+      <p:nvGrpSpPr>
+        <p:cNvPr id="1" name=""/>
+        <p:cNvGrpSpPr/>
+        <p:nvPr/>
+      </p:nvGrpSpPr>
+      <p:grpSpPr>
+        <a:xfrm>
+          <a:off x="0" y="0"/>
+          <a:ext cx="0" cy="0"/>
+          <a:chOff x="0" y="0"/>
+          <a:chExt cx="0" cy="0"/>
+        </a:xfrm>
+      </p:grpSpPr>
+      <p:sp>
+        <p:nvSpPr>
+          <p:cNvPr id="2" name="タイトル 1">
+            <a:extLst>
+              <a:ext uri="{FF2B5EF4-FFF2-40B4-BE49-F238E27FC236}">
+                <a16:creationId xmlns:a16="http://schemas.microsoft.com/office/drawing/2014/main" id="{21B64DBF-5566-0031-8AF8-223F61F48C93}"/>
+              </a:ext>
+            </a:extLst>
+          </p:cNvPr>
+          <p:cNvSpPr>
+            <a:spLocks noGrp="1"/>
+          </p:cNvSpPr>
+          <p:nvPr>
+            <p:ph type="title"/>
+          </p:nvPr>
+        </p:nvSpPr>
+        <p:spPr/>
+        <p:txBody>
+          <a:bodyPr/>
+          <a:lstStyle/>
+          <a:p>
+            <a:endParaRPr kumimoji="1" lang="ja-JP" altLang="en-US"/>
+          </a:p>
+        </p:txBody>
+      </p:sp>
+      <p:sp>
+        <p:nvSpPr>
+          <p:cNvPr id="3" name="コンテンツ プレースホルダー 2">
+            <a:extLst>
+              <a:ext uri="{FF2B5EF4-FFF2-40B4-BE49-F238E27FC236}">
+                <a16:creationId xmlns:a16="http://schemas.microsoft.com/office/drawing/2014/main" id="{89CC754C-2E69-8CF9-6541-1E38F508B534}"/>
+              </a:ext>
+            </a:extLst>
+          </p:cNvPr>
+          <p:cNvSpPr>
+            <a:spLocks noGrp="1"/>
+          </p:cNvSpPr>
+          <p:nvPr>
+            <p:ph idx="1"/>
+          </p:nvPr>
+        </p:nvSpPr>
+        <p:spPr/>
+        <p:txBody>
+          <a:bodyPr/>
+          <a:lstStyle/>
+          <a:p>
+            <a:endParaRPr kumimoji="1" lang="ja-JP" altLang="en-US"/>
+          </a:p>
+        </p:txBody>
+      </p:sp>
+    </p:spTree>
+    <p:extLst>
+      <p:ext uri="{BB962C8B-B14F-4D97-AF65-F5344CB8AC3E}">
+        <p14:creationId xmlns:p14="http://schemas.microsoft.com/office/powerpoint/2010/main" val="3476905052"/>
+      </p:ext>
+    </p:extLst>
+  </p:cSld>
+  <p:clrMapOvr>
+    <a:masterClrMapping/>
+  </p:clrMapOvr>
+</p:sld>
+</file>
+
+<file path=ppt/slides/slide4.xml><?xml version="1.0" encoding="utf-8"?>
+<p:sld xmlns:a="http://schemas.openxmlformats.org/drawingml/2006/main" xmlns:r="http://schemas.openxmlformats.org/officeDocument/2006/relationships" xmlns:p="http://schemas.openxmlformats.org/presentationml/2006/main">
+  <p:cSld>
+    <p:spTree>
+      <p:nvGrpSpPr>
+        <p:cNvPr id="1" name=""/>
+        <p:cNvGrpSpPr/>
+        <p:nvPr/>
+      </p:nvGrpSpPr>
+      <p:grpSpPr>
+        <a:xfrm>
+          <a:off x="0" y="0"/>
+          <a:ext cx="0" cy="0"/>
+          <a:chOff x="0" y="0"/>
+          <a:chExt cx="0" cy="0"/>
+        </a:xfrm>
+      </p:grpSpPr>
+      <p:sp>
+        <p:nvSpPr>
+          <p:cNvPr id="2" name="タイトル 1">
+            <a:extLst>
+              <a:ext uri="{FF2B5EF4-FFF2-40B4-BE49-F238E27FC236}">
+                <a16:creationId xmlns:a16="http://schemas.microsoft.com/office/drawing/2014/main" id="{C135F0F5-91D5-E156-77C8-79F450EEED7B}"/>
+              </a:ext>
+            </a:extLst>
+          </p:cNvPr>
+          <p:cNvSpPr>
+            <a:spLocks noGrp="1"/>
+          </p:cNvSpPr>
+          <p:nvPr>
+            <p:ph type="title"/>
+          </p:nvPr>
+        </p:nvSpPr>
+        <p:spPr/>
+        <p:txBody>
+          <a:bodyPr/>
+          <a:lstStyle/>
+          <a:p>
+            <a:endParaRPr kumimoji="1" lang="ja-JP" altLang="en-US"/>
+          </a:p>
+        </p:txBody>
+      </p:sp>
+      <p:sp>
+        <p:nvSpPr>
+          <p:cNvPr id="3" name="コンテンツ プレースホルダー 2">
+            <a:extLst>
+              <a:ext uri="{FF2B5EF4-FFF2-40B4-BE49-F238E27FC236}">
+                <a16:creationId xmlns:a16="http://schemas.microsoft.com/office/drawing/2014/main" id="{573F3C0F-81E3-0175-4CA0-D7A79534F777}"/>
+              </a:ext>
+            </a:extLst>
+          </p:cNvPr>
+          <p:cNvSpPr>
+            <a:spLocks noGrp="1"/>
+          </p:cNvSpPr>
+          <p:nvPr>
+            <p:ph idx="1"/>
+          </p:nvPr>
+        </p:nvSpPr>
+        <p:spPr/>
+        <p:txBody>
+          <a:bodyPr/>
+          <a:lstStyle/>
+          <a:p>
+            <a:endParaRPr kumimoji="1" lang="ja-JP" altLang="en-US"/>
+          </a:p>
+        </p:txBody>
+      </p:sp>
+    </p:spTree>
+    <p:extLst>
+      <p:ext uri="{BB962C8B-B14F-4D97-AF65-F5344CB8AC3E}">
+        <p14:creationId xmlns:p14="http://schemas.microsoft.com/office/powerpoint/2010/main" val="2372040958"/>
+      </p:ext>
+    </p:extLst>
+  </p:cSld>
+  <p:clrMapOvr>
+    <a:masterClrMapping/>
+  </p:clrMapOvr>
+</p:sld>
+</file>
+
 <file path=ppt/theme/theme1.xml><?xml version="1.0" encoding="utf-8"?>
 <a:theme xmlns:a="http://schemas.openxmlformats.org/drawingml/2006/main" name="Office テーマ">
   <a:themeElements>

--- a/telecomminucation/通信方法の遷移.pptx
+++ b/telecomminucation/通信方法の遷移.pptx
@@ -262,7 +262,7 @@
           <a:p>
             <a:fld id="{2EA8CD69-038A-45E6-A9A4-5E80CD0B5689}" type="datetimeFigureOut">
               <a:rPr kumimoji="1" lang="ja-JP" altLang="en-US" smtClean="0"/>
-              <a:t>2023/6/12</a:t>
+              <a:t>2023/6/13</a:t>
             </a:fld>
             <a:endParaRPr kumimoji="1" lang="ja-JP" altLang="en-US"/>
           </a:p>
@@ -492,7 +492,7 @@
           <a:p>
             <a:fld id="{2EA8CD69-038A-45E6-A9A4-5E80CD0B5689}" type="datetimeFigureOut">
               <a:rPr kumimoji="1" lang="ja-JP" altLang="en-US" smtClean="0"/>
-              <a:t>2023/6/12</a:t>
+              <a:t>2023/6/13</a:t>
             </a:fld>
             <a:endParaRPr kumimoji="1" lang="ja-JP" altLang="en-US"/>
           </a:p>
@@ -732,7 +732,7 @@
           <a:p>
             <a:fld id="{2EA8CD69-038A-45E6-A9A4-5E80CD0B5689}" type="datetimeFigureOut">
               <a:rPr kumimoji="1" lang="ja-JP" altLang="en-US" smtClean="0"/>
-              <a:t>2023/6/12</a:t>
+              <a:t>2023/6/13</a:t>
             </a:fld>
             <a:endParaRPr kumimoji="1" lang="ja-JP" altLang="en-US"/>
           </a:p>
@@ -962,7 +962,7 @@
           <a:p>
             <a:fld id="{2EA8CD69-038A-45E6-A9A4-5E80CD0B5689}" type="datetimeFigureOut">
               <a:rPr kumimoji="1" lang="ja-JP" altLang="en-US" smtClean="0"/>
-              <a:t>2023/6/12</a:t>
+              <a:t>2023/6/13</a:t>
             </a:fld>
             <a:endParaRPr kumimoji="1" lang="ja-JP" altLang="en-US"/>
           </a:p>
@@ -1237,7 +1237,7 @@
           <a:p>
             <a:fld id="{2EA8CD69-038A-45E6-A9A4-5E80CD0B5689}" type="datetimeFigureOut">
               <a:rPr kumimoji="1" lang="ja-JP" altLang="en-US" smtClean="0"/>
-              <a:t>2023/6/12</a:t>
+              <a:t>2023/6/13</a:t>
             </a:fld>
             <a:endParaRPr kumimoji="1" lang="ja-JP" altLang="en-US"/>
           </a:p>
@@ -1566,7 +1566,7 @@
           <a:p>
             <a:fld id="{2EA8CD69-038A-45E6-A9A4-5E80CD0B5689}" type="datetimeFigureOut">
               <a:rPr kumimoji="1" lang="ja-JP" altLang="en-US" smtClean="0"/>
-              <a:t>2023/6/12</a:t>
+              <a:t>2023/6/13</a:t>
             </a:fld>
             <a:endParaRPr kumimoji="1" lang="ja-JP" altLang="en-US"/>
           </a:p>
@@ -2042,7 +2042,7 @@
           <a:p>
             <a:fld id="{2EA8CD69-038A-45E6-A9A4-5E80CD0B5689}" type="datetimeFigureOut">
               <a:rPr kumimoji="1" lang="ja-JP" altLang="en-US" smtClean="0"/>
-              <a:t>2023/6/12</a:t>
+              <a:t>2023/6/13</a:t>
             </a:fld>
             <a:endParaRPr kumimoji="1" lang="ja-JP" altLang="en-US"/>
           </a:p>
@@ -2183,7 +2183,7 @@
           <a:p>
             <a:fld id="{2EA8CD69-038A-45E6-A9A4-5E80CD0B5689}" type="datetimeFigureOut">
               <a:rPr kumimoji="1" lang="ja-JP" altLang="en-US" smtClean="0"/>
-              <a:t>2023/6/12</a:t>
+              <a:t>2023/6/13</a:t>
             </a:fld>
             <a:endParaRPr kumimoji="1" lang="ja-JP" altLang="en-US"/>
           </a:p>
@@ -2296,7 +2296,7 @@
           <a:p>
             <a:fld id="{2EA8CD69-038A-45E6-A9A4-5E80CD0B5689}" type="datetimeFigureOut">
               <a:rPr kumimoji="1" lang="ja-JP" altLang="en-US" smtClean="0"/>
-              <a:t>2023/6/12</a:t>
+              <a:t>2023/6/13</a:t>
             </a:fld>
             <a:endParaRPr kumimoji="1" lang="ja-JP" altLang="en-US"/>
           </a:p>
@@ -2639,7 +2639,7 @@
           <a:p>
             <a:fld id="{2EA8CD69-038A-45E6-A9A4-5E80CD0B5689}" type="datetimeFigureOut">
               <a:rPr kumimoji="1" lang="ja-JP" altLang="en-US" smtClean="0"/>
-              <a:t>2023/6/12</a:t>
+              <a:t>2023/6/13</a:t>
             </a:fld>
             <a:endParaRPr kumimoji="1" lang="ja-JP" altLang="en-US"/>
           </a:p>
@@ -2927,7 +2927,7 @@
           <a:p>
             <a:fld id="{2EA8CD69-038A-45E6-A9A4-5E80CD0B5689}" type="datetimeFigureOut">
               <a:rPr kumimoji="1" lang="ja-JP" altLang="en-US" smtClean="0"/>
-              <a:t>2023/6/12</a:t>
+              <a:t>2023/6/13</a:t>
             </a:fld>
             <a:endParaRPr kumimoji="1" lang="ja-JP" altLang="en-US"/>
           </a:p>
@@ -3200,7 +3200,7 @@
           <a:p>
             <a:fld id="{2EA8CD69-038A-45E6-A9A4-5E80CD0B5689}" type="datetimeFigureOut">
               <a:rPr kumimoji="1" lang="ja-JP" altLang="en-US" smtClean="0"/>
-              <a:t>2023/6/12</a:t>
+              <a:t>2023/6/13</a:t>
             </a:fld>
             <a:endParaRPr kumimoji="1" lang="ja-JP" altLang="en-US"/>
           </a:p>
@@ -3617,12 +3617,366 @@
           <a:chExt cx="0" cy="0"/>
         </a:xfrm>
       </p:grpSpPr>
+      <p:cxnSp>
+        <p:nvCxnSpPr>
+          <p:cNvPr id="5" name="直線コネクタ 4">
+            <a:extLst>
+              <a:ext uri="{FF2B5EF4-FFF2-40B4-BE49-F238E27FC236}">
+                <a16:creationId xmlns:a16="http://schemas.microsoft.com/office/drawing/2014/main" id="{D4D779D4-B600-55CE-6726-A2AE1F47D972}"/>
+              </a:ext>
+            </a:extLst>
+          </p:cNvPr>
+          <p:cNvCxnSpPr>
+            <a:cxnSpLocks/>
+          </p:cNvCxnSpPr>
+          <p:nvPr/>
+        </p:nvCxnSpPr>
+        <p:spPr>
+          <a:xfrm>
+            <a:off x="3080472" y="809372"/>
+            <a:ext cx="0" cy="4417537"/>
+          </a:xfrm>
+          <a:prstGeom prst="line">
+            <a:avLst/>
+          </a:prstGeom>
+          <a:ln>
+            <a:prstDash val="dash"/>
+          </a:ln>
+        </p:spPr>
+        <p:style>
+          <a:lnRef idx="1">
+            <a:schemeClr val="accent1"/>
+          </a:lnRef>
+          <a:fillRef idx="0">
+            <a:schemeClr val="accent1"/>
+          </a:fillRef>
+          <a:effectRef idx="0">
+            <a:schemeClr val="accent1"/>
+          </a:effectRef>
+          <a:fontRef idx="minor">
+            <a:schemeClr val="tx1"/>
+          </a:fontRef>
+        </p:style>
+      </p:cxnSp>
+      <p:cxnSp>
+        <p:nvCxnSpPr>
+          <p:cNvPr id="9" name="直線コネクタ 8">
+            <a:extLst>
+              <a:ext uri="{FF2B5EF4-FFF2-40B4-BE49-F238E27FC236}">
+                <a16:creationId xmlns:a16="http://schemas.microsoft.com/office/drawing/2014/main" id="{4AE7A7F6-6ED3-C4C9-FA8C-0818A1A5FE29}"/>
+              </a:ext>
+            </a:extLst>
+          </p:cNvPr>
+          <p:cNvCxnSpPr>
+            <a:cxnSpLocks/>
+          </p:cNvCxnSpPr>
+          <p:nvPr/>
+        </p:nvCxnSpPr>
+        <p:spPr>
+          <a:xfrm>
+            <a:off x="6062427" y="809369"/>
+            <a:ext cx="0" cy="4417537"/>
+          </a:xfrm>
+          <a:prstGeom prst="line">
+            <a:avLst/>
+          </a:prstGeom>
+          <a:ln>
+            <a:prstDash val="dash"/>
+          </a:ln>
+        </p:spPr>
+        <p:style>
+          <a:lnRef idx="1">
+            <a:schemeClr val="accent1"/>
+          </a:lnRef>
+          <a:fillRef idx="0">
+            <a:schemeClr val="accent1"/>
+          </a:fillRef>
+          <a:effectRef idx="0">
+            <a:schemeClr val="accent1"/>
+          </a:effectRef>
+          <a:fontRef idx="minor">
+            <a:schemeClr val="tx1"/>
+          </a:fontRef>
+        </p:style>
+      </p:cxnSp>
+      <p:cxnSp>
+        <p:nvCxnSpPr>
+          <p:cNvPr id="10" name="直線コネクタ 9">
+            <a:extLst>
+              <a:ext uri="{FF2B5EF4-FFF2-40B4-BE49-F238E27FC236}">
+                <a16:creationId xmlns:a16="http://schemas.microsoft.com/office/drawing/2014/main" id="{194179E3-C01A-EB99-326D-C5B6C33AD65E}"/>
+              </a:ext>
+            </a:extLst>
+          </p:cNvPr>
+          <p:cNvCxnSpPr>
+            <a:cxnSpLocks/>
+          </p:cNvCxnSpPr>
+          <p:nvPr/>
+        </p:nvCxnSpPr>
+        <p:spPr>
+          <a:xfrm>
+            <a:off x="7553405" y="809372"/>
+            <a:ext cx="0" cy="4417537"/>
+          </a:xfrm>
+          <a:prstGeom prst="line">
+            <a:avLst/>
+          </a:prstGeom>
+          <a:ln>
+            <a:prstDash val="dash"/>
+          </a:ln>
+        </p:spPr>
+        <p:style>
+          <a:lnRef idx="1">
+            <a:schemeClr val="accent1"/>
+          </a:lnRef>
+          <a:fillRef idx="0">
+            <a:schemeClr val="accent1"/>
+          </a:fillRef>
+          <a:effectRef idx="0">
+            <a:schemeClr val="accent1"/>
+          </a:effectRef>
+          <a:fontRef idx="minor">
+            <a:schemeClr val="tx1"/>
+          </a:fontRef>
+        </p:style>
+      </p:cxnSp>
+      <p:cxnSp>
+        <p:nvCxnSpPr>
+          <p:cNvPr id="11" name="直線コネクタ 10">
+            <a:extLst>
+              <a:ext uri="{FF2B5EF4-FFF2-40B4-BE49-F238E27FC236}">
+                <a16:creationId xmlns:a16="http://schemas.microsoft.com/office/drawing/2014/main" id="{5F02F39F-537D-C209-BC6F-E57DAE06A0DF}"/>
+              </a:ext>
+            </a:extLst>
+          </p:cNvPr>
+          <p:cNvCxnSpPr>
+            <a:cxnSpLocks/>
+          </p:cNvCxnSpPr>
+          <p:nvPr/>
+        </p:nvCxnSpPr>
+        <p:spPr>
+          <a:xfrm>
+            <a:off x="9044383" y="809368"/>
+            <a:ext cx="0" cy="4417537"/>
+          </a:xfrm>
+          <a:prstGeom prst="line">
+            <a:avLst/>
+          </a:prstGeom>
+          <a:ln>
+            <a:prstDash val="dash"/>
+          </a:ln>
+        </p:spPr>
+        <p:style>
+          <a:lnRef idx="1">
+            <a:schemeClr val="accent1"/>
+          </a:lnRef>
+          <a:fillRef idx="0">
+            <a:schemeClr val="accent1"/>
+          </a:fillRef>
+          <a:effectRef idx="0">
+            <a:schemeClr val="accent1"/>
+          </a:effectRef>
+          <a:fontRef idx="minor">
+            <a:schemeClr val="tx1"/>
+          </a:fontRef>
+        </p:style>
+      </p:cxnSp>
+      <p:cxnSp>
+        <p:nvCxnSpPr>
+          <p:cNvPr id="12" name="直線コネクタ 11">
+            <a:extLst>
+              <a:ext uri="{FF2B5EF4-FFF2-40B4-BE49-F238E27FC236}">
+                <a16:creationId xmlns:a16="http://schemas.microsoft.com/office/drawing/2014/main" id="{1F27E40E-B78A-A593-3788-CE6647961D99}"/>
+              </a:ext>
+            </a:extLst>
+          </p:cNvPr>
+          <p:cNvCxnSpPr>
+            <a:cxnSpLocks/>
+          </p:cNvCxnSpPr>
+          <p:nvPr/>
+        </p:nvCxnSpPr>
+        <p:spPr>
+          <a:xfrm>
+            <a:off x="4571450" y="809371"/>
+            <a:ext cx="0" cy="4417537"/>
+          </a:xfrm>
+          <a:prstGeom prst="line">
+            <a:avLst/>
+          </a:prstGeom>
+          <a:ln>
+            <a:prstDash val="dash"/>
+          </a:ln>
+        </p:spPr>
+        <p:style>
+          <a:lnRef idx="1">
+            <a:schemeClr val="accent1"/>
+          </a:lnRef>
+          <a:fillRef idx="0">
+            <a:schemeClr val="accent1"/>
+          </a:fillRef>
+          <a:effectRef idx="0">
+            <a:schemeClr val="accent1"/>
+          </a:effectRef>
+          <a:fontRef idx="minor">
+            <a:schemeClr val="tx1"/>
+          </a:fontRef>
+        </p:style>
+      </p:cxnSp>
+      <p:sp>
+        <p:nvSpPr>
+          <p:cNvPr id="13" name="正方形/長方形 12">
+            <a:extLst>
+              <a:ext uri="{FF2B5EF4-FFF2-40B4-BE49-F238E27FC236}">
+                <a16:creationId xmlns:a16="http://schemas.microsoft.com/office/drawing/2014/main" id="{9876226A-4F2A-FA05-0EB2-59A08C65E8F5}"/>
+              </a:ext>
+            </a:extLst>
+          </p:cNvPr>
+          <p:cNvSpPr/>
+          <p:nvPr/>
+        </p:nvSpPr>
+        <p:spPr>
+          <a:xfrm>
+            <a:off x="4591907" y="2234569"/>
+            <a:ext cx="1487402" cy="4417536"/>
+          </a:xfrm>
+          <a:prstGeom prst="rect">
+            <a:avLst/>
+          </a:prstGeom>
+          <a:solidFill>
+            <a:srgbClr val="FF0000">
+              <a:alpha val="74902"/>
+            </a:srgbClr>
+          </a:solidFill>
+          <a:ln>
+            <a:noFill/>
+          </a:ln>
+        </p:spPr>
+        <p:style>
+          <a:lnRef idx="2">
+            <a:schemeClr val="accent1">
+              <a:shade val="50000"/>
+            </a:schemeClr>
+          </a:lnRef>
+          <a:fillRef idx="1">
+            <a:schemeClr val="accent1"/>
+          </a:fillRef>
+          <a:effectRef idx="0">
+            <a:schemeClr val="accent1"/>
+          </a:effectRef>
+          <a:fontRef idx="minor">
+            <a:schemeClr val="lt1"/>
+          </a:fontRef>
+        </p:style>
+        <p:txBody>
+          <a:bodyPr rtlCol="0" anchor="ctr"/>
+          <a:lstStyle/>
+          <a:p>
+            <a:pPr algn="ctr"/>
+            <a:endParaRPr kumimoji="1" lang="ja-JP" altLang="en-US" dirty="0"/>
+          </a:p>
+        </p:txBody>
+      </p:sp>
+      <p:sp>
+        <p:nvSpPr>
+          <p:cNvPr id="15" name="正方形/長方形 14">
+            <a:extLst>
+              <a:ext uri="{FF2B5EF4-FFF2-40B4-BE49-F238E27FC236}">
+                <a16:creationId xmlns:a16="http://schemas.microsoft.com/office/drawing/2014/main" id="{751FE57F-EC78-B99F-0E60-EE924380450B}"/>
+              </a:ext>
+            </a:extLst>
+          </p:cNvPr>
+          <p:cNvSpPr/>
+          <p:nvPr/>
+        </p:nvSpPr>
+        <p:spPr>
+          <a:xfrm>
+            <a:off x="7553405" y="2165660"/>
+            <a:ext cx="1487402" cy="4417536"/>
+          </a:xfrm>
+          <a:prstGeom prst="rect">
+            <a:avLst/>
+          </a:prstGeom>
+          <a:solidFill>
+            <a:srgbClr val="FF0000">
+              <a:alpha val="74902"/>
+            </a:srgbClr>
+          </a:solidFill>
+          <a:ln>
+            <a:noFill/>
+          </a:ln>
+        </p:spPr>
+        <p:style>
+          <a:lnRef idx="2">
+            <a:schemeClr val="accent1">
+              <a:shade val="50000"/>
+            </a:schemeClr>
+          </a:lnRef>
+          <a:fillRef idx="1">
+            <a:schemeClr val="accent1"/>
+          </a:fillRef>
+          <a:effectRef idx="0">
+            <a:schemeClr val="accent1"/>
+          </a:effectRef>
+          <a:fontRef idx="minor">
+            <a:schemeClr val="lt1"/>
+          </a:fontRef>
+        </p:style>
+        <p:txBody>
+          <a:bodyPr rtlCol="0" anchor="ctr"/>
+          <a:lstStyle/>
+          <a:p>
+            <a:pPr algn="ctr"/>
+            <a:endParaRPr kumimoji="1" lang="ja-JP" altLang="en-US" dirty="0"/>
+          </a:p>
+        </p:txBody>
+      </p:sp>
+      <p:cxnSp>
+        <p:nvCxnSpPr>
+          <p:cNvPr id="16" name="直線コネクタ 15">
+            <a:extLst>
+              <a:ext uri="{FF2B5EF4-FFF2-40B4-BE49-F238E27FC236}">
+                <a16:creationId xmlns:a16="http://schemas.microsoft.com/office/drawing/2014/main" id="{7905E36B-F0C2-3BBF-1872-701E4606CAC3}"/>
+              </a:ext>
+            </a:extLst>
+          </p:cNvPr>
+          <p:cNvCxnSpPr>
+            <a:cxnSpLocks/>
+          </p:cNvCxnSpPr>
+          <p:nvPr/>
+        </p:nvCxnSpPr>
+        <p:spPr>
+          <a:xfrm>
+            <a:off x="10531785" y="809372"/>
+            <a:ext cx="0" cy="4417537"/>
+          </a:xfrm>
+          <a:prstGeom prst="line">
+            <a:avLst/>
+          </a:prstGeom>
+          <a:ln>
+            <a:prstDash val="dash"/>
+          </a:ln>
+        </p:spPr>
+        <p:style>
+          <a:lnRef idx="1">
+            <a:schemeClr val="accent1"/>
+          </a:lnRef>
+          <a:fillRef idx="0">
+            <a:schemeClr val="accent1"/>
+          </a:fillRef>
+          <a:effectRef idx="0">
+            <a:schemeClr val="accent1"/>
+          </a:effectRef>
+          <a:fontRef idx="minor">
+            <a:schemeClr val="tx1"/>
+          </a:fontRef>
+        </p:style>
+      </p:cxnSp>
       <p:grpSp>
         <p:nvGrpSpPr>
-          <p:cNvPr id="50" name="グループ化 49">
-            <a:extLst>
-              <a:ext uri="{FF2B5EF4-FFF2-40B4-BE49-F238E27FC236}">
-                <a16:creationId xmlns:a16="http://schemas.microsoft.com/office/drawing/2014/main" id="{10CD5C7A-7DCA-AD1A-926B-0694D5B634D5}"/>
+          <p:cNvPr id="21" name="グループ化 20">
+            <a:extLst>
+              <a:ext uri="{FF2B5EF4-FFF2-40B4-BE49-F238E27FC236}">
+                <a16:creationId xmlns:a16="http://schemas.microsoft.com/office/drawing/2014/main" id="{CDBE2387-935E-9166-7AFA-76BA0F0330D3}"/>
               </a:ext>
             </a:extLst>
           </p:cNvPr>
@@ -3631,18 +3985,1344 @@
         </p:nvGrpSpPr>
         <p:grpSpPr>
           <a:xfrm>
-            <a:off x="1660215" y="163034"/>
-            <a:ext cx="9252236" cy="5082406"/>
-            <a:chOff x="1660215" y="163034"/>
-            <a:chExt cx="9252236" cy="5082406"/>
+            <a:off x="1660215" y="3289330"/>
+            <a:ext cx="854866" cy="763613"/>
+            <a:chOff x="105013" y="1668162"/>
+            <a:chExt cx="920579" cy="846437"/>
+          </a:xfrm>
+        </p:grpSpPr>
+        <p:sp>
+          <p:nvSpPr>
+            <p:cNvPr id="19" name="正方形/長方形 18">
+              <a:extLst>
+                <a:ext uri="{FF2B5EF4-FFF2-40B4-BE49-F238E27FC236}">
+                  <a16:creationId xmlns:a16="http://schemas.microsoft.com/office/drawing/2014/main" id="{45BC023A-6425-DEC9-2680-5B5BAFC83272}"/>
+                </a:ext>
+              </a:extLst>
+            </p:cNvPr>
+            <p:cNvSpPr/>
+            <p:nvPr/>
+          </p:nvSpPr>
+          <p:spPr>
+            <a:xfrm>
+              <a:off x="284205" y="1668162"/>
+              <a:ext cx="741387" cy="444843"/>
+            </a:xfrm>
+            <a:prstGeom prst="rect">
+              <a:avLst/>
+            </a:prstGeom>
+            <a:noFill/>
+            <a:ln w="28575">
+              <a:solidFill>
+                <a:srgbClr val="00B050"/>
+              </a:solidFill>
+            </a:ln>
+          </p:spPr>
+          <p:style>
+            <a:lnRef idx="2">
+              <a:schemeClr val="accent1">
+                <a:shade val="50000"/>
+              </a:schemeClr>
+            </a:lnRef>
+            <a:fillRef idx="1">
+              <a:schemeClr val="accent1"/>
+            </a:fillRef>
+            <a:effectRef idx="0">
+              <a:schemeClr val="accent1"/>
+            </a:effectRef>
+            <a:fontRef idx="minor">
+              <a:schemeClr val="lt1"/>
+            </a:fontRef>
+          </p:style>
+          <p:txBody>
+            <a:bodyPr rtlCol="0" anchor="ctr"/>
+            <a:lstStyle/>
+            <a:p>
+              <a:pPr algn="ctr"/>
+              <a:r>
+                <a:rPr kumimoji="1" lang="en-US" altLang="ja-JP" sz="1600" b="1" dirty="0">
+                  <a:solidFill>
+                    <a:srgbClr val="00B050"/>
+                  </a:solidFill>
+                </a:rPr>
+                <a:t>PC3</a:t>
+              </a:r>
+              <a:endParaRPr kumimoji="1" lang="ja-JP" altLang="en-US" sz="1600" b="1" dirty="0">
+                <a:solidFill>
+                  <a:srgbClr val="00B050"/>
+                </a:solidFill>
+              </a:endParaRPr>
+            </a:p>
+          </p:txBody>
+        </p:sp>
+        <p:sp>
+          <p:nvSpPr>
+            <p:cNvPr id="20" name="フローチャート: データ 19">
+              <a:extLst>
+                <a:ext uri="{FF2B5EF4-FFF2-40B4-BE49-F238E27FC236}">
+                  <a16:creationId xmlns:a16="http://schemas.microsoft.com/office/drawing/2014/main" id="{C2090969-6976-EDD3-5F90-C70B22FE9290}"/>
+                </a:ext>
+              </a:extLst>
+            </p:cNvPr>
+            <p:cNvSpPr/>
+            <p:nvPr/>
+          </p:nvSpPr>
+          <p:spPr>
+            <a:xfrm>
+              <a:off x="105013" y="2113005"/>
+              <a:ext cx="920573" cy="401594"/>
+            </a:xfrm>
+            <a:prstGeom prst="flowChartInputOutput">
+              <a:avLst/>
+            </a:prstGeom>
+            <a:noFill/>
+            <a:ln w="28575">
+              <a:solidFill>
+                <a:srgbClr val="00B050"/>
+              </a:solidFill>
+            </a:ln>
+          </p:spPr>
+          <p:style>
+            <a:lnRef idx="2">
+              <a:schemeClr val="accent1">
+                <a:shade val="50000"/>
+              </a:schemeClr>
+            </a:lnRef>
+            <a:fillRef idx="1">
+              <a:schemeClr val="accent1"/>
+            </a:fillRef>
+            <a:effectRef idx="0">
+              <a:schemeClr val="accent1"/>
+            </a:effectRef>
+            <a:fontRef idx="minor">
+              <a:schemeClr val="lt1"/>
+            </a:fontRef>
+          </p:style>
+          <p:txBody>
+            <a:bodyPr rtlCol="0" anchor="ctr"/>
+            <a:lstStyle/>
+            <a:p>
+              <a:pPr algn="ctr"/>
+              <a:endParaRPr kumimoji="1" lang="ja-JP" altLang="en-US"/>
+            </a:p>
+          </p:txBody>
+        </p:sp>
+      </p:grpSp>
+      <p:grpSp>
+        <p:nvGrpSpPr>
+          <p:cNvPr id="22" name="グループ化 21">
+            <a:extLst>
+              <a:ext uri="{FF2B5EF4-FFF2-40B4-BE49-F238E27FC236}">
+                <a16:creationId xmlns:a16="http://schemas.microsoft.com/office/drawing/2014/main" id="{325A5EC1-EDFE-11F6-132F-4CA55C3AF40C}"/>
+              </a:ext>
+            </a:extLst>
+          </p:cNvPr>
+          <p:cNvGrpSpPr/>
+          <p:nvPr/>
+        </p:nvGrpSpPr>
+        <p:grpSpPr>
+          <a:xfrm>
+            <a:off x="1660215" y="4351288"/>
+            <a:ext cx="869156" cy="763613"/>
+            <a:chOff x="105013" y="1668162"/>
+            <a:chExt cx="920579" cy="846437"/>
+          </a:xfrm>
+        </p:grpSpPr>
+        <p:sp>
+          <p:nvSpPr>
+            <p:cNvPr id="23" name="正方形/長方形 22">
+              <a:extLst>
+                <a:ext uri="{FF2B5EF4-FFF2-40B4-BE49-F238E27FC236}">
+                  <a16:creationId xmlns:a16="http://schemas.microsoft.com/office/drawing/2014/main" id="{8550C6C5-1DB5-4459-75BF-FE59B1A08B53}"/>
+                </a:ext>
+              </a:extLst>
+            </p:cNvPr>
+            <p:cNvSpPr/>
+            <p:nvPr/>
+          </p:nvSpPr>
+          <p:spPr>
+            <a:xfrm>
+              <a:off x="284205" y="1668162"/>
+              <a:ext cx="741387" cy="444843"/>
+            </a:xfrm>
+            <a:prstGeom prst="rect">
+              <a:avLst/>
+            </a:prstGeom>
+            <a:noFill/>
+            <a:ln w="28575">
+              <a:solidFill>
+                <a:srgbClr val="7030A0"/>
+              </a:solidFill>
+            </a:ln>
+          </p:spPr>
+          <p:style>
+            <a:lnRef idx="2">
+              <a:schemeClr val="accent1">
+                <a:shade val="50000"/>
+              </a:schemeClr>
+            </a:lnRef>
+            <a:fillRef idx="1">
+              <a:schemeClr val="accent1"/>
+            </a:fillRef>
+            <a:effectRef idx="0">
+              <a:schemeClr val="accent1"/>
+            </a:effectRef>
+            <a:fontRef idx="minor">
+              <a:schemeClr val="lt1"/>
+            </a:fontRef>
+          </p:style>
+          <p:txBody>
+            <a:bodyPr rtlCol="0" anchor="ctr"/>
+            <a:lstStyle/>
+            <a:p>
+              <a:pPr algn="ctr"/>
+              <a:r>
+                <a:rPr kumimoji="1" lang="en-US" altLang="ja-JP" sz="1600" b="1" dirty="0">
+                  <a:solidFill>
+                    <a:srgbClr val="7030A0"/>
+                  </a:solidFill>
+                </a:rPr>
+                <a:t>PC4</a:t>
+              </a:r>
+              <a:endParaRPr kumimoji="1" lang="ja-JP" altLang="en-US" sz="1600" b="1" dirty="0">
+                <a:solidFill>
+                  <a:srgbClr val="7030A0"/>
+                </a:solidFill>
+              </a:endParaRPr>
+            </a:p>
+          </p:txBody>
+        </p:sp>
+        <p:sp>
+          <p:nvSpPr>
+            <p:cNvPr id="24" name="フローチャート: データ 23">
+              <a:extLst>
+                <a:ext uri="{FF2B5EF4-FFF2-40B4-BE49-F238E27FC236}">
+                  <a16:creationId xmlns:a16="http://schemas.microsoft.com/office/drawing/2014/main" id="{E1583D14-9B6D-BBBC-0D60-31C9D1195EA1}"/>
+                </a:ext>
+              </a:extLst>
+            </p:cNvPr>
+            <p:cNvSpPr/>
+            <p:nvPr/>
+          </p:nvSpPr>
+          <p:spPr>
+            <a:xfrm>
+              <a:off x="105013" y="2113005"/>
+              <a:ext cx="920573" cy="401594"/>
+            </a:xfrm>
+            <a:prstGeom prst="flowChartInputOutput">
+              <a:avLst/>
+            </a:prstGeom>
+            <a:noFill/>
+            <a:ln w="28575">
+              <a:solidFill>
+                <a:srgbClr val="7030A0"/>
+              </a:solidFill>
+            </a:ln>
+          </p:spPr>
+          <p:style>
+            <a:lnRef idx="2">
+              <a:schemeClr val="accent1">
+                <a:shade val="50000"/>
+              </a:schemeClr>
+            </a:lnRef>
+            <a:fillRef idx="1">
+              <a:schemeClr val="accent1"/>
+            </a:fillRef>
+            <a:effectRef idx="0">
+              <a:schemeClr val="accent1"/>
+            </a:effectRef>
+            <a:fontRef idx="minor">
+              <a:schemeClr val="lt1"/>
+            </a:fontRef>
+          </p:style>
+          <p:txBody>
+            <a:bodyPr rtlCol="0" anchor="ctr"/>
+            <a:lstStyle/>
+            <a:p>
+              <a:pPr algn="ctr"/>
+              <a:endParaRPr kumimoji="1" lang="ja-JP" altLang="en-US"/>
+            </a:p>
+          </p:txBody>
+        </p:sp>
+      </p:grpSp>
+      <p:grpSp>
+        <p:nvGrpSpPr>
+          <p:cNvPr id="25" name="グループ化 24">
+            <a:extLst>
+              <a:ext uri="{FF2B5EF4-FFF2-40B4-BE49-F238E27FC236}">
+                <a16:creationId xmlns:a16="http://schemas.microsoft.com/office/drawing/2014/main" id="{F0B2A3D1-468F-C934-8965-EC89F9BC56A0}"/>
+              </a:ext>
+            </a:extLst>
+          </p:cNvPr>
+          <p:cNvGrpSpPr/>
+          <p:nvPr/>
+        </p:nvGrpSpPr>
+        <p:grpSpPr>
+          <a:xfrm>
+            <a:off x="1674625" y="2125967"/>
+            <a:ext cx="862011" cy="763613"/>
+            <a:chOff x="105013" y="1668162"/>
+            <a:chExt cx="920579" cy="846437"/>
+          </a:xfrm>
+        </p:grpSpPr>
+        <p:sp>
+          <p:nvSpPr>
+            <p:cNvPr id="26" name="正方形/長方形 25">
+              <a:extLst>
+                <a:ext uri="{FF2B5EF4-FFF2-40B4-BE49-F238E27FC236}">
+                  <a16:creationId xmlns:a16="http://schemas.microsoft.com/office/drawing/2014/main" id="{A9B1A871-7B50-FE3C-B1E2-DD5C98B7FCAE}"/>
+                </a:ext>
+              </a:extLst>
+            </p:cNvPr>
+            <p:cNvSpPr/>
+            <p:nvPr/>
+          </p:nvSpPr>
+          <p:spPr>
+            <a:xfrm>
+              <a:off x="284205" y="1668162"/>
+              <a:ext cx="741387" cy="444843"/>
+            </a:xfrm>
+            <a:prstGeom prst="rect">
+              <a:avLst/>
+            </a:prstGeom>
+            <a:noFill/>
+            <a:ln w="28575">
+              <a:solidFill>
+                <a:srgbClr val="FF0000"/>
+              </a:solidFill>
+            </a:ln>
+          </p:spPr>
+          <p:style>
+            <a:lnRef idx="2">
+              <a:schemeClr val="accent1">
+                <a:shade val="50000"/>
+              </a:schemeClr>
+            </a:lnRef>
+            <a:fillRef idx="1">
+              <a:schemeClr val="accent1"/>
+            </a:fillRef>
+            <a:effectRef idx="0">
+              <a:schemeClr val="accent1"/>
+            </a:effectRef>
+            <a:fontRef idx="minor">
+              <a:schemeClr val="lt1"/>
+            </a:fontRef>
+          </p:style>
+          <p:txBody>
+            <a:bodyPr rtlCol="0" anchor="ctr"/>
+            <a:lstStyle/>
+            <a:p>
+              <a:pPr algn="ctr"/>
+              <a:r>
+                <a:rPr kumimoji="1" lang="en-US" altLang="ja-JP" sz="1600" b="1" dirty="0">
+                  <a:solidFill>
+                    <a:srgbClr val="FF0000"/>
+                  </a:solidFill>
+                </a:rPr>
+                <a:t>PC2</a:t>
+              </a:r>
+              <a:endParaRPr kumimoji="1" lang="ja-JP" altLang="en-US" sz="1600" b="1" dirty="0">
+                <a:solidFill>
+                  <a:srgbClr val="FF0000"/>
+                </a:solidFill>
+              </a:endParaRPr>
+            </a:p>
+          </p:txBody>
+        </p:sp>
+        <p:sp>
+          <p:nvSpPr>
+            <p:cNvPr id="27" name="フローチャート: データ 26">
+              <a:extLst>
+                <a:ext uri="{FF2B5EF4-FFF2-40B4-BE49-F238E27FC236}">
+                  <a16:creationId xmlns:a16="http://schemas.microsoft.com/office/drawing/2014/main" id="{B0841040-987A-2D95-ECB5-65D1172358B4}"/>
+                </a:ext>
+              </a:extLst>
+            </p:cNvPr>
+            <p:cNvSpPr/>
+            <p:nvPr/>
+          </p:nvSpPr>
+          <p:spPr>
+            <a:xfrm>
+              <a:off x="105013" y="2113005"/>
+              <a:ext cx="920573" cy="401594"/>
+            </a:xfrm>
+            <a:prstGeom prst="flowChartInputOutput">
+              <a:avLst/>
+            </a:prstGeom>
+            <a:noFill/>
+            <a:ln w="28575">
+              <a:solidFill>
+                <a:srgbClr val="FF0000"/>
+              </a:solidFill>
+            </a:ln>
+          </p:spPr>
+          <p:style>
+            <a:lnRef idx="2">
+              <a:schemeClr val="accent1">
+                <a:shade val="50000"/>
+              </a:schemeClr>
+            </a:lnRef>
+            <a:fillRef idx="1">
+              <a:schemeClr val="accent1"/>
+            </a:fillRef>
+            <a:effectRef idx="0">
+              <a:schemeClr val="accent1"/>
+            </a:effectRef>
+            <a:fontRef idx="minor">
+              <a:schemeClr val="lt1"/>
+            </a:fontRef>
+          </p:style>
+          <p:txBody>
+            <a:bodyPr rtlCol="0" anchor="ctr"/>
+            <a:lstStyle/>
+            <a:p>
+              <a:pPr algn="ctr"/>
+              <a:endParaRPr kumimoji="1" lang="ja-JP" altLang="en-US"/>
+            </a:p>
+          </p:txBody>
+        </p:sp>
+      </p:grpSp>
+      <p:grpSp>
+        <p:nvGrpSpPr>
+          <p:cNvPr id="28" name="グループ化 27">
+            <a:extLst>
+              <a:ext uri="{FF2B5EF4-FFF2-40B4-BE49-F238E27FC236}">
+                <a16:creationId xmlns:a16="http://schemas.microsoft.com/office/drawing/2014/main" id="{70C55800-67D4-36CE-F682-48A659E133D5}"/>
+              </a:ext>
+            </a:extLst>
+          </p:cNvPr>
+          <p:cNvGrpSpPr/>
+          <p:nvPr/>
+        </p:nvGrpSpPr>
+        <p:grpSpPr>
+          <a:xfrm>
+            <a:off x="1757359" y="1044500"/>
+            <a:ext cx="862005" cy="763613"/>
+            <a:chOff x="105013" y="1668162"/>
+            <a:chExt cx="920579" cy="846437"/>
+          </a:xfrm>
+        </p:grpSpPr>
+        <p:sp>
+          <p:nvSpPr>
+            <p:cNvPr id="29" name="正方形/長方形 28">
+              <a:extLst>
+                <a:ext uri="{FF2B5EF4-FFF2-40B4-BE49-F238E27FC236}">
+                  <a16:creationId xmlns:a16="http://schemas.microsoft.com/office/drawing/2014/main" id="{BDDEA898-41AA-E888-ADC2-000CCCB8BB38}"/>
+                </a:ext>
+              </a:extLst>
+            </p:cNvPr>
+            <p:cNvSpPr/>
+            <p:nvPr/>
+          </p:nvSpPr>
+          <p:spPr>
+            <a:xfrm>
+              <a:off x="284205" y="1668162"/>
+              <a:ext cx="741387" cy="444843"/>
+            </a:xfrm>
+            <a:prstGeom prst="rect">
+              <a:avLst/>
+            </a:prstGeom>
+            <a:noFill/>
+            <a:ln w="28575">
+              <a:solidFill>
+                <a:srgbClr val="0070C0"/>
+              </a:solidFill>
+            </a:ln>
+          </p:spPr>
+          <p:style>
+            <a:lnRef idx="2">
+              <a:schemeClr val="accent1">
+                <a:shade val="50000"/>
+              </a:schemeClr>
+            </a:lnRef>
+            <a:fillRef idx="1">
+              <a:schemeClr val="accent1"/>
+            </a:fillRef>
+            <a:effectRef idx="0">
+              <a:schemeClr val="accent1"/>
+            </a:effectRef>
+            <a:fontRef idx="minor">
+              <a:schemeClr val="lt1"/>
+            </a:fontRef>
+          </p:style>
+          <p:txBody>
+            <a:bodyPr rtlCol="0" anchor="ctr"/>
+            <a:lstStyle/>
+            <a:p>
+              <a:pPr algn="ctr"/>
+              <a:r>
+                <a:rPr kumimoji="1" lang="en-US" altLang="ja-JP" sz="1600" b="1" dirty="0">
+                  <a:solidFill>
+                    <a:srgbClr val="0070C0"/>
+                  </a:solidFill>
+                </a:rPr>
+                <a:t>PC1</a:t>
+              </a:r>
+              <a:endParaRPr kumimoji="1" lang="ja-JP" altLang="en-US" sz="1600" b="1" dirty="0">
+                <a:solidFill>
+                  <a:srgbClr val="0070C0"/>
+                </a:solidFill>
+              </a:endParaRPr>
+            </a:p>
+          </p:txBody>
+        </p:sp>
+        <p:sp>
+          <p:nvSpPr>
+            <p:cNvPr id="30" name="フローチャート: データ 29">
+              <a:extLst>
+                <a:ext uri="{FF2B5EF4-FFF2-40B4-BE49-F238E27FC236}">
+                  <a16:creationId xmlns:a16="http://schemas.microsoft.com/office/drawing/2014/main" id="{200FADB2-667E-5403-F78C-2A3DB8E30ABE}"/>
+                </a:ext>
+              </a:extLst>
+            </p:cNvPr>
+            <p:cNvSpPr/>
+            <p:nvPr/>
+          </p:nvSpPr>
+          <p:spPr>
+            <a:xfrm>
+              <a:off x="105013" y="2113005"/>
+              <a:ext cx="920573" cy="401594"/>
+            </a:xfrm>
+            <a:prstGeom prst="flowChartInputOutput">
+              <a:avLst/>
+            </a:prstGeom>
+            <a:noFill/>
+            <a:ln w="28575">
+              <a:solidFill>
+                <a:srgbClr val="0070C0"/>
+              </a:solidFill>
+            </a:ln>
+          </p:spPr>
+          <p:style>
+            <a:lnRef idx="2">
+              <a:schemeClr val="accent1">
+                <a:shade val="50000"/>
+              </a:schemeClr>
+            </a:lnRef>
+            <a:fillRef idx="1">
+              <a:schemeClr val="accent1"/>
+            </a:fillRef>
+            <a:effectRef idx="0">
+              <a:schemeClr val="accent1"/>
+            </a:effectRef>
+            <a:fontRef idx="minor">
+              <a:schemeClr val="lt1"/>
+            </a:fontRef>
+          </p:style>
+          <p:txBody>
+            <a:bodyPr rtlCol="0" anchor="ctr"/>
+            <a:lstStyle/>
+            <a:p>
+              <a:pPr algn="ctr"/>
+              <a:endParaRPr kumimoji="1" lang="ja-JP" altLang="en-US" b="1"/>
+            </a:p>
+          </p:txBody>
+        </p:sp>
+      </p:grpSp>
+      <p:sp>
+        <p:nvSpPr>
+          <p:cNvPr id="34" name="四角形: 角を丸くする 33">
+            <a:extLst>
+              <a:ext uri="{FF2B5EF4-FFF2-40B4-BE49-F238E27FC236}">
+                <a16:creationId xmlns:a16="http://schemas.microsoft.com/office/drawing/2014/main" id="{10FEAE33-658D-C756-DE94-1A458536E15B}"/>
+              </a:ext>
+            </a:extLst>
+          </p:cNvPr>
+          <p:cNvSpPr/>
+          <p:nvPr/>
+        </p:nvSpPr>
+        <p:spPr>
+          <a:xfrm>
+            <a:off x="3127793" y="1145078"/>
+            <a:ext cx="1162062" cy="256190"/>
+          </a:xfrm>
+          <a:prstGeom prst="roundRect">
+            <a:avLst/>
+          </a:prstGeom>
+          <a:solidFill>
+            <a:schemeClr val="bg1"/>
+          </a:solidFill>
+          <a:ln w="38100">
+            <a:solidFill>
+              <a:srgbClr val="0070C0"/>
+            </a:solidFill>
+          </a:ln>
+        </p:spPr>
+        <p:style>
+          <a:lnRef idx="2">
+            <a:schemeClr val="accent1">
+              <a:shade val="50000"/>
+            </a:schemeClr>
+          </a:lnRef>
+          <a:fillRef idx="1">
+            <a:schemeClr val="accent1"/>
+          </a:fillRef>
+          <a:effectRef idx="0">
+            <a:schemeClr val="accent1"/>
+          </a:effectRef>
+          <a:fontRef idx="minor">
+            <a:schemeClr val="lt1"/>
+          </a:fontRef>
+        </p:style>
+        <p:txBody>
+          <a:bodyPr rtlCol="0" anchor="ctr"/>
+          <a:lstStyle/>
+          <a:p>
+            <a:pPr algn="ctr"/>
+            <a:r>
+              <a:rPr kumimoji="1" lang="en-US" altLang="ja-JP" b="1" dirty="0">
+                <a:solidFill>
+                  <a:srgbClr val="0070C0"/>
+                </a:solidFill>
+              </a:rPr>
+              <a:t>Data 1.1</a:t>
+            </a:r>
+            <a:endParaRPr kumimoji="1" lang="ja-JP" altLang="en-US" b="1" dirty="0">
+              <a:solidFill>
+                <a:srgbClr val="0070C0"/>
+              </a:solidFill>
+            </a:endParaRPr>
+          </a:p>
+        </p:txBody>
+      </p:sp>
+      <p:sp>
+        <p:nvSpPr>
+          <p:cNvPr id="35" name="四角形: 角を丸くする 34">
+            <a:extLst>
+              <a:ext uri="{FF2B5EF4-FFF2-40B4-BE49-F238E27FC236}">
+                <a16:creationId xmlns:a16="http://schemas.microsoft.com/office/drawing/2014/main" id="{535669C1-F916-D234-1AC4-61D84452CD7D}"/>
+              </a:ext>
+            </a:extLst>
+          </p:cNvPr>
+          <p:cNvSpPr/>
+          <p:nvPr/>
+        </p:nvSpPr>
+        <p:spPr>
+          <a:xfrm>
+            <a:off x="4391940" y="1445815"/>
+            <a:ext cx="1162058" cy="256190"/>
+          </a:xfrm>
+          <a:prstGeom prst="roundRect">
+            <a:avLst/>
+          </a:prstGeom>
+          <a:solidFill>
+            <a:schemeClr val="bg1"/>
+          </a:solidFill>
+          <a:ln w="38100">
+            <a:solidFill>
+              <a:srgbClr val="0070C0"/>
+            </a:solidFill>
+          </a:ln>
+        </p:spPr>
+        <p:style>
+          <a:lnRef idx="2">
+            <a:schemeClr val="accent1">
+              <a:shade val="50000"/>
+            </a:schemeClr>
+          </a:lnRef>
+          <a:fillRef idx="1">
+            <a:schemeClr val="accent1"/>
+          </a:fillRef>
+          <a:effectRef idx="0">
+            <a:schemeClr val="accent1"/>
+          </a:effectRef>
+          <a:fontRef idx="minor">
+            <a:schemeClr val="lt1"/>
+          </a:fontRef>
+        </p:style>
+        <p:txBody>
+          <a:bodyPr rtlCol="0" anchor="ctr"/>
+          <a:lstStyle/>
+          <a:p>
+            <a:pPr algn="ctr"/>
+            <a:r>
+              <a:rPr kumimoji="1" lang="en-US" altLang="ja-JP" b="1" dirty="0">
+                <a:solidFill>
+                  <a:srgbClr val="0070C0"/>
+                </a:solidFill>
+              </a:rPr>
+              <a:t>Data 1.2</a:t>
+            </a:r>
+            <a:endParaRPr kumimoji="1" lang="ja-JP" altLang="en-US" b="1" dirty="0">
+              <a:solidFill>
+                <a:srgbClr val="0070C0"/>
+              </a:solidFill>
+            </a:endParaRPr>
+          </a:p>
+        </p:txBody>
+      </p:sp>
+      <p:sp>
+        <p:nvSpPr>
+          <p:cNvPr id="36" name="四角形: 角を丸くする 35">
+            <a:extLst>
+              <a:ext uri="{FF2B5EF4-FFF2-40B4-BE49-F238E27FC236}">
+                <a16:creationId xmlns:a16="http://schemas.microsoft.com/office/drawing/2014/main" id="{740691AF-D792-1294-6F67-2F59272A4836}"/>
+              </a:ext>
+            </a:extLst>
+          </p:cNvPr>
+          <p:cNvSpPr/>
+          <p:nvPr/>
+        </p:nvSpPr>
+        <p:spPr>
+          <a:xfrm>
+            <a:off x="7135046" y="1117062"/>
+            <a:ext cx="1162059" cy="256190"/>
+          </a:xfrm>
+          <a:prstGeom prst="roundRect">
+            <a:avLst/>
+          </a:prstGeom>
+          <a:solidFill>
+            <a:schemeClr val="bg1"/>
+          </a:solidFill>
+          <a:ln w="38100">
+            <a:solidFill>
+              <a:srgbClr val="0070C0"/>
+            </a:solidFill>
+          </a:ln>
+        </p:spPr>
+        <p:style>
+          <a:lnRef idx="2">
+            <a:schemeClr val="accent1">
+              <a:shade val="50000"/>
+            </a:schemeClr>
+          </a:lnRef>
+          <a:fillRef idx="1">
+            <a:schemeClr val="accent1"/>
+          </a:fillRef>
+          <a:effectRef idx="0">
+            <a:schemeClr val="accent1"/>
+          </a:effectRef>
+          <a:fontRef idx="minor">
+            <a:schemeClr val="lt1"/>
+          </a:fontRef>
+        </p:style>
+        <p:txBody>
+          <a:bodyPr rtlCol="0" anchor="ctr"/>
+          <a:lstStyle/>
+          <a:p>
+            <a:pPr algn="ctr"/>
+            <a:r>
+              <a:rPr kumimoji="1" lang="en-US" altLang="ja-JP" b="1" dirty="0">
+                <a:solidFill>
+                  <a:srgbClr val="0070C0"/>
+                </a:solidFill>
+              </a:rPr>
+              <a:t>Data 1.3</a:t>
+            </a:r>
+            <a:endParaRPr kumimoji="1" lang="ja-JP" altLang="en-US" b="1" dirty="0">
+              <a:solidFill>
+                <a:srgbClr val="0070C0"/>
+              </a:solidFill>
+            </a:endParaRPr>
+          </a:p>
+        </p:txBody>
+      </p:sp>
+      <p:sp>
+        <p:nvSpPr>
+          <p:cNvPr id="39" name="テキスト ボックス 38">
+            <a:extLst>
+              <a:ext uri="{FF2B5EF4-FFF2-40B4-BE49-F238E27FC236}">
+                <a16:creationId xmlns:a16="http://schemas.microsoft.com/office/drawing/2014/main" id="{E4940371-293E-528E-6BE8-78952050C4D0}"/>
+              </a:ext>
+            </a:extLst>
+          </p:cNvPr>
+          <p:cNvSpPr txBox="1"/>
+          <p:nvPr/>
+        </p:nvSpPr>
+        <p:spPr>
+          <a:xfrm>
+            <a:off x="4596626" y="163039"/>
+            <a:ext cx="1434822" cy="646331"/>
+          </a:xfrm>
+          <a:prstGeom prst="rect">
+            <a:avLst/>
+          </a:prstGeom>
+          <a:noFill/>
+        </p:spPr>
+        <p:txBody>
+          <a:bodyPr wrap="square" rtlCol="0">
+            <a:spAutoFit/>
+          </a:bodyPr>
+          <a:lstStyle/>
+          <a:p>
+            <a:pPr algn="ctr"/>
+            <a:r>
+              <a:rPr kumimoji="1" lang="en-US" altLang="ja-JP" dirty="0">
+                <a:solidFill>
+                  <a:srgbClr val="FF4040"/>
+                </a:solidFill>
+                <a:latin typeface="Arial Black" panose="020B0A04020102020204" pitchFamily="34" charset="0"/>
+              </a:rPr>
+              <a:t>Collision</a:t>
+            </a:r>
+          </a:p>
+          <a:p>
+            <a:pPr algn="ctr"/>
+            <a:r>
+              <a:rPr kumimoji="1" lang="en-US" altLang="ja-JP" dirty="0">
+                <a:solidFill>
+                  <a:srgbClr val="FF4040"/>
+                </a:solidFill>
+                <a:latin typeface="Arial Black" panose="020B0A04020102020204" pitchFamily="34" charset="0"/>
+              </a:rPr>
+              <a:t>Duration</a:t>
+            </a:r>
+            <a:endParaRPr kumimoji="1" lang="ja-JP" altLang="en-US" dirty="0">
+              <a:solidFill>
+                <a:srgbClr val="FF4040"/>
+              </a:solidFill>
+              <a:latin typeface="Arial Black" panose="020B0A04020102020204" pitchFamily="34" charset="0"/>
+            </a:endParaRPr>
+          </a:p>
+        </p:txBody>
+      </p:sp>
+      <p:sp>
+        <p:nvSpPr>
+          <p:cNvPr id="40" name="テキスト ボックス 39">
+            <a:extLst>
+              <a:ext uri="{FF2B5EF4-FFF2-40B4-BE49-F238E27FC236}">
+                <a16:creationId xmlns:a16="http://schemas.microsoft.com/office/drawing/2014/main" id="{DECFFB4F-4F62-2F3E-8CED-76FD767D82A8}"/>
+              </a:ext>
+            </a:extLst>
+          </p:cNvPr>
+          <p:cNvSpPr txBox="1"/>
+          <p:nvPr/>
+        </p:nvSpPr>
+        <p:spPr>
+          <a:xfrm>
+            <a:off x="7573199" y="163034"/>
+            <a:ext cx="1434822" cy="646331"/>
+          </a:xfrm>
+          <a:prstGeom prst="rect">
+            <a:avLst/>
+          </a:prstGeom>
+          <a:noFill/>
+        </p:spPr>
+        <p:txBody>
+          <a:bodyPr wrap="square" rtlCol="0">
+            <a:spAutoFit/>
+          </a:bodyPr>
+          <a:lstStyle/>
+          <a:p>
+            <a:pPr algn="ctr"/>
+            <a:r>
+              <a:rPr kumimoji="1" lang="en-US" altLang="ja-JP" dirty="0">
+                <a:solidFill>
+                  <a:srgbClr val="FF4040"/>
+                </a:solidFill>
+                <a:latin typeface="Arial Black" panose="020B0A04020102020204" pitchFamily="34" charset="0"/>
+              </a:rPr>
+              <a:t>Collision</a:t>
+            </a:r>
+          </a:p>
+          <a:p>
+            <a:pPr algn="ctr"/>
+            <a:r>
+              <a:rPr kumimoji="1" lang="en-US" altLang="ja-JP" dirty="0">
+                <a:solidFill>
+                  <a:srgbClr val="FF4040"/>
+                </a:solidFill>
+                <a:latin typeface="Arial Black" panose="020B0A04020102020204" pitchFamily="34" charset="0"/>
+              </a:rPr>
+              <a:t>Duration</a:t>
+            </a:r>
+            <a:endParaRPr kumimoji="1" lang="ja-JP" altLang="en-US" dirty="0">
+              <a:solidFill>
+                <a:srgbClr val="FF4040"/>
+              </a:solidFill>
+              <a:latin typeface="Arial Black" panose="020B0A04020102020204" pitchFamily="34" charset="0"/>
+            </a:endParaRPr>
+          </a:p>
+        </p:txBody>
+      </p:sp>
+      <p:cxnSp>
+        <p:nvCxnSpPr>
+          <p:cNvPr id="42" name="直線矢印コネクタ 41">
+            <a:extLst>
+              <a:ext uri="{FF2B5EF4-FFF2-40B4-BE49-F238E27FC236}">
+                <a16:creationId xmlns:a16="http://schemas.microsoft.com/office/drawing/2014/main" id="{828C6BFD-C3D6-BDAB-CA5B-164CF59538CA}"/>
+              </a:ext>
+            </a:extLst>
+          </p:cNvPr>
+          <p:cNvCxnSpPr>
+            <a:cxnSpLocks/>
+          </p:cNvCxnSpPr>
+          <p:nvPr/>
+        </p:nvCxnSpPr>
+        <p:spPr>
+          <a:xfrm>
+            <a:off x="1757359" y="1933832"/>
+            <a:ext cx="9153657" cy="0"/>
+          </a:xfrm>
+          <a:prstGeom prst="straightConnector1">
+            <a:avLst/>
+          </a:prstGeom>
+          <a:ln>
+            <a:prstDash val="lgDash"/>
+            <a:tailEnd type="triangle"/>
+          </a:ln>
+        </p:spPr>
+        <p:style>
+          <a:lnRef idx="1">
+            <a:schemeClr val="accent1"/>
+          </a:lnRef>
+          <a:fillRef idx="0">
+            <a:schemeClr val="accent1"/>
+          </a:fillRef>
+          <a:effectRef idx="0">
+            <a:schemeClr val="accent1"/>
+          </a:effectRef>
+          <a:fontRef idx="minor">
+            <a:schemeClr val="tx1"/>
+          </a:fontRef>
+        </p:style>
+      </p:cxnSp>
+      <p:cxnSp>
+        <p:nvCxnSpPr>
+          <p:cNvPr id="45" name="直線矢印コネクタ 44">
+            <a:extLst>
+              <a:ext uri="{FF2B5EF4-FFF2-40B4-BE49-F238E27FC236}">
+                <a16:creationId xmlns:a16="http://schemas.microsoft.com/office/drawing/2014/main" id="{88986396-0D7C-7F5F-6FEE-92FB6A7C97EA}"/>
+              </a:ext>
+            </a:extLst>
+          </p:cNvPr>
+          <p:cNvCxnSpPr>
+            <a:cxnSpLocks/>
+          </p:cNvCxnSpPr>
+          <p:nvPr/>
+        </p:nvCxnSpPr>
+        <p:spPr>
+          <a:xfrm>
+            <a:off x="1758794" y="3111843"/>
+            <a:ext cx="9153657" cy="0"/>
+          </a:xfrm>
+          <a:prstGeom prst="straightConnector1">
+            <a:avLst/>
+          </a:prstGeom>
+          <a:ln>
+            <a:prstDash val="lgDash"/>
+            <a:tailEnd type="triangle"/>
+          </a:ln>
+        </p:spPr>
+        <p:style>
+          <a:lnRef idx="1">
+            <a:schemeClr val="accent1"/>
+          </a:lnRef>
+          <a:fillRef idx="0">
+            <a:schemeClr val="accent1"/>
+          </a:fillRef>
+          <a:effectRef idx="0">
+            <a:schemeClr val="accent1"/>
+          </a:effectRef>
+          <a:fontRef idx="minor">
+            <a:schemeClr val="tx1"/>
+          </a:fontRef>
+        </p:style>
+      </p:cxnSp>
+      <p:cxnSp>
+        <p:nvCxnSpPr>
+          <p:cNvPr id="46" name="直線矢印コネクタ 45">
+            <a:extLst>
+              <a:ext uri="{FF2B5EF4-FFF2-40B4-BE49-F238E27FC236}">
+                <a16:creationId xmlns:a16="http://schemas.microsoft.com/office/drawing/2014/main" id="{07B8BA4F-A3AE-199C-C2EB-12A3D43FE4B9}"/>
+              </a:ext>
+            </a:extLst>
+          </p:cNvPr>
+          <p:cNvCxnSpPr>
+            <a:cxnSpLocks/>
+          </p:cNvCxnSpPr>
+          <p:nvPr/>
+        </p:nvCxnSpPr>
+        <p:spPr>
+          <a:xfrm>
+            <a:off x="1757358" y="4240426"/>
+            <a:ext cx="9153657" cy="0"/>
+          </a:xfrm>
+          <a:prstGeom prst="straightConnector1">
+            <a:avLst/>
+          </a:prstGeom>
+          <a:ln>
+            <a:prstDash val="lgDash"/>
+            <a:tailEnd type="triangle"/>
+          </a:ln>
+        </p:spPr>
+        <p:style>
+          <a:lnRef idx="1">
+            <a:schemeClr val="accent1"/>
+          </a:lnRef>
+          <a:fillRef idx="0">
+            <a:schemeClr val="accent1"/>
+          </a:fillRef>
+          <a:effectRef idx="0">
+            <a:schemeClr val="accent1"/>
+          </a:effectRef>
+          <a:fontRef idx="minor">
+            <a:schemeClr val="tx1"/>
+          </a:fontRef>
+        </p:style>
+      </p:cxnSp>
+      <p:cxnSp>
+        <p:nvCxnSpPr>
+          <p:cNvPr id="47" name="直線矢印コネクタ 46">
+            <a:extLst>
+              <a:ext uri="{FF2B5EF4-FFF2-40B4-BE49-F238E27FC236}">
+                <a16:creationId xmlns:a16="http://schemas.microsoft.com/office/drawing/2014/main" id="{0B0389C8-911C-7C8C-0222-107D34F8581F}"/>
+              </a:ext>
+            </a:extLst>
+          </p:cNvPr>
+          <p:cNvCxnSpPr>
+            <a:cxnSpLocks/>
+          </p:cNvCxnSpPr>
+          <p:nvPr/>
+        </p:nvCxnSpPr>
+        <p:spPr>
+          <a:xfrm>
+            <a:off x="1743417" y="5245440"/>
+            <a:ext cx="9153657" cy="0"/>
+          </a:xfrm>
+          <a:prstGeom prst="straightConnector1">
+            <a:avLst/>
+          </a:prstGeom>
+          <a:ln>
+            <a:prstDash val="lgDash"/>
+            <a:tailEnd type="triangle"/>
+          </a:ln>
+        </p:spPr>
+        <p:style>
+          <a:lnRef idx="1">
+            <a:schemeClr val="accent1"/>
+          </a:lnRef>
+          <a:fillRef idx="0">
+            <a:schemeClr val="accent1"/>
+          </a:fillRef>
+          <a:effectRef idx="0">
+            <a:schemeClr val="accent1"/>
+          </a:effectRef>
+          <a:fontRef idx="minor">
+            <a:schemeClr val="tx1"/>
+          </a:fontRef>
+        </p:style>
+      </p:cxnSp>
+      <p:sp>
+        <p:nvSpPr>
+          <p:cNvPr id="48" name="四角形: 角を丸くする 47">
+            <a:extLst>
+              <a:ext uri="{FF2B5EF4-FFF2-40B4-BE49-F238E27FC236}">
+                <a16:creationId xmlns:a16="http://schemas.microsoft.com/office/drawing/2014/main" id="{89505EA0-7216-D0A1-61FA-4B5568ABB9E1}"/>
+              </a:ext>
+            </a:extLst>
+          </p:cNvPr>
+          <p:cNvSpPr/>
+          <p:nvPr/>
+        </p:nvSpPr>
+        <p:spPr>
+          <a:xfrm>
+            <a:off x="4986233" y="2727557"/>
+            <a:ext cx="1162058" cy="256190"/>
+          </a:xfrm>
+          <a:prstGeom prst="roundRect">
+            <a:avLst/>
+          </a:prstGeom>
+          <a:solidFill>
+            <a:schemeClr val="bg1"/>
+          </a:solidFill>
+          <a:ln w="38100">
+            <a:solidFill>
+              <a:srgbClr val="FF0000"/>
+            </a:solidFill>
+          </a:ln>
+        </p:spPr>
+        <p:style>
+          <a:lnRef idx="2">
+            <a:schemeClr val="accent1">
+              <a:shade val="50000"/>
+            </a:schemeClr>
+          </a:lnRef>
+          <a:fillRef idx="1">
+            <a:schemeClr val="accent1"/>
+          </a:fillRef>
+          <a:effectRef idx="0">
+            <a:schemeClr val="accent1"/>
+          </a:effectRef>
+          <a:fontRef idx="minor">
+            <a:schemeClr val="lt1"/>
+          </a:fontRef>
+        </p:style>
+        <p:txBody>
+          <a:bodyPr rtlCol="0" anchor="ctr"/>
+          <a:lstStyle/>
+          <a:p>
+            <a:pPr algn="ctr"/>
+            <a:r>
+              <a:rPr kumimoji="1" lang="en-US" altLang="ja-JP" b="1" dirty="0">
+                <a:solidFill>
+                  <a:srgbClr val="FF0000"/>
+                </a:solidFill>
+              </a:rPr>
+              <a:t>Data 2.1</a:t>
+            </a:r>
+            <a:endParaRPr kumimoji="1" lang="ja-JP" altLang="en-US" b="1" dirty="0">
+              <a:solidFill>
+                <a:srgbClr val="FF0000"/>
+              </a:solidFill>
+            </a:endParaRPr>
+          </a:p>
+        </p:txBody>
+      </p:sp>
+      <p:sp>
+        <p:nvSpPr>
+          <p:cNvPr id="49" name="四角形: 角を丸くする 48">
+            <a:extLst>
+              <a:ext uri="{FF2B5EF4-FFF2-40B4-BE49-F238E27FC236}">
+                <a16:creationId xmlns:a16="http://schemas.microsoft.com/office/drawing/2014/main" id="{CB5578A6-C968-7E46-DEC5-988E810B2DA9}"/>
+              </a:ext>
+            </a:extLst>
+          </p:cNvPr>
+          <p:cNvSpPr/>
+          <p:nvPr/>
+        </p:nvSpPr>
+        <p:spPr>
+          <a:xfrm>
+            <a:off x="6354008" y="2326624"/>
+            <a:ext cx="1162058" cy="256190"/>
+          </a:xfrm>
+          <a:prstGeom prst="roundRect">
+            <a:avLst/>
+          </a:prstGeom>
+          <a:solidFill>
+            <a:schemeClr val="bg1"/>
+          </a:solidFill>
+          <a:ln w="38100">
+            <a:solidFill>
+              <a:srgbClr val="FF0000"/>
+            </a:solidFill>
+          </a:ln>
+        </p:spPr>
+        <p:style>
+          <a:lnRef idx="2">
+            <a:schemeClr val="accent1">
+              <a:shade val="50000"/>
+            </a:schemeClr>
+          </a:lnRef>
+          <a:fillRef idx="1">
+            <a:schemeClr val="accent1"/>
+          </a:fillRef>
+          <a:effectRef idx="0">
+            <a:schemeClr val="accent1"/>
+          </a:effectRef>
+          <a:fontRef idx="minor">
+            <a:schemeClr val="lt1"/>
+          </a:fontRef>
+        </p:style>
+        <p:txBody>
+          <a:bodyPr rtlCol="0" anchor="ctr"/>
+          <a:lstStyle/>
+          <a:p>
+            <a:pPr algn="ctr"/>
+            <a:r>
+              <a:rPr kumimoji="1" lang="en-US" altLang="ja-JP" b="1" dirty="0">
+                <a:solidFill>
+                  <a:srgbClr val="FF0000"/>
+                </a:solidFill>
+              </a:rPr>
+              <a:t>Data 2.2</a:t>
+            </a:r>
+            <a:endParaRPr kumimoji="1" lang="ja-JP" altLang="en-US" b="1" dirty="0">
+              <a:solidFill>
+                <a:srgbClr val="FF0000"/>
+              </a:solidFill>
+            </a:endParaRPr>
+          </a:p>
+        </p:txBody>
+      </p:sp>
+      <p:sp>
+        <p:nvSpPr>
+          <p:cNvPr id="51" name="四角形: 角を丸くする 50">
+            <a:extLst>
+              <a:ext uri="{FF2B5EF4-FFF2-40B4-BE49-F238E27FC236}">
+                <a16:creationId xmlns:a16="http://schemas.microsoft.com/office/drawing/2014/main" id="{7A003063-47F6-6581-FE67-964B72451D73}"/>
+              </a:ext>
+            </a:extLst>
+          </p:cNvPr>
+          <p:cNvSpPr/>
+          <p:nvPr/>
+        </p:nvSpPr>
+        <p:spPr>
+          <a:xfrm>
+            <a:off x="4289855" y="3837441"/>
+            <a:ext cx="1162058" cy="256190"/>
+          </a:xfrm>
+          <a:prstGeom prst="roundRect">
+            <a:avLst/>
+          </a:prstGeom>
+          <a:solidFill>
+            <a:schemeClr val="bg1"/>
+          </a:solidFill>
+          <a:ln w="38100">
+            <a:solidFill>
+              <a:srgbClr val="00B050"/>
+            </a:solidFill>
+          </a:ln>
+        </p:spPr>
+        <p:style>
+          <a:lnRef idx="2">
+            <a:schemeClr val="accent1">
+              <a:shade val="50000"/>
+            </a:schemeClr>
+          </a:lnRef>
+          <a:fillRef idx="1">
+            <a:schemeClr val="accent1"/>
+          </a:fillRef>
+          <a:effectRef idx="0">
+            <a:schemeClr val="accent1"/>
+          </a:effectRef>
+          <a:fontRef idx="minor">
+            <a:schemeClr val="lt1"/>
+          </a:fontRef>
+        </p:style>
+        <p:txBody>
+          <a:bodyPr rtlCol="0" anchor="ctr"/>
+          <a:lstStyle/>
+          <a:p>
+            <a:pPr algn="ctr"/>
+            <a:r>
+              <a:rPr kumimoji="1" lang="en-US" altLang="ja-JP" b="1">
+                <a:solidFill>
+                  <a:srgbClr val="00B050"/>
+                </a:solidFill>
+              </a:rPr>
+              <a:t>Data 3.1</a:t>
+            </a:r>
+            <a:endParaRPr kumimoji="1" lang="ja-JP" altLang="en-US" b="1" dirty="0">
+              <a:solidFill>
+                <a:srgbClr val="00B050"/>
+              </a:solidFill>
+            </a:endParaRPr>
+          </a:p>
+        </p:txBody>
+      </p:sp>
+      <p:sp>
+        <p:nvSpPr>
+          <p:cNvPr id="52" name="四角形: 角を丸くする 51">
+            <a:extLst>
+              <a:ext uri="{FF2B5EF4-FFF2-40B4-BE49-F238E27FC236}">
+                <a16:creationId xmlns:a16="http://schemas.microsoft.com/office/drawing/2014/main" id="{C166A7DF-0E78-08AA-F9BD-D9034D875B08}"/>
+              </a:ext>
+            </a:extLst>
+          </p:cNvPr>
+          <p:cNvSpPr/>
+          <p:nvPr/>
+        </p:nvSpPr>
+        <p:spPr>
+          <a:xfrm>
+            <a:off x="8247022" y="3429000"/>
+            <a:ext cx="1162058" cy="256190"/>
+          </a:xfrm>
+          <a:prstGeom prst="roundRect">
+            <a:avLst/>
+          </a:prstGeom>
+          <a:solidFill>
+            <a:schemeClr val="bg1"/>
+          </a:solidFill>
+          <a:ln w="38100">
+            <a:solidFill>
+              <a:srgbClr val="00B050"/>
+            </a:solidFill>
+          </a:ln>
+        </p:spPr>
+        <p:style>
+          <a:lnRef idx="2">
+            <a:schemeClr val="accent1">
+              <a:shade val="50000"/>
+            </a:schemeClr>
+          </a:lnRef>
+          <a:fillRef idx="1">
+            <a:schemeClr val="accent1"/>
+          </a:fillRef>
+          <a:effectRef idx="0">
+            <a:schemeClr val="accent1"/>
+          </a:effectRef>
+          <a:fontRef idx="minor">
+            <a:schemeClr val="lt1"/>
+          </a:fontRef>
+        </p:style>
+        <p:txBody>
+          <a:bodyPr rtlCol="0" anchor="ctr"/>
+          <a:lstStyle/>
+          <a:p>
+            <a:pPr algn="ctr"/>
+            <a:r>
+              <a:rPr kumimoji="1" lang="en-US" altLang="ja-JP" b="1" dirty="0">
+                <a:solidFill>
+                  <a:srgbClr val="00B050"/>
+                </a:solidFill>
+              </a:rPr>
+              <a:t>Data 3.2</a:t>
+            </a:r>
+            <a:endParaRPr kumimoji="1" lang="ja-JP" altLang="en-US" b="1" dirty="0">
+              <a:solidFill>
+                <a:srgbClr val="00B050"/>
+              </a:solidFill>
+            </a:endParaRPr>
+          </a:p>
+        </p:txBody>
+      </p:sp>
+    </p:spTree>
+    <p:extLst>
+      <p:ext uri="{BB962C8B-B14F-4D97-AF65-F5344CB8AC3E}">
+        <p14:creationId xmlns:p14="http://schemas.microsoft.com/office/powerpoint/2010/main" val="1205412639"/>
+      </p:ext>
+    </p:extLst>
+  </p:cSld>
+  <p:clrMapOvr>
+    <a:masterClrMapping/>
+  </p:clrMapOvr>
+</p:sld>
+</file>
+
+<file path=ppt/slides/slide2.xml><?xml version="1.0" encoding="utf-8"?>
+<p:sld xmlns:a="http://schemas.openxmlformats.org/drawingml/2006/main" xmlns:r="http://schemas.openxmlformats.org/officeDocument/2006/relationships" xmlns:p="http://schemas.openxmlformats.org/presentationml/2006/main">
+  <p:cSld>
+    <p:spTree>
+      <p:nvGrpSpPr>
+        <p:cNvPr id="1" name=""/>
+        <p:cNvGrpSpPr/>
+        <p:nvPr/>
+      </p:nvGrpSpPr>
+      <p:grpSpPr>
+        <a:xfrm>
+          <a:off x="0" y="0"/>
+          <a:ext cx="0" cy="0"/>
+          <a:chOff x="0" y="0"/>
+          <a:chExt cx="0" cy="0"/>
+        </a:xfrm>
+      </p:grpSpPr>
+      <p:grpSp>
+        <p:nvGrpSpPr>
+          <p:cNvPr id="64" name="グループ化 63">
+            <a:extLst>
+              <a:ext uri="{FF2B5EF4-FFF2-40B4-BE49-F238E27FC236}">
+                <a16:creationId xmlns:a16="http://schemas.microsoft.com/office/drawing/2014/main" id="{74C03060-8595-406B-1303-511BB5350ACA}"/>
+              </a:ext>
+            </a:extLst>
+          </p:cNvPr>
+          <p:cNvGrpSpPr/>
+          <p:nvPr/>
+        </p:nvGrpSpPr>
+        <p:grpSpPr>
+          <a:xfrm>
+            <a:off x="1994871" y="935831"/>
+            <a:ext cx="7806353" cy="4857707"/>
+            <a:chOff x="1994871" y="935831"/>
+            <a:chExt cx="7806353" cy="4857707"/>
           </a:xfrm>
         </p:grpSpPr>
         <p:grpSp>
           <p:nvGrpSpPr>
-            <p:cNvPr id="32" name="グループ化 31">
+            <p:cNvPr id="45" name="グループ化 44">
               <a:extLst>
                 <a:ext uri="{FF2B5EF4-FFF2-40B4-BE49-F238E27FC236}">
-                  <a16:creationId xmlns:a16="http://schemas.microsoft.com/office/drawing/2014/main" id="{7E6BFB6A-9D35-781F-6B94-3C38D5F7F385}"/>
+                  <a16:creationId xmlns:a16="http://schemas.microsoft.com/office/drawing/2014/main" id="{470152BE-3D34-79ED-8D93-0477756EDD23}"/>
                 </a:ext>
               </a:extLst>
             </p:cNvPr>
@@ -3651,18 +5331,18 @@
           </p:nvGrpSpPr>
           <p:grpSpPr>
             <a:xfrm>
-              <a:off x="1660215" y="809368"/>
-              <a:ext cx="8871570" cy="4417541"/>
-              <a:chOff x="1660215" y="525161"/>
-              <a:chExt cx="8871570" cy="4417541"/>
+              <a:off x="1994871" y="990150"/>
+              <a:ext cx="7806353" cy="4024763"/>
+              <a:chOff x="1601965" y="-17119"/>
+              <a:chExt cx="6991966" cy="3333171"/>
             </a:xfrm>
           </p:grpSpPr>
           <p:grpSp>
             <p:nvGrpSpPr>
-              <p:cNvPr id="18" name="グループ化 17">
+              <p:cNvPr id="4" name="グループ化 3">
                 <a:extLst>
                   <a:ext uri="{FF2B5EF4-FFF2-40B4-BE49-F238E27FC236}">
-                    <a16:creationId xmlns:a16="http://schemas.microsoft.com/office/drawing/2014/main" id="{3FA7B31F-9EF0-7B37-90C2-5D2B93F00FF1}"/>
+                    <a16:creationId xmlns:a16="http://schemas.microsoft.com/office/drawing/2014/main" id="{CDC43A8E-F546-B586-0939-125CDDD51A1A}"/>
                   </a:ext>
                 </a:extLst>
               </p:cNvPr>
@@ -3671,382 +5351,7 @@
             </p:nvGrpSpPr>
             <p:grpSpPr>
               <a:xfrm>
-                <a:off x="3080472" y="525161"/>
-                <a:ext cx="7451313" cy="4417541"/>
-                <a:chOff x="1281011" y="-3"/>
-                <a:chExt cx="6458401" cy="3484608"/>
-              </a:xfrm>
-            </p:grpSpPr>
-            <p:cxnSp>
-              <p:nvCxnSpPr>
-                <p:cNvPr id="5" name="直線コネクタ 4">
-                  <a:extLst>
-                    <a:ext uri="{FF2B5EF4-FFF2-40B4-BE49-F238E27FC236}">
-                      <a16:creationId xmlns:a16="http://schemas.microsoft.com/office/drawing/2014/main" id="{D4D779D4-B600-55CE-6726-A2AE1F47D972}"/>
-                    </a:ext>
-                  </a:extLst>
-                </p:cNvPr>
-                <p:cNvCxnSpPr>
-                  <a:cxnSpLocks/>
-                </p:cNvCxnSpPr>
-                <p:nvPr/>
-              </p:nvCxnSpPr>
-              <p:spPr>
-                <a:xfrm>
-                  <a:off x="1281011" y="0"/>
-                  <a:ext cx="0" cy="3484605"/>
-                </a:xfrm>
-                <a:prstGeom prst="line">
-                  <a:avLst/>
-                </a:prstGeom>
-                <a:ln>
-                  <a:prstDash val="dash"/>
-                </a:ln>
-              </p:spPr>
-              <p:style>
-                <a:lnRef idx="1">
-                  <a:schemeClr val="accent1"/>
-                </a:lnRef>
-                <a:fillRef idx="0">
-                  <a:schemeClr val="accent1"/>
-                </a:fillRef>
-                <a:effectRef idx="0">
-                  <a:schemeClr val="accent1"/>
-                </a:effectRef>
-                <a:fontRef idx="minor">
-                  <a:schemeClr val="tx1"/>
-                </a:fontRef>
-              </p:style>
-            </p:cxnSp>
-            <p:cxnSp>
-              <p:nvCxnSpPr>
-                <p:cNvPr id="9" name="直線コネクタ 8">
-                  <a:extLst>
-                    <a:ext uri="{FF2B5EF4-FFF2-40B4-BE49-F238E27FC236}">
-                      <a16:creationId xmlns:a16="http://schemas.microsoft.com/office/drawing/2014/main" id="{4AE7A7F6-6ED3-C4C9-FA8C-0818A1A5FE29}"/>
-                    </a:ext>
-                  </a:extLst>
-                </p:cNvPr>
-                <p:cNvCxnSpPr>
-                  <a:cxnSpLocks/>
-                </p:cNvCxnSpPr>
-                <p:nvPr/>
-              </p:nvCxnSpPr>
-              <p:spPr>
-                <a:xfrm>
-                  <a:off x="3865611" y="-2"/>
-                  <a:ext cx="0" cy="3484605"/>
-                </a:xfrm>
-                <a:prstGeom prst="line">
-                  <a:avLst/>
-                </a:prstGeom>
-                <a:ln>
-                  <a:prstDash val="dash"/>
-                </a:ln>
-              </p:spPr>
-              <p:style>
-                <a:lnRef idx="1">
-                  <a:schemeClr val="accent1"/>
-                </a:lnRef>
-                <a:fillRef idx="0">
-                  <a:schemeClr val="accent1"/>
-                </a:fillRef>
-                <a:effectRef idx="0">
-                  <a:schemeClr val="accent1"/>
-                </a:effectRef>
-                <a:fontRef idx="minor">
-                  <a:schemeClr val="tx1"/>
-                </a:fontRef>
-              </p:style>
-            </p:cxnSp>
-            <p:cxnSp>
-              <p:nvCxnSpPr>
-                <p:cNvPr id="10" name="直線コネクタ 9">
-                  <a:extLst>
-                    <a:ext uri="{FF2B5EF4-FFF2-40B4-BE49-F238E27FC236}">
-                      <a16:creationId xmlns:a16="http://schemas.microsoft.com/office/drawing/2014/main" id="{194179E3-C01A-EB99-326D-C5B6C33AD65E}"/>
-                    </a:ext>
-                  </a:extLst>
-                </p:cNvPr>
-                <p:cNvCxnSpPr>
-                  <a:cxnSpLocks/>
-                </p:cNvCxnSpPr>
-                <p:nvPr/>
-              </p:nvCxnSpPr>
-              <p:spPr>
-                <a:xfrm>
-                  <a:off x="5157911" y="0"/>
-                  <a:ext cx="0" cy="3484605"/>
-                </a:xfrm>
-                <a:prstGeom prst="line">
-                  <a:avLst/>
-                </a:prstGeom>
-                <a:ln>
-                  <a:prstDash val="dash"/>
-                </a:ln>
-              </p:spPr>
-              <p:style>
-                <a:lnRef idx="1">
-                  <a:schemeClr val="accent1"/>
-                </a:lnRef>
-                <a:fillRef idx="0">
-                  <a:schemeClr val="accent1"/>
-                </a:fillRef>
-                <a:effectRef idx="0">
-                  <a:schemeClr val="accent1"/>
-                </a:effectRef>
-                <a:fontRef idx="minor">
-                  <a:schemeClr val="tx1"/>
-                </a:fontRef>
-              </p:style>
-            </p:cxnSp>
-            <p:cxnSp>
-              <p:nvCxnSpPr>
-                <p:cNvPr id="11" name="直線コネクタ 10">
-                  <a:extLst>
-                    <a:ext uri="{FF2B5EF4-FFF2-40B4-BE49-F238E27FC236}">
-                      <a16:creationId xmlns:a16="http://schemas.microsoft.com/office/drawing/2014/main" id="{5F02F39F-537D-C209-BC6F-E57DAE06A0DF}"/>
-                    </a:ext>
-                  </a:extLst>
-                </p:cNvPr>
-                <p:cNvCxnSpPr>
-                  <a:cxnSpLocks/>
-                </p:cNvCxnSpPr>
-                <p:nvPr/>
-              </p:nvCxnSpPr>
-              <p:spPr>
-                <a:xfrm>
-                  <a:off x="6450211" y="-3"/>
-                  <a:ext cx="0" cy="3484605"/>
-                </a:xfrm>
-                <a:prstGeom prst="line">
-                  <a:avLst/>
-                </a:prstGeom>
-                <a:ln>
-                  <a:prstDash val="dash"/>
-                </a:ln>
-              </p:spPr>
-              <p:style>
-                <a:lnRef idx="1">
-                  <a:schemeClr val="accent1"/>
-                </a:lnRef>
-                <a:fillRef idx="0">
-                  <a:schemeClr val="accent1"/>
-                </a:fillRef>
-                <a:effectRef idx="0">
-                  <a:schemeClr val="accent1"/>
-                </a:effectRef>
-                <a:fontRef idx="minor">
-                  <a:schemeClr val="tx1"/>
-                </a:fontRef>
-              </p:style>
-            </p:cxnSp>
-            <p:cxnSp>
-              <p:nvCxnSpPr>
-                <p:cNvPr id="12" name="直線コネクタ 11">
-                  <a:extLst>
-                    <a:ext uri="{FF2B5EF4-FFF2-40B4-BE49-F238E27FC236}">
-                      <a16:creationId xmlns:a16="http://schemas.microsoft.com/office/drawing/2014/main" id="{1F27E40E-B78A-A593-3788-CE6647961D99}"/>
-                    </a:ext>
-                  </a:extLst>
-                </p:cNvPr>
-                <p:cNvCxnSpPr>
-                  <a:cxnSpLocks/>
-                </p:cNvCxnSpPr>
-                <p:nvPr/>
-              </p:nvCxnSpPr>
-              <p:spPr>
-                <a:xfrm>
-                  <a:off x="2573311" y="-1"/>
-                  <a:ext cx="0" cy="3484605"/>
-                </a:xfrm>
-                <a:prstGeom prst="line">
-                  <a:avLst/>
-                </a:prstGeom>
-                <a:ln>
-                  <a:prstDash val="dash"/>
-                </a:ln>
-              </p:spPr>
-              <p:style>
-                <a:lnRef idx="1">
-                  <a:schemeClr val="accent1"/>
-                </a:lnRef>
-                <a:fillRef idx="0">
-                  <a:schemeClr val="accent1"/>
-                </a:fillRef>
-                <a:effectRef idx="0">
-                  <a:schemeClr val="accent1"/>
-                </a:effectRef>
-                <a:fontRef idx="minor">
-                  <a:schemeClr val="tx1"/>
-                </a:fontRef>
-              </p:style>
-            </p:cxnSp>
-            <p:sp>
-              <p:nvSpPr>
-                <p:cNvPr id="13" name="正方形/長方形 12">
-                  <a:extLst>
-                    <a:ext uri="{FF2B5EF4-FFF2-40B4-BE49-F238E27FC236}">
-                      <a16:creationId xmlns:a16="http://schemas.microsoft.com/office/drawing/2014/main" id="{9876226A-4F2A-FA05-0EB2-59A08C65E8F5}"/>
-                    </a:ext>
-                  </a:extLst>
-                </p:cNvPr>
-                <p:cNvSpPr/>
-                <p:nvPr/>
-              </p:nvSpPr>
-              <p:spPr>
-                <a:xfrm>
-                  <a:off x="2576410" y="0"/>
-                  <a:ext cx="1289201" cy="3484604"/>
-                </a:xfrm>
-                <a:prstGeom prst="rect">
-                  <a:avLst/>
-                </a:prstGeom>
-                <a:solidFill>
-                  <a:srgbClr val="FF0000">
-                    <a:alpha val="74902"/>
-                  </a:srgbClr>
-                </a:solidFill>
-                <a:ln>
-                  <a:noFill/>
-                </a:ln>
-              </p:spPr>
-              <p:style>
-                <a:lnRef idx="2">
-                  <a:schemeClr val="accent1">
-                    <a:shade val="50000"/>
-                  </a:schemeClr>
-                </a:lnRef>
-                <a:fillRef idx="1">
-                  <a:schemeClr val="accent1"/>
-                </a:fillRef>
-                <a:effectRef idx="0">
-                  <a:schemeClr val="accent1"/>
-                </a:effectRef>
-                <a:fontRef idx="minor">
-                  <a:schemeClr val="lt1"/>
-                </a:fontRef>
-              </p:style>
-              <p:txBody>
-                <a:bodyPr rtlCol="0" anchor="ctr"/>
-                <a:lstStyle/>
-                <a:p>
-                  <a:pPr algn="ctr"/>
-                  <a:endParaRPr kumimoji="1" lang="ja-JP" altLang="en-US" dirty="0"/>
-                </a:p>
-              </p:txBody>
-            </p:sp>
-            <p:sp>
-              <p:nvSpPr>
-                <p:cNvPr id="15" name="正方形/長方形 14">
-                  <a:extLst>
-                    <a:ext uri="{FF2B5EF4-FFF2-40B4-BE49-F238E27FC236}">
-                      <a16:creationId xmlns:a16="http://schemas.microsoft.com/office/drawing/2014/main" id="{751FE57F-EC78-B99F-0E60-EE924380450B}"/>
-                    </a:ext>
-                  </a:extLst>
-                </p:cNvPr>
-                <p:cNvSpPr/>
-                <p:nvPr/>
-              </p:nvSpPr>
-              <p:spPr>
-                <a:xfrm>
-                  <a:off x="5154811" y="-2"/>
-                  <a:ext cx="1289201" cy="3484604"/>
-                </a:xfrm>
-                <a:prstGeom prst="rect">
-                  <a:avLst/>
-                </a:prstGeom>
-                <a:solidFill>
-                  <a:srgbClr val="FF0000">
-                    <a:alpha val="74902"/>
-                  </a:srgbClr>
-                </a:solidFill>
-                <a:ln>
-                  <a:noFill/>
-                </a:ln>
-              </p:spPr>
-              <p:style>
-                <a:lnRef idx="2">
-                  <a:schemeClr val="accent1">
-                    <a:shade val="50000"/>
-                  </a:schemeClr>
-                </a:lnRef>
-                <a:fillRef idx="1">
-                  <a:schemeClr val="accent1"/>
-                </a:fillRef>
-                <a:effectRef idx="0">
-                  <a:schemeClr val="accent1"/>
-                </a:effectRef>
-                <a:fontRef idx="minor">
-                  <a:schemeClr val="lt1"/>
-                </a:fontRef>
-              </p:style>
-              <p:txBody>
-                <a:bodyPr rtlCol="0" anchor="ctr"/>
-                <a:lstStyle/>
-                <a:p>
-                  <a:pPr algn="ctr"/>
-                  <a:endParaRPr kumimoji="1" lang="ja-JP" altLang="en-US" dirty="0"/>
-                </a:p>
-              </p:txBody>
-            </p:sp>
-            <p:cxnSp>
-              <p:nvCxnSpPr>
-                <p:cNvPr id="16" name="直線コネクタ 15">
-                  <a:extLst>
-                    <a:ext uri="{FF2B5EF4-FFF2-40B4-BE49-F238E27FC236}">
-                      <a16:creationId xmlns:a16="http://schemas.microsoft.com/office/drawing/2014/main" id="{7905E36B-F0C2-3BBF-1872-701E4606CAC3}"/>
-                    </a:ext>
-                  </a:extLst>
-                </p:cNvPr>
-                <p:cNvCxnSpPr>
-                  <a:cxnSpLocks/>
-                </p:cNvCxnSpPr>
-                <p:nvPr/>
-              </p:nvCxnSpPr>
-              <p:spPr>
-                <a:xfrm>
-                  <a:off x="7739412" y="0"/>
-                  <a:ext cx="0" cy="3484605"/>
-                </a:xfrm>
-                <a:prstGeom prst="line">
-                  <a:avLst/>
-                </a:prstGeom>
-                <a:ln>
-                  <a:prstDash val="dash"/>
-                </a:ln>
-              </p:spPr>
-              <p:style>
-                <a:lnRef idx="1">
-                  <a:schemeClr val="accent1"/>
-                </a:lnRef>
-                <a:fillRef idx="0">
-                  <a:schemeClr val="accent1"/>
-                </a:fillRef>
-                <a:effectRef idx="0">
-                  <a:schemeClr val="accent1"/>
-                </a:effectRef>
-                <a:fontRef idx="minor">
-                  <a:schemeClr val="tx1"/>
-                </a:fontRef>
-              </p:style>
-            </p:cxnSp>
-          </p:grpSp>
-          <p:grpSp>
-            <p:nvGrpSpPr>
-              <p:cNvPr id="21" name="グループ化 20">
-                <a:extLst>
-                  <a:ext uri="{FF2B5EF4-FFF2-40B4-BE49-F238E27FC236}">
-                    <a16:creationId xmlns:a16="http://schemas.microsoft.com/office/drawing/2014/main" id="{CDBE2387-935E-9166-7AFA-76BA0F0330D3}"/>
-                  </a:ext>
-                </a:extLst>
-              </p:cNvPr>
-              <p:cNvGrpSpPr/>
-              <p:nvPr/>
-            </p:nvGrpSpPr>
-            <p:grpSpPr>
-              <a:xfrm>
-                <a:off x="1660215" y="3005123"/>
+                <a:off x="1688790" y="2374930"/>
                 <a:ext cx="854866" cy="763613"/>
                 <a:chOff x="105013" y="1668162"/>
                 <a:chExt cx="920579" cy="846437"/>
@@ -4054,10 +5359,10 @@
             </p:grpSpPr>
             <p:sp>
               <p:nvSpPr>
-                <p:cNvPr id="19" name="正方形/長方形 18">
+                <p:cNvPr id="5" name="正方形/長方形 4">
                   <a:extLst>
                     <a:ext uri="{FF2B5EF4-FFF2-40B4-BE49-F238E27FC236}">
-                      <a16:creationId xmlns:a16="http://schemas.microsoft.com/office/drawing/2014/main" id="{45BC023A-6425-DEC9-2680-5B5BAFC83272}"/>
+                      <a16:creationId xmlns:a16="http://schemas.microsoft.com/office/drawing/2014/main" id="{70BCB6F0-7D1E-1C11-0881-61775ED1CE80}"/>
                     </a:ext>
                   </a:extLst>
                 </p:cNvPr>
@@ -4118,10 +5423,10 @@
             </p:sp>
             <p:sp>
               <p:nvSpPr>
-                <p:cNvPr id="20" name="フローチャート: データ 19">
+                <p:cNvPr id="6" name="フローチャート: データ 5">
                   <a:extLst>
                     <a:ext uri="{FF2B5EF4-FFF2-40B4-BE49-F238E27FC236}">
-                      <a16:creationId xmlns:a16="http://schemas.microsoft.com/office/drawing/2014/main" id="{C2090969-6976-EDD3-5F90-C70B22FE9290}"/>
+                      <a16:creationId xmlns:a16="http://schemas.microsoft.com/office/drawing/2014/main" id="{415AEFEE-155C-039A-0942-4D76AE4B5656}"/>
                     </a:ext>
                   </a:extLst>
                 </p:cNvPr>
@@ -4171,10 +5476,10 @@
           </p:grpSp>
           <p:grpSp>
             <p:nvGrpSpPr>
-              <p:cNvPr id="22" name="グループ化 21">
+              <p:cNvPr id="7" name="グループ化 6">
                 <a:extLst>
                   <a:ext uri="{FF2B5EF4-FFF2-40B4-BE49-F238E27FC236}">
-                    <a16:creationId xmlns:a16="http://schemas.microsoft.com/office/drawing/2014/main" id="{325A5EC1-EDFE-11F6-132F-4CA55C3AF40C}"/>
+                    <a16:creationId xmlns:a16="http://schemas.microsoft.com/office/drawing/2014/main" id="{59C5AC3C-D000-2399-24A5-CA2A8515C672}"/>
                   </a:ext>
                 </a:extLst>
               </p:cNvPr>
@@ -4183,144 +5488,7 @@
             </p:nvGrpSpPr>
             <p:grpSpPr>
               <a:xfrm>
-                <a:off x="1660215" y="4067081"/>
-                <a:ext cx="869156" cy="763613"/>
-                <a:chOff x="105013" y="1668162"/>
-                <a:chExt cx="920579" cy="846437"/>
-              </a:xfrm>
-            </p:grpSpPr>
-            <p:sp>
-              <p:nvSpPr>
-                <p:cNvPr id="23" name="正方形/長方形 22">
-                  <a:extLst>
-                    <a:ext uri="{FF2B5EF4-FFF2-40B4-BE49-F238E27FC236}">
-                      <a16:creationId xmlns:a16="http://schemas.microsoft.com/office/drawing/2014/main" id="{8550C6C5-1DB5-4459-75BF-FE59B1A08B53}"/>
-                    </a:ext>
-                  </a:extLst>
-                </p:cNvPr>
-                <p:cNvSpPr/>
-                <p:nvPr/>
-              </p:nvSpPr>
-              <p:spPr>
-                <a:xfrm>
-                  <a:off x="284205" y="1668162"/>
-                  <a:ext cx="741387" cy="444843"/>
-                </a:xfrm>
-                <a:prstGeom prst="rect">
-                  <a:avLst/>
-                </a:prstGeom>
-                <a:noFill/>
-                <a:ln w="28575">
-                  <a:solidFill>
-                    <a:srgbClr val="7030A0"/>
-                  </a:solidFill>
-                </a:ln>
-              </p:spPr>
-              <p:style>
-                <a:lnRef idx="2">
-                  <a:schemeClr val="accent1">
-                    <a:shade val="50000"/>
-                  </a:schemeClr>
-                </a:lnRef>
-                <a:fillRef idx="1">
-                  <a:schemeClr val="accent1"/>
-                </a:fillRef>
-                <a:effectRef idx="0">
-                  <a:schemeClr val="accent1"/>
-                </a:effectRef>
-                <a:fontRef idx="minor">
-                  <a:schemeClr val="lt1"/>
-                </a:fontRef>
-              </p:style>
-              <p:txBody>
-                <a:bodyPr rtlCol="0" anchor="ctr"/>
-                <a:lstStyle/>
-                <a:p>
-                  <a:pPr algn="ctr"/>
-                  <a:r>
-                    <a:rPr kumimoji="1" lang="en-US" altLang="ja-JP" sz="1600" b="1" dirty="0">
-                      <a:solidFill>
-                        <a:srgbClr val="7030A0"/>
-                      </a:solidFill>
-                    </a:rPr>
-                    <a:t>PC4</a:t>
-                  </a:r>
-                  <a:endParaRPr kumimoji="1" lang="ja-JP" altLang="en-US" sz="1600" b="1" dirty="0">
-                    <a:solidFill>
-                      <a:srgbClr val="7030A0"/>
-                    </a:solidFill>
-                  </a:endParaRPr>
-                </a:p>
-              </p:txBody>
-            </p:sp>
-            <p:sp>
-              <p:nvSpPr>
-                <p:cNvPr id="24" name="フローチャート: データ 23">
-                  <a:extLst>
-                    <a:ext uri="{FF2B5EF4-FFF2-40B4-BE49-F238E27FC236}">
-                      <a16:creationId xmlns:a16="http://schemas.microsoft.com/office/drawing/2014/main" id="{E1583D14-9B6D-BBBC-0D60-31C9D1195EA1}"/>
-                    </a:ext>
-                  </a:extLst>
-                </p:cNvPr>
-                <p:cNvSpPr/>
-                <p:nvPr/>
-              </p:nvSpPr>
-              <p:spPr>
-                <a:xfrm>
-                  <a:off x="105013" y="2113005"/>
-                  <a:ext cx="920573" cy="401594"/>
-                </a:xfrm>
-                <a:prstGeom prst="flowChartInputOutput">
-                  <a:avLst/>
-                </a:prstGeom>
-                <a:noFill/>
-                <a:ln w="28575">
-                  <a:solidFill>
-                    <a:srgbClr val="7030A0"/>
-                  </a:solidFill>
-                </a:ln>
-              </p:spPr>
-              <p:style>
-                <a:lnRef idx="2">
-                  <a:schemeClr val="accent1">
-                    <a:shade val="50000"/>
-                  </a:schemeClr>
-                </a:lnRef>
-                <a:fillRef idx="1">
-                  <a:schemeClr val="accent1"/>
-                </a:fillRef>
-                <a:effectRef idx="0">
-                  <a:schemeClr val="accent1"/>
-                </a:effectRef>
-                <a:fontRef idx="minor">
-                  <a:schemeClr val="lt1"/>
-                </a:fontRef>
-              </p:style>
-              <p:txBody>
-                <a:bodyPr rtlCol="0" anchor="ctr"/>
-                <a:lstStyle/>
-                <a:p>
-                  <a:pPr algn="ctr"/>
-                  <a:endParaRPr kumimoji="1" lang="ja-JP" altLang="en-US"/>
-                </a:p>
-              </p:txBody>
-            </p:sp>
-          </p:grpSp>
-          <p:grpSp>
-            <p:nvGrpSpPr>
-              <p:cNvPr id="25" name="グループ化 24">
-                <a:extLst>
-                  <a:ext uri="{FF2B5EF4-FFF2-40B4-BE49-F238E27FC236}">
-                    <a16:creationId xmlns:a16="http://schemas.microsoft.com/office/drawing/2014/main" id="{F0B2A3D1-468F-C934-8965-EC89F9BC56A0}"/>
-                  </a:ext>
-                </a:extLst>
-              </p:cNvPr>
-              <p:cNvGrpSpPr/>
-              <p:nvPr/>
-            </p:nvGrpSpPr>
-            <p:grpSpPr>
-              <a:xfrm>
-                <a:off x="1674625" y="1841760"/>
+                <a:off x="1703200" y="1211567"/>
                 <a:ext cx="862011" cy="763613"/>
                 <a:chOff x="105013" y="1668162"/>
                 <a:chExt cx="920579" cy="846437"/>
@@ -4328,10 +5496,10 @@
             </p:grpSpPr>
             <p:sp>
               <p:nvSpPr>
-                <p:cNvPr id="26" name="正方形/長方形 25">
+                <p:cNvPr id="8" name="正方形/長方形 7">
                   <a:extLst>
                     <a:ext uri="{FF2B5EF4-FFF2-40B4-BE49-F238E27FC236}">
-                      <a16:creationId xmlns:a16="http://schemas.microsoft.com/office/drawing/2014/main" id="{A9B1A871-7B50-FE3C-B1E2-DD5C98B7FCAE}"/>
+                      <a16:creationId xmlns:a16="http://schemas.microsoft.com/office/drawing/2014/main" id="{09254B27-7EA2-1956-C506-B63E1EC91DFE}"/>
                     </a:ext>
                   </a:extLst>
                 </p:cNvPr>
@@ -4392,10 +5560,10 @@
             </p:sp>
             <p:sp>
               <p:nvSpPr>
-                <p:cNvPr id="27" name="フローチャート: データ 26">
+                <p:cNvPr id="9" name="フローチャート: データ 8">
                   <a:extLst>
                     <a:ext uri="{FF2B5EF4-FFF2-40B4-BE49-F238E27FC236}">
-                      <a16:creationId xmlns:a16="http://schemas.microsoft.com/office/drawing/2014/main" id="{B0841040-987A-2D95-ECB5-65D1172358B4}"/>
+                      <a16:creationId xmlns:a16="http://schemas.microsoft.com/office/drawing/2014/main" id="{AF744A2A-A99F-758E-0AE0-537810A2C220}"/>
                     </a:ext>
                   </a:extLst>
                 </p:cNvPr>
@@ -4445,10 +5613,10 @@
           </p:grpSp>
           <p:grpSp>
             <p:nvGrpSpPr>
-              <p:cNvPr id="28" name="グループ化 27">
+              <p:cNvPr id="10" name="グループ化 9">
                 <a:extLst>
                   <a:ext uri="{FF2B5EF4-FFF2-40B4-BE49-F238E27FC236}">
-                    <a16:creationId xmlns:a16="http://schemas.microsoft.com/office/drawing/2014/main" id="{70C55800-67D4-36CE-F682-48A659E133D5}"/>
+                    <a16:creationId xmlns:a16="http://schemas.microsoft.com/office/drawing/2014/main" id="{684A5F5B-E41D-6A6F-86B3-B54169D18F60}"/>
                   </a:ext>
                 </a:extLst>
               </p:cNvPr>
@@ -4457,7 +5625,7 @@
             </p:nvGrpSpPr>
             <p:grpSpPr>
               <a:xfrm>
-                <a:off x="1757359" y="760293"/>
+                <a:off x="1785934" y="130100"/>
                 <a:ext cx="862005" cy="763613"/>
                 <a:chOff x="105013" y="1668162"/>
                 <a:chExt cx="920579" cy="846437"/>
@@ -4465,10 +5633,10 @@
             </p:grpSpPr>
             <p:sp>
               <p:nvSpPr>
-                <p:cNvPr id="29" name="正方形/長方形 28">
+                <p:cNvPr id="11" name="正方形/長方形 10">
                   <a:extLst>
                     <a:ext uri="{FF2B5EF4-FFF2-40B4-BE49-F238E27FC236}">
-                      <a16:creationId xmlns:a16="http://schemas.microsoft.com/office/drawing/2014/main" id="{BDDEA898-41AA-E888-ADC2-000CCCB8BB38}"/>
+                      <a16:creationId xmlns:a16="http://schemas.microsoft.com/office/drawing/2014/main" id="{422CD09B-AE8C-473E-6423-E43800859122}"/>
                     </a:ext>
                   </a:extLst>
                 </p:cNvPr>
@@ -4529,10 +5697,10 @@
             </p:sp>
             <p:sp>
               <p:nvSpPr>
-                <p:cNvPr id="30" name="フローチャート: データ 29">
+                <p:cNvPr id="12" name="フローチャート: データ 11">
                   <a:extLst>
                     <a:ext uri="{FF2B5EF4-FFF2-40B4-BE49-F238E27FC236}">
-                      <a16:creationId xmlns:a16="http://schemas.microsoft.com/office/drawing/2014/main" id="{200FADB2-667E-5403-F78C-2A3DB8E30ABE}"/>
+                      <a16:creationId xmlns:a16="http://schemas.microsoft.com/office/drawing/2014/main" id="{38878BBE-43D9-6B98-83F5-B1ECA5E5ECE6}"/>
                     </a:ext>
                   </a:extLst>
                 </p:cNvPr>
@@ -4580,13 +5748,303 @@
               </p:txBody>
             </p:sp>
           </p:grpSp>
+          <p:cxnSp>
+            <p:nvCxnSpPr>
+              <p:cNvPr id="13" name="直線コネクタ 12">
+                <a:extLst>
+                  <a:ext uri="{FF2B5EF4-FFF2-40B4-BE49-F238E27FC236}">
+                    <a16:creationId xmlns:a16="http://schemas.microsoft.com/office/drawing/2014/main" id="{7160DC99-62F6-981F-79F8-C5D4482AAECA}"/>
+                  </a:ext>
+                </a:extLst>
+              </p:cNvPr>
+              <p:cNvCxnSpPr>
+                <a:cxnSpLocks/>
+              </p:cNvCxnSpPr>
+              <p:nvPr/>
+            </p:nvCxnSpPr>
+            <p:spPr>
+              <a:xfrm>
+                <a:off x="3037609" y="-17119"/>
+                <a:ext cx="0" cy="3314571"/>
+              </a:xfrm>
+              <a:prstGeom prst="line">
+                <a:avLst/>
+              </a:prstGeom>
+              <a:ln>
+                <a:prstDash val="dash"/>
+              </a:ln>
+            </p:spPr>
+            <p:style>
+              <a:lnRef idx="1">
+                <a:schemeClr val="accent1"/>
+              </a:lnRef>
+              <a:fillRef idx="0">
+                <a:schemeClr val="accent1"/>
+              </a:fillRef>
+              <a:effectRef idx="0">
+                <a:schemeClr val="accent1"/>
+              </a:effectRef>
+              <a:fontRef idx="minor">
+                <a:schemeClr val="tx1"/>
+              </a:fontRef>
+            </p:style>
+          </p:cxnSp>
+          <p:cxnSp>
+            <p:nvCxnSpPr>
+              <p:cNvPr id="20" name="直線矢印コネクタ 19">
+                <a:extLst>
+                  <a:ext uri="{FF2B5EF4-FFF2-40B4-BE49-F238E27FC236}">
+                    <a16:creationId xmlns:a16="http://schemas.microsoft.com/office/drawing/2014/main" id="{F436EE5B-0074-2595-1031-8A3782E7B926}"/>
+                  </a:ext>
+                </a:extLst>
+              </p:cNvPr>
+              <p:cNvCxnSpPr>
+                <a:cxnSpLocks/>
+              </p:cNvCxnSpPr>
+              <p:nvPr/>
+            </p:nvCxnSpPr>
+            <p:spPr>
+              <a:xfrm>
+                <a:off x="1601965" y="1040863"/>
+                <a:ext cx="6991966" cy="2125"/>
+              </a:xfrm>
+              <a:prstGeom prst="straightConnector1">
+                <a:avLst/>
+              </a:prstGeom>
+              <a:ln>
+                <a:prstDash val="lgDash"/>
+                <a:tailEnd type="triangle"/>
+              </a:ln>
+            </p:spPr>
+            <p:style>
+              <a:lnRef idx="1">
+                <a:schemeClr val="accent1"/>
+              </a:lnRef>
+              <a:fillRef idx="0">
+                <a:schemeClr val="accent1"/>
+              </a:fillRef>
+              <a:effectRef idx="0">
+                <a:schemeClr val="accent1"/>
+              </a:effectRef>
+              <a:fontRef idx="minor">
+                <a:schemeClr val="tx1"/>
+              </a:fontRef>
+            </p:style>
+          </p:cxnSp>
+          <p:cxnSp>
+            <p:nvCxnSpPr>
+              <p:cNvPr id="21" name="直線矢印コネクタ 20">
+                <a:extLst>
+                  <a:ext uri="{FF2B5EF4-FFF2-40B4-BE49-F238E27FC236}">
+                    <a16:creationId xmlns:a16="http://schemas.microsoft.com/office/drawing/2014/main" id="{441920C0-3D6D-C8F7-02F4-278C1698396F}"/>
+                  </a:ext>
+                </a:extLst>
+              </p:cNvPr>
+              <p:cNvCxnSpPr>
+                <a:cxnSpLocks/>
+              </p:cNvCxnSpPr>
+              <p:nvPr/>
+            </p:nvCxnSpPr>
+            <p:spPr>
+              <a:xfrm>
+                <a:off x="1601965" y="2183156"/>
+                <a:ext cx="6991966" cy="0"/>
+              </a:xfrm>
+              <a:prstGeom prst="straightConnector1">
+                <a:avLst/>
+              </a:prstGeom>
+              <a:ln>
+                <a:prstDash val="lgDash"/>
+                <a:tailEnd type="triangle"/>
+              </a:ln>
+            </p:spPr>
+            <p:style>
+              <a:lnRef idx="1">
+                <a:schemeClr val="accent1"/>
+              </a:lnRef>
+              <a:fillRef idx="0">
+                <a:schemeClr val="accent1"/>
+              </a:fillRef>
+              <a:effectRef idx="0">
+                <a:schemeClr val="accent1"/>
+              </a:effectRef>
+              <a:fontRef idx="minor">
+                <a:schemeClr val="tx1"/>
+              </a:fontRef>
+            </p:style>
+          </p:cxnSp>
+          <p:cxnSp>
+            <p:nvCxnSpPr>
+              <p:cNvPr id="22" name="直線矢印コネクタ 21">
+                <a:extLst>
+                  <a:ext uri="{FF2B5EF4-FFF2-40B4-BE49-F238E27FC236}">
+                    <a16:creationId xmlns:a16="http://schemas.microsoft.com/office/drawing/2014/main" id="{5D6D7820-FDD4-204D-7E52-523B78A8B8C2}"/>
+                  </a:ext>
+                </a:extLst>
+              </p:cNvPr>
+              <p:cNvCxnSpPr>
+                <a:cxnSpLocks/>
+              </p:cNvCxnSpPr>
+              <p:nvPr/>
+            </p:nvCxnSpPr>
+            <p:spPr>
+              <a:xfrm>
+                <a:off x="1601965" y="3297452"/>
+                <a:ext cx="6991966" cy="0"/>
+              </a:xfrm>
+              <a:prstGeom prst="straightConnector1">
+                <a:avLst/>
+              </a:prstGeom>
+              <a:ln>
+                <a:prstDash val="lgDash"/>
+                <a:tailEnd type="triangle"/>
+              </a:ln>
+            </p:spPr>
+            <p:style>
+              <a:lnRef idx="1">
+                <a:schemeClr val="accent1"/>
+              </a:lnRef>
+              <a:fillRef idx="0">
+                <a:schemeClr val="accent1"/>
+              </a:fillRef>
+              <a:effectRef idx="0">
+                <a:schemeClr val="accent1"/>
+              </a:effectRef>
+              <a:fontRef idx="minor">
+                <a:schemeClr val="tx1"/>
+              </a:fontRef>
+            </p:style>
+          </p:cxnSp>
+          <p:cxnSp>
+            <p:nvCxnSpPr>
+              <p:cNvPr id="29" name="直線コネクタ 28">
+                <a:extLst>
+                  <a:ext uri="{FF2B5EF4-FFF2-40B4-BE49-F238E27FC236}">
+                    <a16:creationId xmlns:a16="http://schemas.microsoft.com/office/drawing/2014/main" id="{68BDF060-8A4B-DE2D-6B43-914DE9006F67}"/>
+                  </a:ext>
+                </a:extLst>
+              </p:cNvPr>
+              <p:cNvCxnSpPr>
+                <a:cxnSpLocks/>
+              </p:cNvCxnSpPr>
+              <p:nvPr/>
+            </p:nvCxnSpPr>
+            <p:spPr>
+              <a:xfrm>
+                <a:off x="4748229" y="-17119"/>
+                <a:ext cx="0" cy="3314571"/>
+              </a:xfrm>
+              <a:prstGeom prst="line">
+                <a:avLst/>
+              </a:prstGeom>
+              <a:ln>
+                <a:prstDash val="dash"/>
+              </a:ln>
+            </p:spPr>
+            <p:style>
+              <a:lnRef idx="1">
+                <a:schemeClr val="accent1"/>
+              </a:lnRef>
+              <a:fillRef idx="0">
+                <a:schemeClr val="accent1"/>
+              </a:fillRef>
+              <a:effectRef idx="0">
+                <a:schemeClr val="accent1"/>
+              </a:effectRef>
+              <a:fontRef idx="minor">
+                <a:schemeClr val="tx1"/>
+              </a:fontRef>
+            </p:style>
+          </p:cxnSp>
+          <p:cxnSp>
+            <p:nvCxnSpPr>
+              <p:cNvPr id="30" name="直線コネクタ 29">
+                <a:extLst>
+                  <a:ext uri="{FF2B5EF4-FFF2-40B4-BE49-F238E27FC236}">
+                    <a16:creationId xmlns:a16="http://schemas.microsoft.com/office/drawing/2014/main" id="{CC643C99-F80E-7AA6-0CE2-C276FA16D276}"/>
+                  </a:ext>
+                </a:extLst>
+              </p:cNvPr>
+              <p:cNvCxnSpPr>
+                <a:cxnSpLocks/>
+              </p:cNvCxnSpPr>
+              <p:nvPr/>
+            </p:nvCxnSpPr>
+            <p:spPr>
+              <a:xfrm>
+                <a:off x="6472269" y="-17119"/>
+                <a:ext cx="20565" cy="3314571"/>
+              </a:xfrm>
+              <a:prstGeom prst="line">
+                <a:avLst/>
+              </a:prstGeom>
+              <a:ln>
+                <a:prstDash val="dash"/>
+              </a:ln>
+            </p:spPr>
+            <p:style>
+              <a:lnRef idx="1">
+                <a:schemeClr val="accent1"/>
+              </a:lnRef>
+              <a:fillRef idx="0">
+                <a:schemeClr val="accent1"/>
+              </a:fillRef>
+              <a:effectRef idx="0">
+                <a:schemeClr val="accent1"/>
+              </a:effectRef>
+              <a:fontRef idx="minor">
+                <a:schemeClr val="tx1"/>
+              </a:fontRef>
+            </p:style>
+          </p:cxnSp>
+          <p:cxnSp>
+            <p:nvCxnSpPr>
+              <p:cNvPr id="31" name="直線コネクタ 30">
+                <a:extLst>
+                  <a:ext uri="{FF2B5EF4-FFF2-40B4-BE49-F238E27FC236}">
+                    <a16:creationId xmlns:a16="http://schemas.microsoft.com/office/drawing/2014/main" id="{FDA5BF1A-D17D-55A7-A958-1F1D2375720F}"/>
+                  </a:ext>
+                </a:extLst>
+              </p:cNvPr>
+              <p:cNvCxnSpPr>
+                <a:cxnSpLocks/>
+              </p:cNvCxnSpPr>
+              <p:nvPr/>
+            </p:nvCxnSpPr>
+            <p:spPr>
+              <a:xfrm>
+                <a:off x="8199603" y="-17119"/>
+                <a:ext cx="0" cy="3333171"/>
+              </a:xfrm>
+              <a:prstGeom prst="line">
+                <a:avLst/>
+              </a:prstGeom>
+              <a:ln>
+                <a:prstDash val="dash"/>
+              </a:ln>
+            </p:spPr>
+            <p:style>
+              <a:lnRef idx="1">
+                <a:schemeClr val="accent1"/>
+              </a:lnRef>
+              <a:fillRef idx="0">
+                <a:schemeClr val="accent1"/>
+              </a:fillRef>
+              <a:effectRef idx="0">
+                <a:schemeClr val="accent1"/>
+              </a:effectRef>
+              <a:fontRef idx="minor">
+                <a:schemeClr val="tx1"/>
+              </a:fontRef>
+            </p:style>
+          </p:cxnSp>
         </p:grpSp>
         <p:sp>
           <p:nvSpPr>
-            <p:cNvPr id="34" name="四角形: 角を丸くする 33">
+            <p:cNvPr id="46" name="四角形: 角を丸くする 45">
               <a:extLst>
                 <a:ext uri="{FF2B5EF4-FFF2-40B4-BE49-F238E27FC236}">
-                  <a16:creationId xmlns:a16="http://schemas.microsoft.com/office/drawing/2014/main" id="{10FEAE33-658D-C756-DE94-1A458536E15B}"/>
+                  <a16:creationId xmlns:a16="http://schemas.microsoft.com/office/drawing/2014/main" id="{A0AB2AC5-33F4-F587-EB93-10167A87B972}"/>
                 </a:ext>
               </a:extLst>
             </p:cNvPr>
@@ -4595,492 +6053,8 @@
           </p:nvSpPr>
           <p:spPr>
             <a:xfrm>
-              <a:off x="3127793" y="1145078"/>
-              <a:ext cx="1162062" cy="256190"/>
-            </a:xfrm>
-            <a:prstGeom prst="roundRect">
-              <a:avLst/>
-            </a:prstGeom>
-            <a:solidFill>
-              <a:schemeClr val="bg1"/>
-            </a:solidFill>
-            <a:ln w="38100">
-              <a:solidFill>
-                <a:srgbClr val="0070C0"/>
-              </a:solidFill>
-            </a:ln>
-          </p:spPr>
-          <p:style>
-            <a:lnRef idx="2">
-              <a:schemeClr val="accent1">
-                <a:shade val="50000"/>
-              </a:schemeClr>
-            </a:lnRef>
-            <a:fillRef idx="1">
-              <a:schemeClr val="accent1"/>
-            </a:fillRef>
-            <a:effectRef idx="0">
-              <a:schemeClr val="accent1"/>
-            </a:effectRef>
-            <a:fontRef idx="minor">
-              <a:schemeClr val="lt1"/>
-            </a:fontRef>
-          </p:style>
-          <p:txBody>
-            <a:bodyPr rtlCol="0" anchor="ctr"/>
-            <a:lstStyle/>
-            <a:p>
-              <a:pPr algn="ctr"/>
-              <a:r>
-                <a:rPr kumimoji="1" lang="en-US" altLang="ja-JP" b="1" dirty="0">
-                  <a:solidFill>
-                    <a:srgbClr val="0070C0"/>
-                  </a:solidFill>
-                </a:rPr>
-                <a:t>Data 1.1</a:t>
-              </a:r>
-              <a:endParaRPr kumimoji="1" lang="ja-JP" altLang="en-US" b="1" dirty="0">
-                <a:solidFill>
-                  <a:srgbClr val="0070C0"/>
-                </a:solidFill>
-              </a:endParaRPr>
-            </a:p>
-          </p:txBody>
-        </p:sp>
-        <p:sp>
-          <p:nvSpPr>
-            <p:cNvPr id="35" name="四角形: 角を丸くする 34">
-              <a:extLst>
-                <a:ext uri="{FF2B5EF4-FFF2-40B4-BE49-F238E27FC236}">
-                  <a16:creationId xmlns:a16="http://schemas.microsoft.com/office/drawing/2014/main" id="{535669C1-F916-D234-1AC4-61D84452CD7D}"/>
-                </a:ext>
-              </a:extLst>
-            </p:cNvPr>
-            <p:cNvSpPr/>
-            <p:nvPr/>
-          </p:nvSpPr>
-          <p:spPr>
-            <a:xfrm>
-              <a:off x="4391940" y="1445815"/>
-              <a:ext cx="1162058" cy="256190"/>
-            </a:xfrm>
-            <a:prstGeom prst="roundRect">
-              <a:avLst/>
-            </a:prstGeom>
-            <a:solidFill>
-              <a:schemeClr val="bg1"/>
-            </a:solidFill>
-            <a:ln w="38100">
-              <a:solidFill>
-                <a:srgbClr val="0070C0"/>
-              </a:solidFill>
-            </a:ln>
-          </p:spPr>
-          <p:style>
-            <a:lnRef idx="2">
-              <a:schemeClr val="accent1">
-                <a:shade val="50000"/>
-              </a:schemeClr>
-            </a:lnRef>
-            <a:fillRef idx="1">
-              <a:schemeClr val="accent1"/>
-            </a:fillRef>
-            <a:effectRef idx="0">
-              <a:schemeClr val="accent1"/>
-            </a:effectRef>
-            <a:fontRef idx="minor">
-              <a:schemeClr val="lt1"/>
-            </a:fontRef>
-          </p:style>
-          <p:txBody>
-            <a:bodyPr rtlCol="0" anchor="ctr"/>
-            <a:lstStyle/>
-            <a:p>
-              <a:pPr algn="ctr"/>
-              <a:r>
-                <a:rPr kumimoji="1" lang="en-US" altLang="ja-JP" b="1" dirty="0">
-                  <a:solidFill>
-                    <a:srgbClr val="0070C0"/>
-                  </a:solidFill>
-                </a:rPr>
-                <a:t>Data 1.2</a:t>
-              </a:r>
-              <a:endParaRPr kumimoji="1" lang="ja-JP" altLang="en-US" b="1" dirty="0">
-                <a:solidFill>
-                  <a:srgbClr val="0070C0"/>
-                </a:solidFill>
-              </a:endParaRPr>
-            </a:p>
-          </p:txBody>
-        </p:sp>
-        <p:sp>
-          <p:nvSpPr>
-            <p:cNvPr id="36" name="四角形: 角を丸くする 35">
-              <a:extLst>
-                <a:ext uri="{FF2B5EF4-FFF2-40B4-BE49-F238E27FC236}">
-                  <a16:creationId xmlns:a16="http://schemas.microsoft.com/office/drawing/2014/main" id="{740691AF-D792-1294-6F67-2F59272A4836}"/>
-                </a:ext>
-              </a:extLst>
-            </p:cNvPr>
-            <p:cNvSpPr/>
-            <p:nvPr/>
-          </p:nvSpPr>
-          <p:spPr>
-            <a:xfrm>
-              <a:off x="7135046" y="1117062"/>
-              <a:ext cx="1162059" cy="256190"/>
-            </a:xfrm>
-            <a:prstGeom prst="roundRect">
-              <a:avLst/>
-            </a:prstGeom>
-            <a:solidFill>
-              <a:schemeClr val="bg1"/>
-            </a:solidFill>
-            <a:ln w="38100">
-              <a:solidFill>
-                <a:srgbClr val="0070C0"/>
-              </a:solidFill>
-            </a:ln>
-          </p:spPr>
-          <p:style>
-            <a:lnRef idx="2">
-              <a:schemeClr val="accent1">
-                <a:shade val="50000"/>
-              </a:schemeClr>
-            </a:lnRef>
-            <a:fillRef idx="1">
-              <a:schemeClr val="accent1"/>
-            </a:fillRef>
-            <a:effectRef idx="0">
-              <a:schemeClr val="accent1"/>
-            </a:effectRef>
-            <a:fontRef idx="minor">
-              <a:schemeClr val="lt1"/>
-            </a:fontRef>
-          </p:style>
-          <p:txBody>
-            <a:bodyPr rtlCol="0" anchor="ctr"/>
-            <a:lstStyle/>
-            <a:p>
-              <a:pPr algn="ctr"/>
-              <a:r>
-                <a:rPr kumimoji="1" lang="en-US" altLang="ja-JP" b="1" dirty="0">
-                  <a:solidFill>
-                    <a:srgbClr val="0070C0"/>
-                  </a:solidFill>
-                </a:rPr>
-                <a:t>Data 1.3</a:t>
-              </a:r>
-              <a:endParaRPr kumimoji="1" lang="ja-JP" altLang="en-US" b="1" dirty="0">
-                <a:solidFill>
-                  <a:srgbClr val="0070C0"/>
-                </a:solidFill>
-              </a:endParaRPr>
-            </a:p>
-          </p:txBody>
-        </p:sp>
-        <p:sp>
-          <p:nvSpPr>
-            <p:cNvPr id="39" name="テキスト ボックス 38">
-              <a:extLst>
-                <a:ext uri="{FF2B5EF4-FFF2-40B4-BE49-F238E27FC236}">
-                  <a16:creationId xmlns:a16="http://schemas.microsoft.com/office/drawing/2014/main" id="{E4940371-293E-528E-6BE8-78952050C4D0}"/>
-                </a:ext>
-              </a:extLst>
-            </p:cNvPr>
-            <p:cNvSpPr txBox="1"/>
-            <p:nvPr/>
-          </p:nvSpPr>
-          <p:spPr>
-            <a:xfrm>
-              <a:off x="4596626" y="163039"/>
-              <a:ext cx="1434822" cy="646331"/>
-            </a:xfrm>
-            <a:prstGeom prst="rect">
-              <a:avLst/>
-            </a:prstGeom>
-            <a:noFill/>
-          </p:spPr>
-          <p:txBody>
-            <a:bodyPr wrap="square" rtlCol="0">
-              <a:spAutoFit/>
-            </a:bodyPr>
-            <a:lstStyle/>
-            <a:p>
-              <a:pPr algn="ctr"/>
-              <a:r>
-                <a:rPr kumimoji="1" lang="en-US" altLang="ja-JP" dirty="0">
-                  <a:solidFill>
-                    <a:srgbClr val="FF4040"/>
-                  </a:solidFill>
-                  <a:latin typeface="Arial Black" panose="020B0A04020102020204" pitchFamily="34" charset="0"/>
-                </a:rPr>
-                <a:t>Collision</a:t>
-              </a:r>
-            </a:p>
-            <a:p>
-              <a:pPr algn="ctr"/>
-              <a:r>
-                <a:rPr kumimoji="1" lang="en-US" altLang="ja-JP" dirty="0">
-                  <a:solidFill>
-                    <a:srgbClr val="FF4040"/>
-                  </a:solidFill>
-                  <a:latin typeface="Arial Black" panose="020B0A04020102020204" pitchFamily="34" charset="0"/>
-                </a:rPr>
-                <a:t>Duration</a:t>
-              </a:r>
-              <a:endParaRPr kumimoji="1" lang="ja-JP" altLang="en-US" dirty="0">
-                <a:solidFill>
-                  <a:srgbClr val="FF4040"/>
-                </a:solidFill>
-                <a:latin typeface="Arial Black" panose="020B0A04020102020204" pitchFamily="34" charset="0"/>
-              </a:endParaRPr>
-            </a:p>
-          </p:txBody>
-        </p:sp>
-        <p:sp>
-          <p:nvSpPr>
-            <p:cNvPr id="40" name="テキスト ボックス 39">
-              <a:extLst>
-                <a:ext uri="{FF2B5EF4-FFF2-40B4-BE49-F238E27FC236}">
-                  <a16:creationId xmlns:a16="http://schemas.microsoft.com/office/drawing/2014/main" id="{DECFFB4F-4F62-2F3E-8CED-76FD767D82A8}"/>
-                </a:ext>
-              </a:extLst>
-            </p:cNvPr>
-            <p:cNvSpPr txBox="1"/>
-            <p:nvPr/>
-          </p:nvSpPr>
-          <p:spPr>
-            <a:xfrm>
-              <a:off x="7573199" y="163034"/>
-              <a:ext cx="1434822" cy="646331"/>
-            </a:xfrm>
-            <a:prstGeom prst="rect">
-              <a:avLst/>
-            </a:prstGeom>
-            <a:noFill/>
-          </p:spPr>
-          <p:txBody>
-            <a:bodyPr wrap="square" rtlCol="0">
-              <a:spAutoFit/>
-            </a:bodyPr>
-            <a:lstStyle/>
-            <a:p>
-              <a:pPr algn="ctr"/>
-              <a:r>
-                <a:rPr kumimoji="1" lang="en-US" altLang="ja-JP" dirty="0">
-                  <a:solidFill>
-                    <a:srgbClr val="FF4040"/>
-                  </a:solidFill>
-                  <a:latin typeface="Arial Black" panose="020B0A04020102020204" pitchFamily="34" charset="0"/>
-                </a:rPr>
-                <a:t>Collision</a:t>
-              </a:r>
-            </a:p>
-            <a:p>
-              <a:pPr algn="ctr"/>
-              <a:r>
-                <a:rPr kumimoji="1" lang="en-US" altLang="ja-JP" dirty="0">
-                  <a:solidFill>
-                    <a:srgbClr val="FF4040"/>
-                  </a:solidFill>
-                  <a:latin typeface="Arial Black" panose="020B0A04020102020204" pitchFamily="34" charset="0"/>
-                </a:rPr>
-                <a:t>Duration</a:t>
-              </a:r>
-              <a:endParaRPr kumimoji="1" lang="ja-JP" altLang="en-US" dirty="0">
-                <a:solidFill>
-                  <a:srgbClr val="FF4040"/>
-                </a:solidFill>
-                <a:latin typeface="Arial Black" panose="020B0A04020102020204" pitchFamily="34" charset="0"/>
-              </a:endParaRPr>
-            </a:p>
-          </p:txBody>
-        </p:sp>
-        <p:cxnSp>
-          <p:nvCxnSpPr>
-            <p:cNvPr id="42" name="直線矢印コネクタ 41">
-              <a:extLst>
-                <a:ext uri="{FF2B5EF4-FFF2-40B4-BE49-F238E27FC236}">
-                  <a16:creationId xmlns:a16="http://schemas.microsoft.com/office/drawing/2014/main" id="{828C6BFD-C3D6-BDAB-CA5B-164CF59538CA}"/>
-                </a:ext>
-              </a:extLst>
-            </p:cNvPr>
-            <p:cNvCxnSpPr>
-              <a:cxnSpLocks/>
-            </p:cNvCxnSpPr>
-            <p:nvPr/>
-          </p:nvCxnSpPr>
-          <p:spPr>
-            <a:xfrm>
-              <a:off x="1757359" y="1933832"/>
-              <a:ext cx="9153657" cy="0"/>
-            </a:xfrm>
-            <a:prstGeom prst="straightConnector1">
-              <a:avLst/>
-            </a:prstGeom>
-            <a:ln>
-              <a:prstDash val="lgDash"/>
-              <a:tailEnd type="triangle"/>
-            </a:ln>
-          </p:spPr>
-          <p:style>
-            <a:lnRef idx="1">
-              <a:schemeClr val="accent1"/>
-            </a:lnRef>
-            <a:fillRef idx="0">
-              <a:schemeClr val="accent1"/>
-            </a:fillRef>
-            <a:effectRef idx="0">
-              <a:schemeClr val="accent1"/>
-            </a:effectRef>
-            <a:fontRef idx="minor">
-              <a:schemeClr val="tx1"/>
-            </a:fontRef>
-          </p:style>
-        </p:cxnSp>
-        <p:cxnSp>
-          <p:nvCxnSpPr>
-            <p:cNvPr id="45" name="直線矢印コネクタ 44">
-              <a:extLst>
-                <a:ext uri="{FF2B5EF4-FFF2-40B4-BE49-F238E27FC236}">
-                  <a16:creationId xmlns:a16="http://schemas.microsoft.com/office/drawing/2014/main" id="{88986396-0D7C-7F5F-6FEE-92FB6A7C97EA}"/>
-                </a:ext>
-              </a:extLst>
-            </p:cNvPr>
-            <p:cNvCxnSpPr>
-              <a:cxnSpLocks/>
-            </p:cNvCxnSpPr>
-            <p:nvPr/>
-          </p:nvCxnSpPr>
-          <p:spPr>
-            <a:xfrm>
-              <a:off x="1758794" y="3111843"/>
-              <a:ext cx="9153657" cy="0"/>
-            </a:xfrm>
-            <a:prstGeom prst="straightConnector1">
-              <a:avLst/>
-            </a:prstGeom>
-            <a:ln>
-              <a:prstDash val="lgDash"/>
-              <a:tailEnd type="triangle"/>
-            </a:ln>
-          </p:spPr>
-          <p:style>
-            <a:lnRef idx="1">
-              <a:schemeClr val="accent1"/>
-            </a:lnRef>
-            <a:fillRef idx="0">
-              <a:schemeClr val="accent1"/>
-            </a:fillRef>
-            <a:effectRef idx="0">
-              <a:schemeClr val="accent1"/>
-            </a:effectRef>
-            <a:fontRef idx="minor">
-              <a:schemeClr val="tx1"/>
-            </a:fontRef>
-          </p:style>
-        </p:cxnSp>
-        <p:cxnSp>
-          <p:nvCxnSpPr>
-            <p:cNvPr id="46" name="直線矢印コネクタ 45">
-              <a:extLst>
-                <a:ext uri="{FF2B5EF4-FFF2-40B4-BE49-F238E27FC236}">
-                  <a16:creationId xmlns:a16="http://schemas.microsoft.com/office/drawing/2014/main" id="{07B8BA4F-A3AE-199C-C2EB-12A3D43FE4B9}"/>
-                </a:ext>
-              </a:extLst>
-            </p:cNvPr>
-            <p:cNvCxnSpPr>
-              <a:cxnSpLocks/>
-            </p:cNvCxnSpPr>
-            <p:nvPr/>
-          </p:nvCxnSpPr>
-          <p:spPr>
-            <a:xfrm>
-              <a:off x="1757358" y="4240426"/>
-              <a:ext cx="9153657" cy="0"/>
-            </a:xfrm>
-            <a:prstGeom prst="straightConnector1">
-              <a:avLst/>
-            </a:prstGeom>
-            <a:ln>
-              <a:prstDash val="lgDash"/>
-              <a:tailEnd type="triangle"/>
-            </a:ln>
-          </p:spPr>
-          <p:style>
-            <a:lnRef idx="1">
-              <a:schemeClr val="accent1"/>
-            </a:lnRef>
-            <a:fillRef idx="0">
-              <a:schemeClr val="accent1"/>
-            </a:fillRef>
-            <a:effectRef idx="0">
-              <a:schemeClr val="accent1"/>
-            </a:effectRef>
-            <a:fontRef idx="minor">
-              <a:schemeClr val="tx1"/>
-            </a:fontRef>
-          </p:style>
-        </p:cxnSp>
-        <p:cxnSp>
-          <p:nvCxnSpPr>
-            <p:cNvPr id="47" name="直線矢印コネクタ 46">
-              <a:extLst>
-                <a:ext uri="{FF2B5EF4-FFF2-40B4-BE49-F238E27FC236}">
-                  <a16:creationId xmlns:a16="http://schemas.microsoft.com/office/drawing/2014/main" id="{0B0389C8-911C-7C8C-0222-107D34F8581F}"/>
-                </a:ext>
-              </a:extLst>
-            </p:cNvPr>
-            <p:cNvCxnSpPr>
-              <a:cxnSpLocks/>
-            </p:cNvCxnSpPr>
-            <p:nvPr/>
-          </p:nvCxnSpPr>
-          <p:spPr>
-            <a:xfrm>
-              <a:off x="1743417" y="5245440"/>
-              <a:ext cx="9153657" cy="0"/>
-            </a:xfrm>
-            <a:prstGeom prst="straightConnector1">
-              <a:avLst/>
-            </a:prstGeom>
-            <a:ln>
-              <a:prstDash val="lgDash"/>
-              <a:tailEnd type="triangle"/>
-            </a:ln>
-          </p:spPr>
-          <p:style>
-            <a:lnRef idx="1">
-              <a:schemeClr val="accent1"/>
-            </a:lnRef>
-            <a:fillRef idx="0">
-              <a:schemeClr val="accent1"/>
-            </a:fillRef>
-            <a:effectRef idx="0">
-              <a:schemeClr val="accent1"/>
-            </a:effectRef>
-            <a:fontRef idx="minor">
-              <a:schemeClr val="tx1"/>
-            </a:fontRef>
-          </p:style>
-        </p:cxnSp>
-        <p:sp>
-          <p:nvSpPr>
-            <p:cNvPr id="48" name="四角形: 角を丸くする 47">
-              <a:extLst>
-                <a:ext uri="{FF2B5EF4-FFF2-40B4-BE49-F238E27FC236}">
-                  <a16:creationId xmlns:a16="http://schemas.microsoft.com/office/drawing/2014/main" id="{89505EA0-7216-D0A1-61FA-4B5568ABB9E1}"/>
-                </a:ext>
-              </a:extLst>
-            </p:cNvPr>
-            <p:cNvSpPr/>
-            <p:nvPr/>
-          </p:nvSpPr>
-          <p:spPr>
-            <a:xfrm>
-              <a:off x="5158187" y="2718291"/>
-              <a:ext cx="1162058" cy="256190"/>
+              <a:off x="5533170" y="2815854"/>
+              <a:ext cx="1890583" cy="373353"/>
             </a:xfrm>
             <a:prstGeom prst="roundRect">
               <a:avLst/>
@@ -5133,10 +6107,10 @@
         </p:sp>
         <p:sp>
           <p:nvSpPr>
-            <p:cNvPr id="49" name="四角形: 角を丸くする 48">
+            <p:cNvPr id="47" name="四角形: 角を丸くする 46">
               <a:extLst>
                 <a:ext uri="{FF2B5EF4-FFF2-40B4-BE49-F238E27FC236}">
-                  <a16:creationId xmlns:a16="http://schemas.microsoft.com/office/drawing/2014/main" id="{CB5578A6-C968-7E46-DEC5-988E810B2DA9}"/>
+                  <a16:creationId xmlns:a16="http://schemas.microsoft.com/office/drawing/2014/main" id="{9817CC8B-3D0B-4ECF-3807-E46ECE40674E}"/>
                 </a:ext>
               </a:extLst>
             </p:cNvPr>
@@ -5145,8 +6119,8 @@
           </p:nvSpPr>
           <p:spPr>
             <a:xfrm>
-              <a:off x="6354008" y="2326624"/>
-              <a:ext cx="1162058" cy="256190"/>
+              <a:off x="4598272" y="1463955"/>
+              <a:ext cx="1890583" cy="373353"/>
             </a:xfrm>
             <a:prstGeom prst="roundRect">
               <a:avLst/>
@@ -5156,7 +6130,7 @@
             </a:solidFill>
             <a:ln w="38100">
               <a:solidFill>
-                <a:srgbClr val="FF0000"/>
+                <a:schemeClr val="accent1"/>
               </a:solidFill>
             </a:ln>
           </p:spPr>
@@ -5184,232 +6158,358 @@
               <a:r>
                 <a:rPr kumimoji="1" lang="en-US" altLang="ja-JP" b="1" dirty="0">
                   <a:solidFill>
-                    <a:srgbClr val="FF0000"/>
+                    <a:srgbClr val="0070C0"/>
                   </a:solidFill>
                 </a:rPr>
-                <a:t>Data 2.2</a:t>
+                <a:t>Data 1.1</a:t>
               </a:r>
               <a:endParaRPr kumimoji="1" lang="ja-JP" altLang="en-US" b="1" dirty="0">
                 <a:solidFill>
-                  <a:srgbClr val="FF0000"/>
+                  <a:srgbClr val="0070C0"/>
                 </a:solidFill>
               </a:endParaRPr>
             </a:p>
           </p:txBody>
         </p:sp>
-      </p:grpSp>
-      <p:sp>
-        <p:nvSpPr>
-          <p:cNvPr id="51" name="四角形: 角を丸くする 50">
-            <a:extLst>
-              <a:ext uri="{FF2B5EF4-FFF2-40B4-BE49-F238E27FC236}">
-                <a16:creationId xmlns:a16="http://schemas.microsoft.com/office/drawing/2014/main" id="{7A003063-47F6-6581-FE67-964B72451D73}"/>
-              </a:ext>
-            </a:extLst>
-          </p:cNvPr>
-          <p:cNvSpPr/>
-          <p:nvPr/>
-        </p:nvSpPr>
-        <p:spPr>
-          <a:xfrm>
-            <a:off x="4289855" y="3837441"/>
-            <a:ext cx="1162058" cy="256190"/>
-          </a:xfrm>
-          <a:prstGeom prst="roundRect">
-            <a:avLst/>
-          </a:prstGeom>
-          <a:solidFill>
-            <a:schemeClr val="bg1"/>
-          </a:solidFill>
-          <a:ln w="38100">
+        <p:sp>
+          <p:nvSpPr>
+            <p:cNvPr id="48" name="四角形: 角を丸くする 47">
+              <a:extLst>
+                <a:ext uri="{FF2B5EF4-FFF2-40B4-BE49-F238E27FC236}">
+                  <a16:creationId xmlns:a16="http://schemas.microsoft.com/office/drawing/2014/main" id="{44AC58B9-CFC1-70C6-3255-0A6A6B6ACD28}"/>
+                </a:ext>
+              </a:extLst>
+            </p:cNvPr>
+            <p:cNvSpPr/>
+            <p:nvPr/>
+          </p:nvSpPr>
+          <p:spPr>
+            <a:xfrm>
+              <a:off x="6517601" y="4173346"/>
+              <a:ext cx="1890583" cy="373353"/>
+            </a:xfrm>
+            <a:prstGeom prst="roundRect">
+              <a:avLst/>
+            </a:prstGeom>
             <a:solidFill>
-              <a:srgbClr val="00B050"/>
+              <a:schemeClr val="bg1"/>
             </a:solidFill>
-          </a:ln>
-        </p:spPr>
-        <p:style>
-          <a:lnRef idx="2">
-            <a:schemeClr val="accent1">
-              <a:shade val="50000"/>
-            </a:schemeClr>
-          </a:lnRef>
-          <a:fillRef idx="1">
-            <a:schemeClr val="accent1"/>
-          </a:fillRef>
-          <a:effectRef idx="0">
-            <a:schemeClr val="accent1"/>
-          </a:effectRef>
-          <a:fontRef idx="minor">
-            <a:schemeClr val="lt1"/>
-          </a:fontRef>
-        </p:style>
-        <p:txBody>
-          <a:bodyPr rtlCol="0" anchor="ctr"/>
-          <a:lstStyle/>
-          <a:p>
-            <a:pPr algn="ctr"/>
-            <a:r>
-              <a:rPr kumimoji="1" lang="en-US" altLang="ja-JP" b="1">
+            <a:ln w="38100">
+              <a:solidFill>
+                <a:srgbClr val="00B050"/>
+              </a:solidFill>
+            </a:ln>
+          </p:spPr>
+          <p:style>
+            <a:lnRef idx="2">
+              <a:schemeClr val="accent1">
+                <a:shade val="50000"/>
+              </a:schemeClr>
+            </a:lnRef>
+            <a:fillRef idx="1">
+              <a:schemeClr val="accent1"/>
+            </a:fillRef>
+            <a:effectRef idx="0">
+              <a:schemeClr val="accent1"/>
+            </a:effectRef>
+            <a:fontRef idx="minor">
+              <a:schemeClr val="lt1"/>
+            </a:fontRef>
+          </p:style>
+          <p:txBody>
+            <a:bodyPr rtlCol="0" anchor="ctr"/>
+            <a:lstStyle/>
+            <a:p>
+              <a:pPr algn="ctr"/>
+              <a:r>
+                <a:rPr kumimoji="1" lang="en-US" altLang="ja-JP" b="1" dirty="0">
+                  <a:solidFill>
+                    <a:srgbClr val="00B050"/>
+                  </a:solidFill>
+                </a:rPr>
+                <a:t>Data 3.1</a:t>
+              </a:r>
+              <a:endParaRPr kumimoji="1" lang="ja-JP" altLang="en-US" b="1" dirty="0">
                 <a:solidFill>
                   <a:srgbClr val="00B050"/>
                 </a:solidFill>
-              </a:rPr>
-              <a:t>Data 3.1</a:t>
-            </a:r>
-            <a:endParaRPr kumimoji="1" lang="ja-JP" altLang="en-US" b="1" dirty="0">
+              </a:endParaRPr>
+            </a:p>
+          </p:txBody>
+        </p:sp>
+        <p:cxnSp>
+          <p:nvCxnSpPr>
+            <p:cNvPr id="50" name="直線コネクタ 49">
+              <a:extLst>
+                <a:ext uri="{FF2B5EF4-FFF2-40B4-BE49-F238E27FC236}">
+                  <a16:creationId xmlns:a16="http://schemas.microsoft.com/office/drawing/2014/main" id="{08391696-6030-4376-3A41-6985EE6C2ED8}"/>
+                </a:ext>
+              </a:extLst>
+            </p:cNvPr>
+            <p:cNvCxnSpPr>
+              <a:cxnSpLocks/>
+            </p:cNvCxnSpPr>
+            <p:nvPr/>
+          </p:nvCxnSpPr>
+          <p:spPr>
+            <a:xfrm>
+              <a:off x="4587878" y="953154"/>
+              <a:ext cx="0" cy="4668977"/>
+            </a:xfrm>
+            <a:prstGeom prst="line">
+              <a:avLst/>
+            </a:prstGeom>
+            <a:ln>
               <a:solidFill>
-                <a:srgbClr val="00B050"/>
+                <a:srgbClr val="FF0000"/>
               </a:solidFill>
-            </a:endParaRPr>
-          </a:p>
-        </p:txBody>
-      </p:sp>
-      <p:sp>
-        <p:nvSpPr>
-          <p:cNvPr id="52" name="四角形: 角を丸くする 51">
-            <a:extLst>
-              <a:ext uri="{FF2B5EF4-FFF2-40B4-BE49-F238E27FC236}">
-                <a16:creationId xmlns:a16="http://schemas.microsoft.com/office/drawing/2014/main" id="{C166A7DF-0E78-08AA-F9BD-D9034D875B08}"/>
-              </a:ext>
-            </a:extLst>
-          </p:cNvPr>
-          <p:cNvSpPr/>
-          <p:nvPr/>
-        </p:nvSpPr>
-        <p:spPr>
-          <a:xfrm>
-            <a:off x="8247022" y="3429000"/>
-            <a:ext cx="1162058" cy="256190"/>
-          </a:xfrm>
-          <a:prstGeom prst="roundRect">
-            <a:avLst/>
-          </a:prstGeom>
-          <a:solidFill>
-            <a:schemeClr val="bg1"/>
-          </a:solidFill>
-          <a:ln w="38100">
-            <a:solidFill>
-              <a:srgbClr val="00B050"/>
-            </a:solidFill>
-          </a:ln>
-        </p:spPr>
-        <p:style>
-          <a:lnRef idx="2">
-            <a:schemeClr val="accent1">
-              <a:shade val="50000"/>
-            </a:schemeClr>
-          </a:lnRef>
-          <a:fillRef idx="1">
-            <a:schemeClr val="accent1"/>
-          </a:fillRef>
-          <a:effectRef idx="0">
-            <a:schemeClr val="accent1"/>
-          </a:effectRef>
-          <a:fontRef idx="minor">
-            <a:schemeClr val="lt1"/>
-          </a:fontRef>
-        </p:style>
-        <p:txBody>
-          <a:bodyPr rtlCol="0" anchor="ctr"/>
-          <a:lstStyle/>
-          <a:p>
-            <a:pPr algn="ctr"/>
-            <a:r>
-              <a:rPr kumimoji="1" lang="en-US" altLang="ja-JP" b="1" dirty="0">
+            </a:ln>
+          </p:spPr>
+          <p:style>
+            <a:lnRef idx="1">
+              <a:schemeClr val="accent1"/>
+            </a:lnRef>
+            <a:fillRef idx="0">
+              <a:schemeClr val="accent1"/>
+            </a:fillRef>
+            <a:effectRef idx="0">
+              <a:schemeClr val="accent1"/>
+            </a:effectRef>
+            <a:fontRef idx="minor">
+              <a:schemeClr val="tx1"/>
+            </a:fontRef>
+          </p:style>
+        </p:cxnSp>
+        <p:cxnSp>
+          <p:nvCxnSpPr>
+            <p:cNvPr id="51" name="直線コネクタ 50">
+              <a:extLst>
+                <a:ext uri="{FF2B5EF4-FFF2-40B4-BE49-F238E27FC236}">
+                  <a16:creationId xmlns:a16="http://schemas.microsoft.com/office/drawing/2014/main" id="{2764CC5A-6C64-0230-E622-64F0770F2106}"/>
+                </a:ext>
+              </a:extLst>
+            </p:cNvPr>
+            <p:cNvCxnSpPr>
+              <a:cxnSpLocks/>
+            </p:cNvCxnSpPr>
+            <p:nvPr/>
+          </p:nvCxnSpPr>
+          <p:spPr>
+            <a:xfrm>
+              <a:off x="8408184" y="935831"/>
+              <a:ext cx="19570" cy="4686300"/>
+            </a:xfrm>
+            <a:prstGeom prst="line">
+              <a:avLst/>
+            </a:prstGeom>
+            <a:ln>
+              <a:solidFill>
+                <a:srgbClr val="FF0000"/>
+              </a:solidFill>
+            </a:ln>
+          </p:spPr>
+          <p:style>
+            <a:lnRef idx="1">
+              <a:schemeClr val="accent1"/>
+            </a:lnRef>
+            <a:fillRef idx="0">
+              <a:schemeClr val="accent1"/>
+            </a:fillRef>
+            <a:effectRef idx="0">
+              <a:schemeClr val="accent1"/>
+            </a:effectRef>
+            <a:fontRef idx="minor">
+              <a:schemeClr val="tx1"/>
+            </a:fontRef>
+          </p:style>
+        </p:cxnSp>
+        <p:cxnSp>
+          <p:nvCxnSpPr>
+            <p:cNvPr id="53" name="直線矢印コネクタ 52">
+              <a:extLst>
+                <a:ext uri="{FF2B5EF4-FFF2-40B4-BE49-F238E27FC236}">
+                  <a16:creationId xmlns:a16="http://schemas.microsoft.com/office/drawing/2014/main" id="{8BA4AA59-3A9D-B4D0-894D-960C1F9ECBFB}"/>
+                </a:ext>
+              </a:extLst>
+            </p:cNvPr>
+            <p:cNvCxnSpPr/>
+            <p:nvPr/>
+          </p:nvCxnSpPr>
+          <p:spPr>
+            <a:xfrm>
+              <a:off x="4607448" y="5300663"/>
+              <a:ext cx="3820306" cy="0"/>
+            </a:xfrm>
+            <a:prstGeom prst="straightConnector1">
+              <a:avLst/>
+            </a:prstGeom>
+            <a:ln>
+              <a:solidFill>
+                <a:srgbClr val="FF0000"/>
+              </a:solidFill>
+              <a:headEnd type="triangle"/>
+              <a:tailEnd type="triangle"/>
+            </a:ln>
+          </p:spPr>
+          <p:style>
+            <a:lnRef idx="3">
+              <a:schemeClr val="accent2"/>
+            </a:lnRef>
+            <a:fillRef idx="0">
+              <a:schemeClr val="accent2"/>
+            </a:fillRef>
+            <a:effectRef idx="2">
+              <a:schemeClr val="accent2"/>
+            </a:effectRef>
+            <a:fontRef idx="minor">
+              <a:schemeClr val="tx1"/>
+            </a:fontRef>
+          </p:style>
+        </p:cxnSp>
+        <p:cxnSp>
+          <p:nvCxnSpPr>
+            <p:cNvPr id="54" name="直線矢印コネクタ 53">
+              <a:extLst>
+                <a:ext uri="{FF2B5EF4-FFF2-40B4-BE49-F238E27FC236}">
+                  <a16:creationId xmlns:a16="http://schemas.microsoft.com/office/drawing/2014/main" id="{9B84E20E-4A2D-8767-438D-3A6EE39F9CC6}"/>
+                </a:ext>
+              </a:extLst>
+            </p:cNvPr>
+            <p:cNvCxnSpPr>
+              <a:cxnSpLocks/>
+            </p:cNvCxnSpPr>
+            <p:nvPr/>
+          </p:nvCxnSpPr>
+          <p:spPr>
+            <a:xfrm>
+              <a:off x="5487426" y="3395826"/>
+              <a:ext cx="1936327" cy="0"/>
+            </a:xfrm>
+            <a:prstGeom prst="straightConnector1">
+              <a:avLst/>
+            </a:prstGeom>
+            <a:ln>
+              <a:solidFill>
+                <a:srgbClr val="FF0000"/>
+              </a:solidFill>
+              <a:headEnd type="triangle"/>
+              <a:tailEnd type="triangle"/>
+            </a:ln>
+          </p:spPr>
+          <p:style>
+            <a:lnRef idx="3">
+              <a:schemeClr val="accent2"/>
+            </a:lnRef>
+            <a:fillRef idx="0">
+              <a:schemeClr val="accent2"/>
+            </a:fillRef>
+            <a:effectRef idx="2">
+              <a:schemeClr val="accent2"/>
+            </a:effectRef>
+            <a:fontRef idx="minor">
+              <a:schemeClr val="tx1"/>
+            </a:fontRef>
+          </p:style>
+        </p:cxnSp>
+        <p:sp>
+          <p:nvSpPr>
+            <p:cNvPr id="56" name="テキスト ボックス 55">
+              <a:extLst>
+                <a:ext uri="{FF2B5EF4-FFF2-40B4-BE49-F238E27FC236}">
+                  <a16:creationId xmlns:a16="http://schemas.microsoft.com/office/drawing/2014/main" id="{747FA999-B9EC-6069-4163-3646D111147F}"/>
+                </a:ext>
+              </a:extLst>
+            </p:cNvPr>
+            <p:cNvSpPr txBox="1"/>
+            <p:nvPr/>
+          </p:nvSpPr>
+          <p:spPr>
+            <a:xfrm>
+              <a:off x="6274864" y="3357000"/>
+              <a:ext cx="407194" cy="369332"/>
+            </a:xfrm>
+            <a:prstGeom prst="rect">
+              <a:avLst/>
+            </a:prstGeom>
+            <a:noFill/>
+          </p:spPr>
+          <p:txBody>
+            <a:bodyPr wrap="square" rtlCol="0">
+              <a:spAutoFit/>
+            </a:bodyPr>
+            <a:lstStyle/>
+            <a:p>
+              <a:pPr algn="ctr"/>
+              <a:r>
+                <a:rPr kumimoji="1" lang="en-US" altLang="ja-JP" dirty="0">
+                  <a:solidFill>
+                    <a:srgbClr val="FF0000"/>
+                  </a:solidFill>
+                  <a:latin typeface="Arial" panose="020B0604020202020204" pitchFamily="34" charset="0"/>
+                  <a:cs typeface="Arial" panose="020B0604020202020204" pitchFamily="34" charset="0"/>
+                </a:rPr>
+                <a:t>T</a:t>
+              </a:r>
+              <a:endParaRPr kumimoji="1" lang="ja-JP" altLang="en-US" dirty="0">
                 <a:solidFill>
-                  <a:srgbClr val="00B050"/>
+                  <a:srgbClr val="FF0000"/>
                 </a:solidFill>
-              </a:rPr>
-              <a:t>Data 3.2</a:t>
-            </a:r>
-            <a:endParaRPr kumimoji="1" lang="ja-JP" altLang="en-US" b="1" dirty="0">
-              <a:solidFill>
-                <a:srgbClr val="00B050"/>
-              </a:solidFill>
-            </a:endParaRPr>
-          </a:p>
-        </p:txBody>
-      </p:sp>
-    </p:spTree>
-    <p:extLst>
-      <p:ext uri="{BB962C8B-B14F-4D97-AF65-F5344CB8AC3E}">
-        <p14:creationId xmlns:p14="http://schemas.microsoft.com/office/powerpoint/2010/main" val="1205412639"/>
-      </p:ext>
-    </p:extLst>
-  </p:cSld>
-  <p:clrMapOvr>
-    <a:masterClrMapping/>
-  </p:clrMapOvr>
-</p:sld>
-</file>
-
-<file path=ppt/slides/slide2.xml><?xml version="1.0" encoding="utf-8"?>
-<p:sld xmlns:a="http://schemas.openxmlformats.org/drawingml/2006/main" xmlns:r="http://schemas.openxmlformats.org/officeDocument/2006/relationships" xmlns:p="http://schemas.openxmlformats.org/presentationml/2006/main">
-  <p:cSld>
-    <p:spTree>
-      <p:nvGrpSpPr>
-        <p:cNvPr id="1" name=""/>
-        <p:cNvGrpSpPr/>
-        <p:nvPr/>
-      </p:nvGrpSpPr>
-      <p:grpSpPr>
-        <a:xfrm>
-          <a:off x="0" y="0"/>
-          <a:ext cx="0" cy="0"/>
-          <a:chOff x="0" y="0"/>
-          <a:chExt cx="0" cy="0"/>
-        </a:xfrm>
-      </p:grpSpPr>
-      <p:sp>
-        <p:nvSpPr>
-          <p:cNvPr id="2" name="タイトル 1">
-            <a:extLst>
-              <a:ext uri="{FF2B5EF4-FFF2-40B4-BE49-F238E27FC236}">
-                <a16:creationId xmlns:a16="http://schemas.microsoft.com/office/drawing/2014/main" id="{F8718E2C-1DAA-12B2-911F-81CFB9761312}"/>
-              </a:ext>
-            </a:extLst>
-          </p:cNvPr>
-          <p:cNvSpPr>
-            <a:spLocks noGrp="1"/>
-          </p:cNvSpPr>
-          <p:nvPr>
-            <p:ph type="title"/>
-          </p:nvPr>
-        </p:nvSpPr>
-        <p:spPr/>
-        <p:txBody>
-          <a:bodyPr/>
-          <a:lstStyle/>
-          <a:p>
-            <a:endParaRPr kumimoji="1" lang="ja-JP" altLang="en-US"/>
-          </a:p>
-        </p:txBody>
-      </p:sp>
-      <p:sp>
-        <p:nvSpPr>
-          <p:cNvPr id="3" name="コンテンツ プレースホルダー 2">
-            <a:extLst>
-              <a:ext uri="{FF2B5EF4-FFF2-40B4-BE49-F238E27FC236}">
-                <a16:creationId xmlns:a16="http://schemas.microsoft.com/office/drawing/2014/main" id="{D4010502-E5B0-559D-FAA8-F0C7D51F519A}"/>
-              </a:ext>
-            </a:extLst>
-          </p:cNvPr>
-          <p:cNvSpPr>
-            <a:spLocks noGrp="1"/>
-          </p:cNvSpPr>
-          <p:nvPr>
-            <p:ph idx="1"/>
-          </p:nvPr>
-        </p:nvSpPr>
-        <p:spPr/>
-        <p:txBody>
-          <a:bodyPr/>
-          <a:lstStyle/>
-          <a:p>
-            <a:endParaRPr kumimoji="1" lang="ja-JP" altLang="en-US"/>
-          </a:p>
-        </p:txBody>
-      </p:sp>
+                <a:latin typeface="Arial" panose="020B0604020202020204" pitchFamily="34" charset="0"/>
+                <a:cs typeface="Arial" panose="020B0604020202020204" pitchFamily="34" charset="0"/>
+              </a:endParaRPr>
+            </a:p>
+          </p:txBody>
+        </p:sp>
+        <p:sp>
+          <p:nvSpPr>
+            <p:cNvPr id="62" name="テキスト ボックス 61">
+              <a:extLst>
+                <a:ext uri="{FF2B5EF4-FFF2-40B4-BE49-F238E27FC236}">
+                  <a16:creationId xmlns:a16="http://schemas.microsoft.com/office/drawing/2014/main" id="{5239757C-50B7-CA95-E234-3CD51D8387EB}"/>
+                </a:ext>
+              </a:extLst>
+            </p:cNvPr>
+            <p:cNvSpPr txBox="1"/>
+            <p:nvPr/>
+          </p:nvSpPr>
+          <p:spPr>
+            <a:xfrm>
+              <a:off x="6209623" y="5424206"/>
+              <a:ext cx="498845" cy="369332"/>
+            </a:xfrm>
+            <a:prstGeom prst="rect">
+              <a:avLst/>
+            </a:prstGeom>
+            <a:noFill/>
+          </p:spPr>
+          <p:txBody>
+            <a:bodyPr wrap="square" rtlCol="0">
+              <a:spAutoFit/>
+            </a:bodyPr>
+            <a:lstStyle/>
+            <a:p>
+              <a:pPr algn="ctr"/>
+              <a:r>
+                <a:rPr kumimoji="1" lang="en-US" altLang="ja-JP" dirty="0">
+                  <a:solidFill>
+                    <a:srgbClr val="FF0000"/>
+                  </a:solidFill>
+                  <a:latin typeface="Arial" panose="020B0604020202020204" pitchFamily="34" charset="0"/>
+                  <a:cs typeface="Arial" panose="020B0604020202020204" pitchFamily="34" charset="0"/>
+                </a:rPr>
+                <a:t>2T</a:t>
+              </a:r>
+              <a:endParaRPr kumimoji="1" lang="ja-JP" altLang="en-US" dirty="0">
+                <a:solidFill>
+                  <a:srgbClr val="FF0000"/>
+                </a:solidFill>
+                <a:latin typeface="Arial" panose="020B0604020202020204" pitchFamily="34" charset="0"/>
+                <a:cs typeface="Arial" panose="020B0604020202020204" pitchFamily="34" charset="0"/>
+              </a:endParaRPr>
+            </a:p>
+          </p:txBody>
+        </p:sp>
+      </p:grpSp>
     </p:spTree>
     <p:extLst>
       <p:ext uri="{BB962C8B-B14F-4D97-AF65-F5344CB8AC3E}">

--- a/telecomminucation/通信方法の遷移.pptx
+++ b/telecomminucation/通信方法の遷移.pptx
@@ -5,10 +5,15 @@
     <p:sldMasterId id="2147483648" r:id="rId1"/>
   </p:sldMasterIdLst>
   <p:sldIdLst>
-    <p:sldId id="256" r:id="rId2"/>
-    <p:sldId id="257" r:id="rId3"/>
-    <p:sldId id="258" r:id="rId4"/>
-    <p:sldId id="259" r:id="rId5"/>
+    <p:sldId id="260" r:id="rId2"/>
+    <p:sldId id="261" r:id="rId3"/>
+    <p:sldId id="257" r:id="rId4"/>
+    <p:sldId id="262" r:id="rId5"/>
+    <p:sldId id="263" r:id="rId6"/>
+    <p:sldId id="264" r:id="rId7"/>
+    <p:sldId id="258" r:id="rId8"/>
+    <p:sldId id="265" r:id="rId9"/>
+    <p:sldId id="259" r:id="rId10"/>
   </p:sldIdLst>
   <p:sldSz cx="12192000" cy="6858000"/>
   <p:notesSz cx="6858000" cy="9144000"/>
@@ -115,6 +120,122 @@
 </p:presentation>
 </file>
 
+<file path=ppt/ink/ink1.xml><?xml version="1.0" encoding="utf-8"?>
+<inkml:ink xmlns:inkml="http://www.w3.org/2003/InkML">
+  <inkml:definitions>
+    <inkml:context xml:id="ctx0">
+      <inkml:inkSource xml:id="inkSrc0">
+        <inkml:traceFormat>
+          <inkml:channel name="X" type="integer" min="-2.14748E9" max="2.14748E9" units="cm"/>
+          <inkml:channel name="Y" type="integer" min="-2.14748E9" max="2.14748E9" units="cm"/>
+        </inkml:traceFormat>
+        <inkml:channelProperties>
+          <inkml:channelProperty channel="X" name="resolution" value="1000" units="1/cm"/>
+          <inkml:channelProperty channel="Y" name="resolution" value="1000" units="1/cm"/>
+        </inkml:channelProperties>
+      </inkml:inkSource>
+      <inkml:timestamp xml:id="ts0" timeString="2023-06-13T20:08:58.615"/>
+    </inkml:context>
+    <inkml:brush xml:id="br0">
+      <inkml:brushProperty name="width" value="0.4" units="cm"/>
+      <inkml:brushProperty name="height" value="0.8" units="cm"/>
+      <inkml:brushProperty name="color" value="#0990FF"/>
+      <inkml:brushProperty name="tip" value="rectangle"/>
+      <inkml:brushProperty name="rasterOp" value="maskPen"/>
+      <inkml:brushProperty name="ignorePressure" value="1"/>
+    </inkml:brush>
+  </inkml:definitions>
+  <inkml:trace contextRef="#ctx0" brushRef="#br0">1 0,'5057'0,"-4731"25,-179-9,577 12,700-29,-1405 1</inkml:trace>
+</inkml:ink>
+</file>
+
+<file path=ppt/ink/ink2.xml><?xml version="1.0" encoding="utf-8"?>
+<inkml:ink xmlns:inkml="http://www.w3.org/2003/InkML">
+  <inkml:definitions>
+    <inkml:context xml:id="ctx0">
+      <inkml:inkSource xml:id="inkSrc0">
+        <inkml:traceFormat>
+          <inkml:channel name="X" type="integer" min="-2.14748E9" max="2.14748E9" units="cm"/>
+          <inkml:channel name="Y" type="integer" min="-2.14748E9" max="2.14748E9" units="cm"/>
+        </inkml:traceFormat>
+        <inkml:channelProperties>
+          <inkml:channelProperty channel="X" name="resolution" value="1000" units="1/cm"/>
+          <inkml:channelProperty channel="Y" name="resolution" value="1000" units="1/cm"/>
+        </inkml:channelProperties>
+      </inkml:inkSource>
+      <inkml:timestamp xml:id="ts0" timeString="2023-06-13T20:11:24.485"/>
+    </inkml:context>
+    <inkml:brush xml:id="br0">
+      <inkml:brushProperty name="width" value="0.4" units="cm"/>
+      <inkml:brushProperty name="height" value="0.8" units="cm"/>
+      <inkml:brushProperty name="color" value="#A9D8FF"/>
+      <inkml:brushProperty name="tip" value="rectangle"/>
+      <inkml:brushProperty name="rasterOp" value="maskPen"/>
+      <inkml:brushProperty name="ignorePressure" value="1"/>
+    </inkml:brush>
+  </inkml:definitions>
+  <inkml:trace contextRef="#ctx0" brushRef="#br0">1 0,'1535'25,"701"21,1750-48,-2492 2,-890-26,-39 0,1420 24,-957 4,1131-2,-2129 0</inkml:trace>
+</inkml:ink>
+</file>
+
+<file path=ppt/ink/ink3.xml><?xml version="1.0" encoding="utf-8"?>
+<inkml:ink xmlns:inkml="http://www.w3.org/2003/InkML">
+  <inkml:definitions>
+    <inkml:context xml:id="ctx0">
+      <inkml:inkSource xml:id="inkSrc0">
+        <inkml:traceFormat>
+          <inkml:channel name="X" type="integer" min="-2.14748E9" max="2.14748E9" units="cm"/>
+          <inkml:channel name="Y" type="integer" min="-2.14748E9" max="2.14748E9" units="cm"/>
+        </inkml:traceFormat>
+        <inkml:channelProperties>
+          <inkml:channelProperty channel="X" name="resolution" value="1000" units="1/cm"/>
+          <inkml:channelProperty channel="Y" name="resolution" value="1000" units="1/cm"/>
+        </inkml:channelProperties>
+      </inkml:inkSource>
+      <inkml:timestamp xml:id="ts0" timeString="2023-06-13T20:14:54.370"/>
+    </inkml:context>
+    <inkml:brush xml:id="br0">
+      <inkml:brushProperty name="width" value="0.4" units="cm"/>
+      <inkml:brushProperty name="height" value="0.8" units="cm"/>
+      <inkml:brushProperty name="color" value="#D9AEFF"/>
+      <inkml:brushProperty name="tip" value="rectangle"/>
+      <inkml:brushProperty name="rasterOp" value="maskPen"/>
+      <inkml:brushProperty name="ignorePressure" value="1"/>
+    </inkml:brush>
+  </inkml:definitions>
+  <inkml:trace contextRef="#ctx0" brushRef="#br0">1 0,'1'2,"0"-1,1 0,-1 0,1 0,-1 0,1 0,-1 0,1-1,0 1,-1-1,1 1,0-1,0 1,-1-1,4 0,0 1,83 13,1-3,110-3,-149-6,1143 4,-662-9,103 3,709 1,-723 23,-446-7,268 63,-418-73,-1 1,0 1,0 1,22 14,-5-2,-16-11</inkml:trace>
+</inkml:ink>
+</file>
+
+<file path=ppt/ink/ink4.xml><?xml version="1.0" encoding="utf-8"?>
+<inkml:ink xmlns:inkml="http://www.w3.org/2003/InkML">
+  <inkml:definitions>
+    <inkml:context xml:id="ctx0">
+      <inkml:inkSource xml:id="inkSrc0">
+        <inkml:traceFormat>
+          <inkml:channel name="X" type="integer" min="-2.14748E9" max="2.14748E9" units="cm"/>
+          <inkml:channel name="Y" type="integer" min="-2.14748E9" max="2.14748E9" units="cm"/>
+        </inkml:traceFormat>
+        <inkml:channelProperties>
+          <inkml:channelProperty channel="X" name="resolution" value="1000" units="1/cm"/>
+          <inkml:channelProperty channel="Y" name="resolution" value="1000" units="1/cm"/>
+        </inkml:channelProperties>
+      </inkml:inkSource>
+      <inkml:timestamp xml:id="ts0" timeString="2023-06-13T20:16:42.139"/>
+    </inkml:context>
+    <inkml:brush xml:id="br0">
+      <inkml:brushProperty name="width" value="0.4" units="cm"/>
+      <inkml:brushProperty name="height" value="0.8" units="cm"/>
+      <inkml:brushProperty name="color" value="#FF8517"/>
+      <inkml:brushProperty name="tip" value="rectangle"/>
+      <inkml:brushProperty name="rasterOp" value="maskPen"/>
+      <inkml:brushProperty name="ignorePressure" value="1"/>
+    </inkml:brush>
+  </inkml:definitions>
+  <inkml:trace contextRef="#ctx0" brushRef="#br0">1 89,'837'-42,"-139"2,1077 34,-964 9,3534-4,-3950 28,-35-2,-126-25,-216 0</inkml:trace>
+</inkml:ink>
+</file>
+
 <file path=ppt/slideLayouts/slideLayout1.xml><?xml version="1.0" encoding="utf-8"?>
 <p:sldLayout xmlns:a="http://schemas.openxmlformats.org/drawingml/2006/main" xmlns:r="http://schemas.openxmlformats.org/officeDocument/2006/relationships" xmlns:p="http://schemas.openxmlformats.org/presentationml/2006/main" type="title" preserve="1">
   <p:cSld name="タイトル スライド">
@@ -262,7 +383,7 @@
           <a:p>
             <a:fld id="{2EA8CD69-038A-45E6-A9A4-5E80CD0B5689}" type="datetimeFigureOut">
               <a:rPr kumimoji="1" lang="ja-JP" altLang="en-US" smtClean="0"/>
-              <a:t>2023/6/13</a:t>
+              <a:t>2023/6/14</a:t>
             </a:fld>
             <a:endParaRPr kumimoji="1" lang="ja-JP" altLang="en-US"/>
           </a:p>
@@ -492,7 +613,7 @@
           <a:p>
             <a:fld id="{2EA8CD69-038A-45E6-A9A4-5E80CD0B5689}" type="datetimeFigureOut">
               <a:rPr kumimoji="1" lang="ja-JP" altLang="en-US" smtClean="0"/>
-              <a:t>2023/6/13</a:t>
+              <a:t>2023/6/14</a:t>
             </a:fld>
             <a:endParaRPr kumimoji="1" lang="ja-JP" altLang="en-US"/>
           </a:p>
@@ -732,7 +853,7 @@
           <a:p>
             <a:fld id="{2EA8CD69-038A-45E6-A9A4-5E80CD0B5689}" type="datetimeFigureOut">
               <a:rPr kumimoji="1" lang="ja-JP" altLang="en-US" smtClean="0"/>
-              <a:t>2023/6/13</a:t>
+              <a:t>2023/6/14</a:t>
             </a:fld>
             <a:endParaRPr kumimoji="1" lang="ja-JP" altLang="en-US"/>
           </a:p>
@@ -962,7 +1083,7 @@
           <a:p>
             <a:fld id="{2EA8CD69-038A-45E6-A9A4-5E80CD0B5689}" type="datetimeFigureOut">
               <a:rPr kumimoji="1" lang="ja-JP" altLang="en-US" smtClean="0"/>
-              <a:t>2023/6/13</a:t>
+              <a:t>2023/6/14</a:t>
             </a:fld>
             <a:endParaRPr kumimoji="1" lang="ja-JP" altLang="en-US"/>
           </a:p>
@@ -1237,7 +1358,7 @@
           <a:p>
             <a:fld id="{2EA8CD69-038A-45E6-A9A4-5E80CD0B5689}" type="datetimeFigureOut">
               <a:rPr kumimoji="1" lang="ja-JP" altLang="en-US" smtClean="0"/>
-              <a:t>2023/6/13</a:t>
+              <a:t>2023/6/14</a:t>
             </a:fld>
             <a:endParaRPr kumimoji="1" lang="ja-JP" altLang="en-US"/>
           </a:p>
@@ -1566,7 +1687,7 @@
           <a:p>
             <a:fld id="{2EA8CD69-038A-45E6-A9A4-5E80CD0B5689}" type="datetimeFigureOut">
               <a:rPr kumimoji="1" lang="ja-JP" altLang="en-US" smtClean="0"/>
-              <a:t>2023/6/13</a:t>
+              <a:t>2023/6/14</a:t>
             </a:fld>
             <a:endParaRPr kumimoji="1" lang="ja-JP" altLang="en-US"/>
           </a:p>
@@ -2042,7 +2163,7 @@
           <a:p>
             <a:fld id="{2EA8CD69-038A-45E6-A9A4-5E80CD0B5689}" type="datetimeFigureOut">
               <a:rPr kumimoji="1" lang="ja-JP" altLang="en-US" smtClean="0"/>
-              <a:t>2023/6/13</a:t>
+              <a:t>2023/6/14</a:t>
             </a:fld>
             <a:endParaRPr kumimoji="1" lang="ja-JP" altLang="en-US"/>
           </a:p>
@@ -2183,7 +2304,7 @@
           <a:p>
             <a:fld id="{2EA8CD69-038A-45E6-A9A4-5E80CD0B5689}" type="datetimeFigureOut">
               <a:rPr kumimoji="1" lang="ja-JP" altLang="en-US" smtClean="0"/>
-              <a:t>2023/6/13</a:t>
+              <a:t>2023/6/14</a:t>
             </a:fld>
             <a:endParaRPr kumimoji="1" lang="ja-JP" altLang="en-US"/>
           </a:p>
@@ -2296,7 +2417,7 @@
           <a:p>
             <a:fld id="{2EA8CD69-038A-45E6-A9A4-5E80CD0B5689}" type="datetimeFigureOut">
               <a:rPr kumimoji="1" lang="ja-JP" altLang="en-US" smtClean="0"/>
-              <a:t>2023/6/13</a:t>
+              <a:t>2023/6/14</a:t>
             </a:fld>
             <a:endParaRPr kumimoji="1" lang="ja-JP" altLang="en-US"/>
           </a:p>
@@ -2639,7 +2760,7 @@
           <a:p>
             <a:fld id="{2EA8CD69-038A-45E6-A9A4-5E80CD0B5689}" type="datetimeFigureOut">
               <a:rPr kumimoji="1" lang="ja-JP" altLang="en-US" smtClean="0"/>
-              <a:t>2023/6/13</a:t>
+              <a:t>2023/6/14</a:t>
             </a:fld>
             <a:endParaRPr kumimoji="1" lang="ja-JP" altLang="en-US"/>
           </a:p>
@@ -2927,7 +3048,7 @@
           <a:p>
             <a:fld id="{2EA8CD69-038A-45E6-A9A4-5E80CD0B5689}" type="datetimeFigureOut">
               <a:rPr kumimoji="1" lang="ja-JP" altLang="en-US" smtClean="0"/>
-              <a:t>2023/6/13</a:t>
+              <a:t>2023/6/14</a:t>
             </a:fld>
             <a:endParaRPr kumimoji="1" lang="ja-JP" altLang="en-US"/>
           </a:p>
@@ -3200,7 +3321,7 @@
           <a:p>
             <a:fld id="{2EA8CD69-038A-45E6-A9A4-5E80CD0B5689}" type="datetimeFigureOut">
               <a:rPr kumimoji="1" lang="ja-JP" altLang="en-US" smtClean="0"/>
-              <a:t>2023/6/13</a:t>
+              <a:t>2023/6/14</a:t>
             </a:fld>
             <a:endParaRPr kumimoji="1" lang="ja-JP" altLang="en-US"/>
           </a:p>
@@ -3617,1112 +3738,12 @@
           <a:chExt cx="0" cy="0"/>
         </a:xfrm>
       </p:grpSpPr>
-      <p:cxnSp>
-        <p:nvCxnSpPr>
-          <p:cNvPr id="5" name="直線コネクタ 4">
+      <p:sp>
+        <p:nvSpPr>
+          <p:cNvPr id="4" name="テキスト ボックス 3">
             <a:extLst>
               <a:ext uri="{FF2B5EF4-FFF2-40B4-BE49-F238E27FC236}">
-                <a16:creationId xmlns:a16="http://schemas.microsoft.com/office/drawing/2014/main" id="{D4D779D4-B600-55CE-6726-A2AE1F47D972}"/>
-              </a:ext>
-            </a:extLst>
-          </p:cNvPr>
-          <p:cNvCxnSpPr>
-            <a:cxnSpLocks/>
-          </p:cNvCxnSpPr>
-          <p:nvPr/>
-        </p:nvCxnSpPr>
-        <p:spPr>
-          <a:xfrm>
-            <a:off x="3080472" y="809372"/>
-            <a:ext cx="0" cy="4417537"/>
-          </a:xfrm>
-          <a:prstGeom prst="line">
-            <a:avLst/>
-          </a:prstGeom>
-          <a:ln>
-            <a:prstDash val="dash"/>
-          </a:ln>
-        </p:spPr>
-        <p:style>
-          <a:lnRef idx="1">
-            <a:schemeClr val="accent1"/>
-          </a:lnRef>
-          <a:fillRef idx="0">
-            <a:schemeClr val="accent1"/>
-          </a:fillRef>
-          <a:effectRef idx="0">
-            <a:schemeClr val="accent1"/>
-          </a:effectRef>
-          <a:fontRef idx="minor">
-            <a:schemeClr val="tx1"/>
-          </a:fontRef>
-        </p:style>
-      </p:cxnSp>
-      <p:cxnSp>
-        <p:nvCxnSpPr>
-          <p:cNvPr id="9" name="直線コネクタ 8">
-            <a:extLst>
-              <a:ext uri="{FF2B5EF4-FFF2-40B4-BE49-F238E27FC236}">
-                <a16:creationId xmlns:a16="http://schemas.microsoft.com/office/drawing/2014/main" id="{4AE7A7F6-6ED3-C4C9-FA8C-0818A1A5FE29}"/>
-              </a:ext>
-            </a:extLst>
-          </p:cNvPr>
-          <p:cNvCxnSpPr>
-            <a:cxnSpLocks/>
-          </p:cNvCxnSpPr>
-          <p:nvPr/>
-        </p:nvCxnSpPr>
-        <p:spPr>
-          <a:xfrm>
-            <a:off x="6062427" y="809369"/>
-            <a:ext cx="0" cy="4417537"/>
-          </a:xfrm>
-          <a:prstGeom prst="line">
-            <a:avLst/>
-          </a:prstGeom>
-          <a:ln>
-            <a:prstDash val="dash"/>
-          </a:ln>
-        </p:spPr>
-        <p:style>
-          <a:lnRef idx="1">
-            <a:schemeClr val="accent1"/>
-          </a:lnRef>
-          <a:fillRef idx="0">
-            <a:schemeClr val="accent1"/>
-          </a:fillRef>
-          <a:effectRef idx="0">
-            <a:schemeClr val="accent1"/>
-          </a:effectRef>
-          <a:fontRef idx="minor">
-            <a:schemeClr val="tx1"/>
-          </a:fontRef>
-        </p:style>
-      </p:cxnSp>
-      <p:cxnSp>
-        <p:nvCxnSpPr>
-          <p:cNvPr id="10" name="直線コネクタ 9">
-            <a:extLst>
-              <a:ext uri="{FF2B5EF4-FFF2-40B4-BE49-F238E27FC236}">
-                <a16:creationId xmlns:a16="http://schemas.microsoft.com/office/drawing/2014/main" id="{194179E3-C01A-EB99-326D-C5B6C33AD65E}"/>
-              </a:ext>
-            </a:extLst>
-          </p:cNvPr>
-          <p:cNvCxnSpPr>
-            <a:cxnSpLocks/>
-          </p:cNvCxnSpPr>
-          <p:nvPr/>
-        </p:nvCxnSpPr>
-        <p:spPr>
-          <a:xfrm>
-            <a:off x="7553405" y="809372"/>
-            <a:ext cx="0" cy="4417537"/>
-          </a:xfrm>
-          <a:prstGeom prst="line">
-            <a:avLst/>
-          </a:prstGeom>
-          <a:ln>
-            <a:prstDash val="dash"/>
-          </a:ln>
-        </p:spPr>
-        <p:style>
-          <a:lnRef idx="1">
-            <a:schemeClr val="accent1"/>
-          </a:lnRef>
-          <a:fillRef idx="0">
-            <a:schemeClr val="accent1"/>
-          </a:fillRef>
-          <a:effectRef idx="0">
-            <a:schemeClr val="accent1"/>
-          </a:effectRef>
-          <a:fontRef idx="minor">
-            <a:schemeClr val="tx1"/>
-          </a:fontRef>
-        </p:style>
-      </p:cxnSp>
-      <p:cxnSp>
-        <p:nvCxnSpPr>
-          <p:cNvPr id="11" name="直線コネクタ 10">
-            <a:extLst>
-              <a:ext uri="{FF2B5EF4-FFF2-40B4-BE49-F238E27FC236}">
-                <a16:creationId xmlns:a16="http://schemas.microsoft.com/office/drawing/2014/main" id="{5F02F39F-537D-C209-BC6F-E57DAE06A0DF}"/>
-              </a:ext>
-            </a:extLst>
-          </p:cNvPr>
-          <p:cNvCxnSpPr>
-            <a:cxnSpLocks/>
-          </p:cNvCxnSpPr>
-          <p:nvPr/>
-        </p:nvCxnSpPr>
-        <p:spPr>
-          <a:xfrm>
-            <a:off x="9044383" y="809368"/>
-            <a:ext cx="0" cy="4417537"/>
-          </a:xfrm>
-          <a:prstGeom prst="line">
-            <a:avLst/>
-          </a:prstGeom>
-          <a:ln>
-            <a:prstDash val="dash"/>
-          </a:ln>
-        </p:spPr>
-        <p:style>
-          <a:lnRef idx="1">
-            <a:schemeClr val="accent1"/>
-          </a:lnRef>
-          <a:fillRef idx="0">
-            <a:schemeClr val="accent1"/>
-          </a:fillRef>
-          <a:effectRef idx="0">
-            <a:schemeClr val="accent1"/>
-          </a:effectRef>
-          <a:fontRef idx="minor">
-            <a:schemeClr val="tx1"/>
-          </a:fontRef>
-        </p:style>
-      </p:cxnSp>
-      <p:cxnSp>
-        <p:nvCxnSpPr>
-          <p:cNvPr id="12" name="直線コネクタ 11">
-            <a:extLst>
-              <a:ext uri="{FF2B5EF4-FFF2-40B4-BE49-F238E27FC236}">
-                <a16:creationId xmlns:a16="http://schemas.microsoft.com/office/drawing/2014/main" id="{1F27E40E-B78A-A593-3788-CE6647961D99}"/>
-              </a:ext>
-            </a:extLst>
-          </p:cNvPr>
-          <p:cNvCxnSpPr>
-            <a:cxnSpLocks/>
-          </p:cNvCxnSpPr>
-          <p:nvPr/>
-        </p:nvCxnSpPr>
-        <p:spPr>
-          <a:xfrm>
-            <a:off x="4571450" y="809371"/>
-            <a:ext cx="0" cy="4417537"/>
-          </a:xfrm>
-          <a:prstGeom prst="line">
-            <a:avLst/>
-          </a:prstGeom>
-          <a:ln>
-            <a:prstDash val="dash"/>
-          </a:ln>
-        </p:spPr>
-        <p:style>
-          <a:lnRef idx="1">
-            <a:schemeClr val="accent1"/>
-          </a:lnRef>
-          <a:fillRef idx="0">
-            <a:schemeClr val="accent1"/>
-          </a:fillRef>
-          <a:effectRef idx="0">
-            <a:schemeClr val="accent1"/>
-          </a:effectRef>
-          <a:fontRef idx="minor">
-            <a:schemeClr val="tx1"/>
-          </a:fontRef>
-        </p:style>
-      </p:cxnSp>
-      <p:sp>
-        <p:nvSpPr>
-          <p:cNvPr id="13" name="正方形/長方形 12">
-            <a:extLst>
-              <a:ext uri="{FF2B5EF4-FFF2-40B4-BE49-F238E27FC236}">
-                <a16:creationId xmlns:a16="http://schemas.microsoft.com/office/drawing/2014/main" id="{9876226A-4F2A-FA05-0EB2-59A08C65E8F5}"/>
-              </a:ext>
-            </a:extLst>
-          </p:cNvPr>
-          <p:cNvSpPr/>
-          <p:nvPr/>
-        </p:nvSpPr>
-        <p:spPr>
-          <a:xfrm>
-            <a:off x="4591907" y="2234569"/>
-            <a:ext cx="1487402" cy="4417536"/>
-          </a:xfrm>
-          <a:prstGeom prst="rect">
-            <a:avLst/>
-          </a:prstGeom>
-          <a:solidFill>
-            <a:srgbClr val="FF0000">
-              <a:alpha val="74902"/>
-            </a:srgbClr>
-          </a:solidFill>
-          <a:ln>
-            <a:noFill/>
-          </a:ln>
-        </p:spPr>
-        <p:style>
-          <a:lnRef idx="2">
-            <a:schemeClr val="accent1">
-              <a:shade val="50000"/>
-            </a:schemeClr>
-          </a:lnRef>
-          <a:fillRef idx="1">
-            <a:schemeClr val="accent1"/>
-          </a:fillRef>
-          <a:effectRef idx="0">
-            <a:schemeClr val="accent1"/>
-          </a:effectRef>
-          <a:fontRef idx="minor">
-            <a:schemeClr val="lt1"/>
-          </a:fontRef>
-        </p:style>
-        <p:txBody>
-          <a:bodyPr rtlCol="0" anchor="ctr"/>
-          <a:lstStyle/>
-          <a:p>
-            <a:pPr algn="ctr"/>
-            <a:endParaRPr kumimoji="1" lang="ja-JP" altLang="en-US" dirty="0"/>
-          </a:p>
-        </p:txBody>
-      </p:sp>
-      <p:sp>
-        <p:nvSpPr>
-          <p:cNvPr id="15" name="正方形/長方形 14">
-            <a:extLst>
-              <a:ext uri="{FF2B5EF4-FFF2-40B4-BE49-F238E27FC236}">
-                <a16:creationId xmlns:a16="http://schemas.microsoft.com/office/drawing/2014/main" id="{751FE57F-EC78-B99F-0E60-EE924380450B}"/>
-              </a:ext>
-            </a:extLst>
-          </p:cNvPr>
-          <p:cNvSpPr/>
-          <p:nvPr/>
-        </p:nvSpPr>
-        <p:spPr>
-          <a:xfrm>
-            <a:off x="7553405" y="2165660"/>
-            <a:ext cx="1487402" cy="4417536"/>
-          </a:xfrm>
-          <a:prstGeom prst="rect">
-            <a:avLst/>
-          </a:prstGeom>
-          <a:solidFill>
-            <a:srgbClr val="FF0000">
-              <a:alpha val="74902"/>
-            </a:srgbClr>
-          </a:solidFill>
-          <a:ln>
-            <a:noFill/>
-          </a:ln>
-        </p:spPr>
-        <p:style>
-          <a:lnRef idx="2">
-            <a:schemeClr val="accent1">
-              <a:shade val="50000"/>
-            </a:schemeClr>
-          </a:lnRef>
-          <a:fillRef idx="1">
-            <a:schemeClr val="accent1"/>
-          </a:fillRef>
-          <a:effectRef idx="0">
-            <a:schemeClr val="accent1"/>
-          </a:effectRef>
-          <a:fontRef idx="minor">
-            <a:schemeClr val="lt1"/>
-          </a:fontRef>
-        </p:style>
-        <p:txBody>
-          <a:bodyPr rtlCol="0" anchor="ctr"/>
-          <a:lstStyle/>
-          <a:p>
-            <a:pPr algn="ctr"/>
-            <a:endParaRPr kumimoji="1" lang="ja-JP" altLang="en-US" dirty="0"/>
-          </a:p>
-        </p:txBody>
-      </p:sp>
-      <p:cxnSp>
-        <p:nvCxnSpPr>
-          <p:cNvPr id="16" name="直線コネクタ 15">
-            <a:extLst>
-              <a:ext uri="{FF2B5EF4-FFF2-40B4-BE49-F238E27FC236}">
-                <a16:creationId xmlns:a16="http://schemas.microsoft.com/office/drawing/2014/main" id="{7905E36B-F0C2-3BBF-1872-701E4606CAC3}"/>
-              </a:ext>
-            </a:extLst>
-          </p:cNvPr>
-          <p:cNvCxnSpPr>
-            <a:cxnSpLocks/>
-          </p:cNvCxnSpPr>
-          <p:nvPr/>
-        </p:nvCxnSpPr>
-        <p:spPr>
-          <a:xfrm>
-            <a:off x="10531785" y="809372"/>
-            <a:ext cx="0" cy="4417537"/>
-          </a:xfrm>
-          <a:prstGeom prst="line">
-            <a:avLst/>
-          </a:prstGeom>
-          <a:ln>
-            <a:prstDash val="dash"/>
-          </a:ln>
-        </p:spPr>
-        <p:style>
-          <a:lnRef idx="1">
-            <a:schemeClr val="accent1"/>
-          </a:lnRef>
-          <a:fillRef idx="0">
-            <a:schemeClr val="accent1"/>
-          </a:fillRef>
-          <a:effectRef idx="0">
-            <a:schemeClr val="accent1"/>
-          </a:effectRef>
-          <a:fontRef idx="minor">
-            <a:schemeClr val="tx1"/>
-          </a:fontRef>
-        </p:style>
-      </p:cxnSp>
-      <p:grpSp>
-        <p:nvGrpSpPr>
-          <p:cNvPr id="21" name="グループ化 20">
-            <a:extLst>
-              <a:ext uri="{FF2B5EF4-FFF2-40B4-BE49-F238E27FC236}">
-                <a16:creationId xmlns:a16="http://schemas.microsoft.com/office/drawing/2014/main" id="{CDBE2387-935E-9166-7AFA-76BA0F0330D3}"/>
-              </a:ext>
-            </a:extLst>
-          </p:cNvPr>
-          <p:cNvGrpSpPr/>
-          <p:nvPr/>
-        </p:nvGrpSpPr>
-        <p:grpSpPr>
-          <a:xfrm>
-            <a:off x="1660215" y="3289330"/>
-            <a:ext cx="854866" cy="763613"/>
-            <a:chOff x="105013" y="1668162"/>
-            <a:chExt cx="920579" cy="846437"/>
-          </a:xfrm>
-        </p:grpSpPr>
-        <p:sp>
-          <p:nvSpPr>
-            <p:cNvPr id="19" name="正方形/長方形 18">
-              <a:extLst>
-                <a:ext uri="{FF2B5EF4-FFF2-40B4-BE49-F238E27FC236}">
-                  <a16:creationId xmlns:a16="http://schemas.microsoft.com/office/drawing/2014/main" id="{45BC023A-6425-DEC9-2680-5B5BAFC83272}"/>
-                </a:ext>
-              </a:extLst>
-            </p:cNvPr>
-            <p:cNvSpPr/>
-            <p:nvPr/>
-          </p:nvSpPr>
-          <p:spPr>
-            <a:xfrm>
-              <a:off x="284205" y="1668162"/>
-              <a:ext cx="741387" cy="444843"/>
-            </a:xfrm>
-            <a:prstGeom prst="rect">
-              <a:avLst/>
-            </a:prstGeom>
-            <a:noFill/>
-            <a:ln w="28575">
-              <a:solidFill>
-                <a:srgbClr val="00B050"/>
-              </a:solidFill>
-            </a:ln>
-          </p:spPr>
-          <p:style>
-            <a:lnRef idx="2">
-              <a:schemeClr val="accent1">
-                <a:shade val="50000"/>
-              </a:schemeClr>
-            </a:lnRef>
-            <a:fillRef idx="1">
-              <a:schemeClr val="accent1"/>
-            </a:fillRef>
-            <a:effectRef idx="0">
-              <a:schemeClr val="accent1"/>
-            </a:effectRef>
-            <a:fontRef idx="minor">
-              <a:schemeClr val="lt1"/>
-            </a:fontRef>
-          </p:style>
-          <p:txBody>
-            <a:bodyPr rtlCol="0" anchor="ctr"/>
-            <a:lstStyle/>
-            <a:p>
-              <a:pPr algn="ctr"/>
-              <a:r>
-                <a:rPr kumimoji="1" lang="en-US" altLang="ja-JP" sz="1600" b="1" dirty="0">
-                  <a:solidFill>
-                    <a:srgbClr val="00B050"/>
-                  </a:solidFill>
-                </a:rPr>
-                <a:t>PC3</a:t>
-              </a:r>
-              <a:endParaRPr kumimoji="1" lang="ja-JP" altLang="en-US" sz="1600" b="1" dirty="0">
-                <a:solidFill>
-                  <a:srgbClr val="00B050"/>
-                </a:solidFill>
-              </a:endParaRPr>
-            </a:p>
-          </p:txBody>
-        </p:sp>
-        <p:sp>
-          <p:nvSpPr>
-            <p:cNvPr id="20" name="フローチャート: データ 19">
-              <a:extLst>
-                <a:ext uri="{FF2B5EF4-FFF2-40B4-BE49-F238E27FC236}">
-                  <a16:creationId xmlns:a16="http://schemas.microsoft.com/office/drawing/2014/main" id="{C2090969-6976-EDD3-5F90-C70B22FE9290}"/>
-                </a:ext>
-              </a:extLst>
-            </p:cNvPr>
-            <p:cNvSpPr/>
-            <p:nvPr/>
-          </p:nvSpPr>
-          <p:spPr>
-            <a:xfrm>
-              <a:off x="105013" y="2113005"/>
-              <a:ext cx="920573" cy="401594"/>
-            </a:xfrm>
-            <a:prstGeom prst="flowChartInputOutput">
-              <a:avLst/>
-            </a:prstGeom>
-            <a:noFill/>
-            <a:ln w="28575">
-              <a:solidFill>
-                <a:srgbClr val="00B050"/>
-              </a:solidFill>
-            </a:ln>
-          </p:spPr>
-          <p:style>
-            <a:lnRef idx="2">
-              <a:schemeClr val="accent1">
-                <a:shade val="50000"/>
-              </a:schemeClr>
-            </a:lnRef>
-            <a:fillRef idx="1">
-              <a:schemeClr val="accent1"/>
-            </a:fillRef>
-            <a:effectRef idx="0">
-              <a:schemeClr val="accent1"/>
-            </a:effectRef>
-            <a:fontRef idx="minor">
-              <a:schemeClr val="lt1"/>
-            </a:fontRef>
-          </p:style>
-          <p:txBody>
-            <a:bodyPr rtlCol="0" anchor="ctr"/>
-            <a:lstStyle/>
-            <a:p>
-              <a:pPr algn="ctr"/>
-              <a:endParaRPr kumimoji="1" lang="ja-JP" altLang="en-US"/>
-            </a:p>
-          </p:txBody>
-        </p:sp>
-      </p:grpSp>
-      <p:grpSp>
-        <p:nvGrpSpPr>
-          <p:cNvPr id="22" name="グループ化 21">
-            <a:extLst>
-              <a:ext uri="{FF2B5EF4-FFF2-40B4-BE49-F238E27FC236}">
-                <a16:creationId xmlns:a16="http://schemas.microsoft.com/office/drawing/2014/main" id="{325A5EC1-EDFE-11F6-132F-4CA55C3AF40C}"/>
-              </a:ext>
-            </a:extLst>
-          </p:cNvPr>
-          <p:cNvGrpSpPr/>
-          <p:nvPr/>
-        </p:nvGrpSpPr>
-        <p:grpSpPr>
-          <a:xfrm>
-            <a:off x="1660215" y="4351288"/>
-            <a:ext cx="869156" cy="763613"/>
-            <a:chOff x="105013" y="1668162"/>
-            <a:chExt cx="920579" cy="846437"/>
-          </a:xfrm>
-        </p:grpSpPr>
-        <p:sp>
-          <p:nvSpPr>
-            <p:cNvPr id="23" name="正方形/長方形 22">
-              <a:extLst>
-                <a:ext uri="{FF2B5EF4-FFF2-40B4-BE49-F238E27FC236}">
-                  <a16:creationId xmlns:a16="http://schemas.microsoft.com/office/drawing/2014/main" id="{8550C6C5-1DB5-4459-75BF-FE59B1A08B53}"/>
-                </a:ext>
-              </a:extLst>
-            </p:cNvPr>
-            <p:cNvSpPr/>
-            <p:nvPr/>
-          </p:nvSpPr>
-          <p:spPr>
-            <a:xfrm>
-              <a:off x="284205" y="1668162"/>
-              <a:ext cx="741387" cy="444843"/>
-            </a:xfrm>
-            <a:prstGeom prst="rect">
-              <a:avLst/>
-            </a:prstGeom>
-            <a:noFill/>
-            <a:ln w="28575">
-              <a:solidFill>
-                <a:srgbClr val="7030A0"/>
-              </a:solidFill>
-            </a:ln>
-          </p:spPr>
-          <p:style>
-            <a:lnRef idx="2">
-              <a:schemeClr val="accent1">
-                <a:shade val="50000"/>
-              </a:schemeClr>
-            </a:lnRef>
-            <a:fillRef idx="1">
-              <a:schemeClr val="accent1"/>
-            </a:fillRef>
-            <a:effectRef idx="0">
-              <a:schemeClr val="accent1"/>
-            </a:effectRef>
-            <a:fontRef idx="minor">
-              <a:schemeClr val="lt1"/>
-            </a:fontRef>
-          </p:style>
-          <p:txBody>
-            <a:bodyPr rtlCol="0" anchor="ctr"/>
-            <a:lstStyle/>
-            <a:p>
-              <a:pPr algn="ctr"/>
-              <a:r>
-                <a:rPr kumimoji="1" lang="en-US" altLang="ja-JP" sz="1600" b="1" dirty="0">
-                  <a:solidFill>
-                    <a:srgbClr val="7030A0"/>
-                  </a:solidFill>
-                </a:rPr>
-                <a:t>PC4</a:t>
-              </a:r>
-              <a:endParaRPr kumimoji="1" lang="ja-JP" altLang="en-US" sz="1600" b="1" dirty="0">
-                <a:solidFill>
-                  <a:srgbClr val="7030A0"/>
-                </a:solidFill>
-              </a:endParaRPr>
-            </a:p>
-          </p:txBody>
-        </p:sp>
-        <p:sp>
-          <p:nvSpPr>
-            <p:cNvPr id="24" name="フローチャート: データ 23">
-              <a:extLst>
-                <a:ext uri="{FF2B5EF4-FFF2-40B4-BE49-F238E27FC236}">
-                  <a16:creationId xmlns:a16="http://schemas.microsoft.com/office/drawing/2014/main" id="{E1583D14-9B6D-BBBC-0D60-31C9D1195EA1}"/>
-                </a:ext>
-              </a:extLst>
-            </p:cNvPr>
-            <p:cNvSpPr/>
-            <p:nvPr/>
-          </p:nvSpPr>
-          <p:spPr>
-            <a:xfrm>
-              <a:off x="105013" y="2113005"/>
-              <a:ext cx="920573" cy="401594"/>
-            </a:xfrm>
-            <a:prstGeom prst="flowChartInputOutput">
-              <a:avLst/>
-            </a:prstGeom>
-            <a:noFill/>
-            <a:ln w="28575">
-              <a:solidFill>
-                <a:srgbClr val="7030A0"/>
-              </a:solidFill>
-            </a:ln>
-          </p:spPr>
-          <p:style>
-            <a:lnRef idx="2">
-              <a:schemeClr val="accent1">
-                <a:shade val="50000"/>
-              </a:schemeClr>
-            </a:lnRef>
-            <a:fillRef idx="1">
-              <a:schemeClr val="accent1"/>
-            </a:fillRef>
-            <a:effectRef idx="0">
-              <a:schemeClr val="accent1"/>
-            </a:effectRef>
-            <a:fontRef idx="minor">
-              <a:schemeClr val="lt1"/>
-            </a:fontRef>
-          </p:style>
-          <p:txBody>
-            <a:bodyPr rtlCol="0" anchor="ctr"/>
-            <a:lstStyle/>
-            <a:p>
-              <a:pPr algn="ctr"/>
-              <a:endParaRPr kumimoji="1" lang="ja-JP" altLang="en-US"/>
-            </a:p>
-          </p:txBody>
-        </p:sp>
-      </p:grpSp>
-      <p:grpSp>
-        <p:nvGrpSpPr>
-          <p:cNvPr id="25" name="グループ化 24">
-            <a:extLst>
-              <a:ext uri="{FF2B5EF4-FFF2-40B4-BE49-F238E27FC236}">
-                <a16:creationId xmlns:a16="http://schemas.microsoft.com/office/drawing/2014/main" id="{F0B2A3D1-468F-C934-8965-EC89F9BC56A0}"/>
-              </a:ext>
-            </a:extLst>
-          </p:cNvPr>
-          <p:cNvGrpSpPr/>
-          <p:nvPr/>
-        </p:nvGrpSpPr>
-        <p:grpSpPr>
-          <a:xfrm>
-            <a:off x="1674625" y="2125967"/>
-            <a:ext cx="862011" cy="763613"/>
-            <a:chOff x="105013" y="1668162"/>
-            <a:chExt cx="920579" cy="846437"/>
-          </a:xfrm>
-        </p:grpSpPr>
-        <p:sp>
-          <p:nvSpPr>
-            <p:cNvPr id="26" name="正方形/長方形 25">
-              <a:extLst>
-                <a:ext uri="{FF2B5EF4-FFF2-40B4-BE49-F238E27FC236}">
-                  <a16:creationId xmlns:a16="http://schemas.microsoft.com/office/drawing/2014/main" id="{A9B1A871-7B50-FE3C-B1E2-DD5C98B7FCAE}"/>
-                </a:ext>
-              </a:extLst>
-            </p:cNvPr>
-            <p:cNvSpPr/>
-            <p:nvPr/>
-          </p:nvSpPr>
-          <p:spPr>
-            <a:xfrm>
-              <a:off x="284205" y="1668162"/>
-              <a:ext cx="741387" cy="444843"/>
-            </a:xfrm>
-            <a:prstGeom prst="rect">
-              <a:avLst/>
-            </a:prstGeom>
-            <a:noFill/>
-            <a:ln w="28575">
-              <a:solidFill>
-                <a:srgbClr val="FF0000"/>
-              </a:solidFill>
-            </a:ln>
-          </p:spPr>
-          <p:style>
-            <a:lnRef idx="2">
-              <a:schemeClr val="accent1">
-                <a:shade val="50000"/>
-              </a:schemeClr>
-            </a:lnRef>
-            <a:fillRef idx="1">
-              <a:schemeClr val="accent1"/>
-            </a:fillRef>
-            <a:effectRef idx="0">
-              <a:schemeClr val="accent1"/>
-            </a:effectRef>
-            <a:fontRef idx="minor">
-              <a:schemeClr val="lt1"/>
-            </a:fontRef>
-          </p:style>
-          <p:txBody>
-            <a:bodyPr rtlCol="0" anchor="ctr"/>
-            <a:lstStyle/>
-            <a:p>
-              <a:pPr algn="ctr"/>
-              <a:r>
-                <a:rPr kumimoji="1" lang="en-US" altLang="ja-JP" sz="1600" b="1" dirty="0">
-                  <a:solidFill>
-                    <a:srgbClr val="FF0000"/>
-                  </a:solidFill>
-                </a:rPr>
-                <a:t>PC2</a:t>
-              </a:r>
-              <a:endParaRPr kumimoji="1" lang="ja-JP" altLang="en-US" sz="1600" b="1" dirty="0">
-                <a:solidFill>
-                  <a:srgbClr val="FF0000"/>
-                </a:solidFill>
-              </a:endParaRPr>
-            </a:p>
-          </p:txBody>
-        </p:sp>
-        <p:sp>
-          <p:nvSpPr>
-            <p:cNvPr id="27" name="フローチャート: データ 26">
-              <a:extLst>
-                <a:ext uri="{FF2B5EF4-FFF2-40B4-BE49-F238E27FC236}">
-                  <a16:creationId xmlns:a16="http://schemas.microsoft.com/office/drawing/2014/main" id="{B0841040-987A-2D95-ECB5-65D1172358B4}"/>
-                </a:ext>
-              </a:extLst>
-            </p:cNvPr>
-            <p:cNvSpPr/>
-            <p:nvPr/>
-          </p:nvSpPr>
-          <p:spPr>
-            <a:xfrm>
-              <a:off x="105013" y="2113005"/>
-              <a:ext cx="920573" cy="401594"/>
-            </a:xfrm>
-            <a:prstGeom prst="flowChartInputOutput">
-              <a:avLst/>
-            </a:prstGeom>
-            <a:noFill/>
-            <a:ln w="28575">
-              <a:solidFill>
-                <a:srgbClr val="FF0000"/>
-              </a:solidFill>
-            </a:ln>
-          </p:spPr>
-          <p:style>
-            <a:lnRef idx="2">
-              <a:schemeClr val="accent1">
-                <a:shade val="50000"/>
-              </a:schemeClr>
-            </a:lnRef>
-            <a:fillRef idx="1">
-              <a:schemeClr val="accent1"/>
-            </a:fillRef>
-            <a:effectRef idx="0">
-              <a:schemeClr val="accent1"/>
-            </a:effectRef>
-            <a:fontRef idx="minor">
-              <a:schemeClr val="lt1"/>
-            </a:fontRef>
-          </p:style>
-          <p:txBody>
-            <a:bodyPr rtlCol="0" anchor="ctr"/>
-            <a:lstStyle/>
-            <a:p>
-              <a:pPr algn="ctr"/>
-              <a:endParaRPr kumimoji="1" lang="ja-JP" altLang="en-US"/>
-            </a:p>
-          </p:txBody>
-        </p:sp>
-      </p:grpSp>
-      <p:grpSp>
-        <p:nvGrpSpPr>
-          <p:cNvPr id="28" name="グループ化 27">
-            <a:extLst>
-              <a:ext uri="{FF2B5EF4-FFF2-40B4-BE49-F238E27FC236}">
-                <a16:creationId xmlns:a16="http://schemas.microsoft.com/office/drawing/2014/main" id="{70C55800-67D4-36CE-F682-48A659E133D5}"/>
-              </a:ext>
-            </a:extLst>
-          </p:cNvPr>
-          <p:cNvGrpSpPr/>
-          <p:nvPr/>
-        </p:nvGrpSpPr>
-        <p:grpSpPr>
-          <a:xfrm>
-            <a:off x="1757359" y="1044500"/>
-            <a:ext cx="862005" cy="763613"/>
-            <a:chOff x="105013" y="1668162"/>
-            <a:chExt cx="920579" cy="846437"/>
-          </a:xfrm>
-        </p:grpSpPr>
-        <p:sp>
-          <p:nvSpPr>
-            <p:cNvPr id="29" name="正方形/長方形 28">
-              <a:extLst>
-                <a:ext uri="{FF2B5EF4-FFF2-40B4-BE49-F238E27FC236}">
-                  <a16:creationId xmlns:a16="http://schemas.microsoft.com/office/drawing/2014/main" id="{BDDEA898-41AA-E888-ADC2-000CCCB8BB38}"/>
-                </a:ext>
-              </a:extLst>
-            </p:cNvPr>
-            <p:cNvSpPr/>
-            <p:nvPr/>
-          </p:nvSpPr>
-          <p:spPr>
-            <a:xfrm>
-              <a:off x="284205" y="1668162"/>
-              <a:ext cx="741387" cy="444843"/>
-            </a:xfrm>
-            <a:prstGeom prst="rect">
-              <a:avLst/>
-            </a:prstGeom>
-            <a:noFill/>
-            <a:ln w="28575">
-              <a:solidFill>
-                <a:srgbClr val="0070C0"/>
-              </a:solidFill>
-            </a:ln>
-          </p:spPr>
-          <p:style>
-            <a:lnRef idx="2">
-              <a:schemeClr val="accent1">
-                <a:shade val="50000"/>
-              </a:schemeClr>
-            </a:lnRef>
-            <a:fillRef idx="1">
-              <a:schemeClr val="accent1"/>
-            </a:fillRef>
-            <a:effectRef idx="0">
-              <a:schemeClr val="accent1"/>
-            </a:effectRef>
-            <a:fontRef idx="minor">
-              <a:schemeClr val="lt1"/>
-            </a:fontRef>
-          </p:style>
-          <p:txBody>
-            <a:bodyPr rtlCol="0" anchor="ctr"/>
-            <a:lstStyle/>
-            <a:p>
-              <a:pPr algn="ctr"/>
-              <a:r>
-                <a:rPr kumimoji="1" lang="en-US" altLang="ja-JP" sz="1600" b="1" dirty="0">
-                  <a:solidFill>
-                    <a:srgbClr val="0070C0"/>
-                  </a:solidFill>
-                </a:rPr>
-                <a:t>PC1</a:t>
-              </a:r>
-              <a:endParaRPr kumimoji="1" lang="ja-JP" altLang="en-US" sz="1600" b="1" dirty="0">
-                <a:solidFill>
-                  <a:srgbClr val="0070C0"/>
-                </a:solidFill>
-              </a:endParaRPr>
-            </a:p>
-          </p:txBody>
-        </p:sp>
-        <p:sp>
-          <p:nvSpPr>
-            <p:cNvPr id="30" name="フローチャート: データ 29">
-              <a:extLst>
-                <a:ext uri="{FF2B5EF4-FFF2-40B4-BE49-F238E27FC236}">
-                  <a16:creationId xmlns:a16="http://schemas.microsoft.com/office/drawing/2014/main" id="{200FADB2-667E-5403-F78C-2A3DB8E30ABE}"/>
-                </a:ext>
-              </a:extLst>
-            </p:cNvPr>
-            <p:cNvSpPr/>
-            <p:nvPr/>
-          </p:nvSpPr>
-          <p:spPr>
-            <a:xfrm>
-              <a:off x="105013" y="2113005"/>
-              <a:ext cx="920573" cy="401594"/>
-            </a:xfrm>
-            <a:prstGeom prst="flowChartInputOutput">
-              <a:avLst/>
-            </a:prstGeom>
-            <a:noFill/>
-            <a:ln w="28575">
-              <a:solidFill>
-                <a:srgbClr val="0070C0"/>
-              </a:solidFill>
-            </a:ln>
-          </p:spPr>
-          <p:style>
-            <a:lnRef idx="2">
-              <a:schemeClr val="accent1">
-                <a:shade val="50000"/>
-              </a:schemeClr>
-            </a:lnRef>
-            <a:fillRef idx="1">
-              <a:schemeClr val="accent1"/>
-            </a:fillRef>
-            <a:effectRef idx="0">
-              <a:schemeClr val="accent1"/>
-            </a:effectRef>
-            <a:fontRef idx="minor">
-              <a:schemeClr val="lt1"/>
-            </a:fontRef>
-          </p:style>
-          <p:txBody>
-            <a:bodyPr rtlCol="0" anchor="ctr"/>
-            <a:lstStyle/>
-            <a:p>
-              <a:pPr algn="ctr"/>
-              <a:endParaRPr kumimoji="1" lang="ja-JP" altLang="en-US" b="1"/>
-            </a:p>
-          </p:txBody>
-        </p:sp>
-      </p:grpSp>
-      <p:sp>
-        <p:nvSpPr>
-          <p:cNvPr id="34" name="四角形: 角を丸くする 33">
-            <a:extLst>
-              <a:ext uri="{FF2B5EF4-FFF2-40B4-BE49-F238E27FC236}">
-                <a16:creationId xmlns:a16="http://schemas.microsoft.com/office/drawing/2014/main" id="{10FEAE33-658D-C756-DE94-1A458536E15B}"/>
-              </a:ext>
-            </a:extLst>
-          </p:cNvPr>
-          <p:cNvSpPr/>
-          <p:nvPr/>
-        </p:nvSpPr>
-        <p:spPr>
-          <a:xfrm>
-            <a:off x="3127793" y="1145078"/>
-            <a:ext cx="1162062" cy="256190"/>
-          </a:xfrm>
-          <a:prstGeom prst="roundRect">
-            <a:avLst/>
-          </a:prstGeom>
-          <a:solidFill>
-            <a:schemeClr val="bg1"/>
-          </a:solidFill>
-          <a:ln w="38100">
-            <a:solidFill>
-              <a:srgbClr val="0070C0"/>
-            </a:solidFill>
-          </a:ln>
-        </p:spPr>
-        <p:style>
-          <a:lnRef idx="2">
-            <a:schemeClr val="accent1">
-              <a:shade val="50000"/>
-            </a:schemeClr>
-          </a:lnRef>
-          <a:fillRef idx="1">
-            <a:schemeClr val="accent1"/>
-          </a:fillRef>
-          <a:effectRef idx="0">
-            <a:schemeClr val="accent1"/>
-          </a:effectRef>
-          <a:fontRef idx="minor">
-            <a:schemeClr val="lt1"/>
-          </a:fontRef>
-        </p:style>
-        <p:txBody>
-          <a:bodyPr rtlCol="0" anchor="ctr"/>
-          <a:lstStyle/>
-          <a:p>
-            <a:pPr algn="ctr"/>
-            <a:r>
-              <a:rPr kumimoji="1" lang="en-US" altLang="ja-JP" b="1" dirty="0">
-                <a:solidFill>
-                  <a:srgbClr val="0070C0"/>
-                </a:solidFill>
-              </a:rPr>
-              <a:t>Data 1.1</a:t>
-            </a:r>
-            <a:endParaRPr kumimoji="1" lang="ja-JP" altLang="en-US" b="1" dirty="0">
-              <a:solidFill>
-                <a:srgbClr val="0070C0"/>
-              </a:solidFill>
-            </a:endParaRPr>
-          </a:p>
-        </p:txBody>
-      </p:sp>
-      <p:sp>
-        <p:nvSpPr>
-          <p:cNvPr id="35" name="四角形: 角を丸くする 34">
-            <a:extLst>
-              <a:ext uri="{FF2B5EF4-FFF2-40B4-BE49-F238E27FC236}">
-                <a16:creationId xmlns:a16="http://schemas.microsoft.com/office/drawing/2014/main" id="{535669C1-F916-D234-1AC4-61D84452CD7D}"/>
-              </a:ext>
-            </a:extLst>
-          </p:cNvPr>
-          <p:cNvSpPr/>
-          <p:nvPr/>
-        </p:nvSpPr>
-        <p:spPr>
-          <a:xfrm>
-            <a:off x="4391940" y="1445815"/>
-            <a:ext cx="1162058" cy="256190"/>
-          </a:xfrm>
-          <a:prstGeom prst="roundRect">
-            <a:avLst/>
-          </a:prstGeom>
-          <a:solidFill>
-            <a:schemeClr val="bg1"/>
-          </a:solidFill>
-          <a:ln w="38100">
-            <a:solidFill>
-              <a:srgbClr val="0070C0"/>
-            </a:solidFill>
-          </a:ln>
-        </p:spPr>
-        <p:style>
-          <a:lnRef idx="2">
-            <a:schemeClr val="accent1">
-              <a:shade val="50000"/>
-            </a:schemeClr>
-          </a:lnRef>
-          <a:fillRef idx="1">
-            <a:schemeClr val="accent1"/>
-          </a:fillRef>
-          <a:effectRef idx="0">
-            <a:schemeClr val="accent1"/>
-          </a:effectRef>
-          <a:fontRef idx="minor">
-            <a:schemeClr val="lt1"/>
-          </a:fontRef>
-        </p:style>
-        <p:txBody>
-          <a:bodyPr rtlCol="0" anchor="ctr"/>
-          <a:lstStyle/>
-          <a:p>
-            <a:pPr algn="ctr"/>
-            <a:r>
-              <a:rPr kumimoji="1" lang="en-US" altLang="ja-JP" b="1" dirty="0">
-                <a:solidFill>
-                  <a:srgbClr val="0070C0"/>
-                </a:solidFill>
-              </a:rPr>
-              <a:t>Data 1.2</a:t>
-            </a:r>
-            <a:endParaRPr kumimoji="1" lang="ja-JP" altLang="en-US" b="1" dirty="0">
-              <a:solidFill>
-                <a:srgbClr val="0070C0"/>
-              </a:solidFill>
-            </a:endParaRPr>
-          </a:p>
-        </p:txBody>
-      </p:sp>
-      <p:sp>
-        <p:nvSpPr>
-          <p:cNvPr id="36" name="四角形: 角を丸くする 35">
-            <a:extLst>
-              <a:ext uri="{FF2B5EF4-FFF2-40B4-BE49-F238E27FC236}">
-                <a16:creationId xmlns:a16="http://schemas.microsoft.com/office/drawing/2014/main" id="{740691AF-D792-1294-6F67-2F59272A4836}"/>
-              </a:ext>
-            </a:extLst>
-          </p:cNvPr>
-          <p:cNvSpPr/>
-          <p:nvPr/>
-        </p:nvSpPr>
-        <p:spPr>
-          <a:xfrm>
-            <a:off x="7135046" y="1117062"/>
-            <a:ext cx="1162059" cy="256190"/>
-          </a:xfrm>
-          <a:prstGeom prst="roundRect">
-            <a:avLst/>
-          </a:prstGeom>
-          <a:solidFill>
-            <a:schemeClr val="bg1"/>
-          </a:solidFill>
-          <a:ln w="38100">
-            <a:solidFill>
-              <a:srgbClr val="0070C0"/>
-            </a:solidFill>
-          </a:ln>
-        </p:spPr>
-        <p:style>
-          <a:lnRef idx="2">
-            <a:schemeClr val="accent1">
-              <a:shade val="50000"/>
-            </a:schemeClr>
-          </a:lnRef>
-          <a:fillRef idx="1">
-            <a:schemeClr val="accent1"/>
-          </a:fillRef>
-          <a:effectRef idx="0">
-            <a:schemeClr val="accent1"/>
-          </a:effectRef>
-          <a:fontRef idx="minor">
-            <a:schemeClr val="lt1"/>
-          </a:fontRef>
-        </p:style>
-        <p:txBody>
-          <a:bodyPr rtlCol="0" anchor="ctr"/>
-          <a:lstStyle/>
-          <a:p>
-            <a:pPr algn="ctr"/>
-            <a:r>
-              <a:rPr kumimoji="1" lang="en-US" altLang="ja-JP" b="1" dirty="0">
-                <a:solidFill>
-                  <a:srgbClr val="0070C0"/>
-                </a:solidFill>
-              </a:rPr>
-              <a:t>Data 1.3</a:t>
-            </a:r>
-            <a:endParaRPr kumimoji="1" lang="ja-JP" altLang="en-US" b="1" dirty="0">
-              <a:solidFill>
-                <a:srgbClr val="0070C0"/>
-              </a:solidFill>
-            </a:endParaRPr>
-          </a:p>
-        </p:txBody>
-      </p:sp>
-      <p:sp>
-        <p:nvSpPr>
-          <p:cNvPr id="39" name="テキスト ボックス 38">
-            <a:extLst>
-              <a:ext uri="{FF2B5EF4-FFF2-40B4-BE49-F238E27FC236}">
-                <a16:creationId xmlns:a16="http://schemas.microsoft.com/office/drawing/2014/main" id="{E4940371-293E-528E-6BE8-78952050C4D0}"/>
+                <a16:creationId xmlns:a16="http://schemas.microsoft.com/office/drawing/2014/main" id="{9D3FFAB8-A2EB-5362-9DC4-C7A507C74C83}"/>
               </a:ext>
             </a:extLst>
           </p:cNvPr>
@@ -4731,8 +3752,8 @@
         </p:nvSpPr>
         <p:spPr>
           <a:xfrm>
-            <a:off x="4596626" y="163039"/>
-            <a:ext cx="1434822" cy="646331"/>
+            <a:off x="1481266" y="804843"/>
+            <a:ext cx="5301049" cy="923330"/>
           </a:xfrm>
           <a:prstGeom prst="rect">
             <a:avLst/>
@@ -4745,43 +3766,22 @@
           </a:bodyPr>
           <a:lstStyle/>
           <a:p>
-            <a:pPr algn="ctr"/>
-            <a:r>
-              <a:rPr kumimoji="1" lang="en-US" altLang="ja-JP" dirty="0">
-                <a:solidFill>
-                  <a:srgbClr val="FF4040"/>
-                </a:solidFill>
-                <a:latin typeface="Arial Black" panose="020B0A04020102020204" pitchFamily="34" charset="0"/>
+            <a:r>
+              <a:rPr kumimoji="1" lang="ja-JP" altLang="en-US" sz="5400" dirty="0">
+                <a:latin typeface="TAユニバーサルライン_DSP_E" panose="02000600000000000000" pitchFamily="2" charset="-128"/>
+                <a:ea typeface="TAユニバーサルライン_DSP_E" panose="02000600000000000000" pitchFamily="2" charset="-128"/>
               </a:rPr>
-              <a:t>Collision</a:t>
-            </a:r>
-          </a:p>
-          <a:p>
-            <a:pPr algn="ctr"/>
-            <a:r>
-              <a:rPr kumimoji="1" lang="en-US" altLang="ja-JP" dirty="0">
-                <a:solidFill>
-                  <a:srgbClr val="FF4040"/>
-                </a:solidFill>
-                <a:latin typeface="Arial Black" panose="020B0A04020102020204" pitchFamily="34" charset="0"/>
-              </a:rPr>
-              <a:t>Duration</a:t>
-            </a:r>
-            <a:endParaRPr kumimoji="1" lang="ja-JP" altLang="en-US" dirty="0">
-              <a:solidFill>
-                <a:srgbClr val="FF4040"/>
-              </a:solidFill>
-              <a:latin typeface="Arial Black" panose="020B0A04020102020204" pitchFamily="34" charset="0"/>
-            </a:endParaRPr>
+              <a:t>通信方法の変遷</a:t>
+            </a:r>
           </a:p>
         </p:txBody>
       </p:sp>
       <p:sp>
         <p:nvSpPr>
-          <p:cNvPr id="40" name="テキスト ボックス 39">
+          <p:cNvPr id="5" name="テキスト ボックス 4">
             <a:extLst>
               <a:ext uri="{FF2B5EF4-FFF2-40B4-BE49-F238E27FC236}">
-                <a16:creationId xmlns:a16="http://schemas.microsoft.com/office/drawing/2014/main" id="{DECFFB4F-4F62-2F3E-8CED-76FD767D82A8}"/>
+                <a16:creationId xmlns:a16="http://schemas.microsoft.com/office/drawing/2014/main" id="{CDA04991-01F6-FBC5-7DB9-FFDE1D3184A1}"/>
               </a:ext>
             </a:extLst>
           </p:cNvPr>
@@ -4790,8 +3790,8 @@
         </p:nvSpPr>
         <p:spPr>
           <a:xfrm>
-            <a:off x="7573199" y="163034"/>
-            <a:ext cx="1434822" cy="646331"/>
+            <a:off x="1481266" y="1912549"/>
+            <a:ext cx="3200400" cy="369332"/>
           </a:xfrm>
           <a:prstGeom prst="rect">
             <a:avLst/>
@@ -4804,473 +3804,102 @@
           </a:bodyPr>
           <a:lstStyle/>
           <a:p>
-            <a:pPr algn="ctr"/>
             <a:r>
               <a:rPr kumimoji="1" lang="en-US" altLang="ja-JP" dirty="0">
-                <a:solidFill>
-                  <a:srgbClr val="FF4040"/>
-                </a:solidFill>
-                <a:latin typeface="Arial Black" panose="020B0A04020102020204" pitchFamily="34" charset="0"/>
+                <a:latin typeface="BIZ UDPゴシック" panose="020B0400000000000000" pitchFamily="50" charset="-128"/>
+                <a:ea typeface="BIZ UDPゴシック" panose="020B0400000000000000" pitchFamily="50" charset="-128"/>
               </a:rPr>
-              <a:t>Collision</a:t>
-            </a:r>
-          </a:p>
-          <a:p>
-            <a:pPr algn="ctr"/>
-            <a:r>
-              <a:rPr kumimoji="1" lang="en-US" altLang="ja-JP" dirty="0">
-                <a:solidFill>
-                  <a:srgbClr val="FF4040"/>
-                </a:solidFill>
-                <a:latin typeface="Arial Black" panose="020B0A04020102020204" pitchFamily="34" charset="0"/>
+              <a:t>T – 4 – 18 </a:t>
+            </a:r>
+            <a:r>
+              <a:rPr kumimoji="1" lang="ja-JP" altLang="en-US" dirty="0">
+                <a:latin typeface="BIZ UDPゴシック" panose="020B0400000000000000" pitchFamily="50" charset="-128"/>
+                <a:ea typeface="BIZ UDPゴシック" panose="020B0400000000000000" pitchFamily="50" charset="-128"/>
               </a:rPr>
-              <a:t>Duration</a:t>
-            </a:r>
-            <a:endParaRPr kumimoji="1" lang="ja-JP" altLang="en-US" dirty="0">
-              <a:solidFill>
-                <a:srgbClr val="FF4040"/>
-              </a:solidFill>
-              <a:latin typeface="Arial Black" panose="020B0A04020102020204" pitchFamily="34" charset="0"/>
-            </a:endParaRPr>
+              <a:t>下沢亮太郎</a:t>
+            </a:r>
           </a:p>
         </p:txBody>
       </p:sp>
-      <p:cxnSp>
-        <p:nvCxnSpPr>
-          <p:cNvPr id="42" name="直線矢印コネクタ 41">
+      <p:pic>
+        <p:nvPicPr>
+          <p:cNvPr id="9" name="グラフィックス 8">
             <a:extLst>
               <a:ext uri="{FF2B5EF4-FFF2-40B4-BE49-F238E27FC236}">
-                <a16:creationId xmlns:a16="http://schemas.microsoft.com/office/drawing/2014/main" id="{828C6BFD-C3D6-BDAB-CA5B-164CF59538CA}"/>
+                <a16:creationId xmlns:a16="http://schemas.microsoft.com/office/drawing/2014/main" id="{03C5878A-32A5-1CBA-5E7D-478070ED0A60}"/>
               </a:ext>
             </a:extLst>
           </p:cNvPr>
-          <p:cNvCxnSpPr>
-            <a:cxnSpLocks/>
-          </p:cNvCxnSpPr>
+          <p:cNvPicPr>
+            <a:picLocks noChangeAspect="1"/>
+          </p:cNvPicPr>
           <p:nvPr/>
-        </p:nvCxnSpPr>
+        </p:nvPicPr>
+        <p:blipFill>
+          <a:blip r:embed="rId2">
+            <a:extLst>
+              <a:ext uri="{28A0092B-C50C-407E-A947-70E740481C1C}">
+                <a14:useLocalDpi xmlns:a14="http://schemas.microsoft.com/office/drawing/2010/main" val="0"/>
+              </a:ext>
+              <a:ext uri="{96DAC541-7B7A-43D3-8B79-37D633B846F1}">
+                <asvg:svgBlip xmlns:asvg="http://schemas.microsoft.com/office/drawing/2016/SVG/main" r:embed="rId3"/>
+              </a:ext>
+            </a:extLst>
+          </a:blip>
+          <a:stretch>
+            <a:fillRect/>
+          </a:stretch>
+        </p:blipFill>
         <p:spPr>
           <a:xfrm>
-            <a:off x="1757359" y="1933832"/>
-            <a:ext cx="9153657" cy="0"/>
+            <a:off x="5614989" y="1481655"/>
+            <a:ext cx="6101276" cy="6101276"/>
           </a:xfrm>
-          <a:prstGeom prst="straightConnector1">
+          <a:prstGeom prst="rect">
             <a:avLst/>
           </a:prstGeom>
-          <a:ln>
-            <a:prstDash val="lgDash"/>
-            <a:tailEnd type="triangle"/>
-          </a:ln>
         </p:spPr>
-        <p:style>
-          <a:lnRef idx="1">
-            <a:schemeClr val="accent1"/>
-          </a:lnRef>
-          <a:fillRef idx="0">
-            <a:schemeClr val="accent1"/>
-          </a:fillRef>
-          <a:effectRef idx="0">
-            <a:schemeClr val="accent1"/>
-          </a:effectRef>
-          <a:fontRef idx="minor">
-            <a:schemeClr val="tx1"/>
-          </a:fontRef>
-        </p:style>
-      </p:cxnSp>
-      <p:cxnSp>
-        <p:nvCxnSpPr>
-          <p:cNvPr id="45" name="直線矢印コネクタ 44">
+      </p:pic>
+      <p:pic>
+        <p:nvPicPr>
+          <p:cNvPr id="13" name="図 12">
             <a:extLst>
               <a:ext uri="{FF2B5EF4-FFF2-40B4-BE49-F238E27FC236}">
-                <a16:creationId xmlns:a16="http://schemas.microsoft.com/office/drawing/2014/main" id="{88986396-0D7C-7F5F-6FEE-92FB6A7C97EA}"/>
+                <a16:creationId xmlns:a16="http://schemas.microsoft.com/office/drawing/2014/main" id="{1A0EA6EB-5F59-0023-79DE-BBA1BF45AD70}"/>
               </a:ext>
             </a:extLst>
           </p:cNvPr>
-          <p:cNvCxnSpPr>
-            <a:cxnSpLocks/>
-          </p:cNvCxnSpPr>
+          <p:cNvPicPr>
+            <a:picLocks noChangeAspect="1"/>
+          </p:cNvPicPr>
           <p:nvPr/>
-        </p:nvCxnSpPr>
+        </p:nvPicPr>
+        <p:blipFill>
+          <a:blip r:embed="rId4">
+            <a:extLst>
+              <a:ext uri="{28A0092B-C50C-407E-A947-70E740481C1C}">
+                <a14:useLocalDpi xmlns:a14="http://schemas.microsoft.com/office/drawing/2010/main" val="0"/>
+              </a:ext>
+            </a:extLst>
+          </a:blip>
+          <a:stretch>
+            <a:fillRect/>
+          </a:stretch>
+        </p:blipFill>
         <p:spPr>
           <a:xfrm>
-            <a:off x="1758794" y="3111843"/>
-            <a:ext cx="9153657" cy="0"/>
+            <a:off x="1481266" y="2971800"/>
+            <a:ext cx="2757488" cy="2757488"/>
           </a:xfrm>
-          <a:prstGeom prst="straightConnector1">
+          <a:prstGeom prst="rect">
             <a:avLst/>
           </a:prstGeom>
-          <a:ln>
-            <a:prstDash val="lgDash"/>
-            <a:tailEnd type="triangle"/>
-          </a:ln>
         </p:spPr>
-        <p:style>
-          <a:lnRef idx="1">
-            <a:schemeClr val="accent1"/>
-          </a:lnRef>
-          <a:fillRef idx="0">
-            <a:schemeClr val="accent1"/>
-          </a:fillRef>
-          <a:effectRef idx="0">
-            <a:schemeClr val="accent1"/>
-          </a:effectRef>
-          <a:fontRef idx="minor">
-            <a:schemeClr val="tx1"/>
-          </a:fontRef>
-        </p:style>
-      </p:cxnSp>
-      <p:cxnSp>
-        <p:nvCxnSpPr>
-          <p:cNvPr id="46" name="直線矢印コネクタ 45">
-            <a:extLst>
-              <a:ext uri="{FF2B5EF4-FFF2-40B4-BE49-F238E27FC236}">
-                <a16:creationId xmlns:a16="http://schemas.microsoft.com/office/drawing/2014/main" id="{07B8BA4F-A3AE-199C-C2EB-12A3D43FE4B9}"/>
-              </a:ext>
-            </a:extLst>
-          </p:cNvPr>
-          <p:cNvCxnSpPr>
-            <a:cxnSpLocks/>
-          </p:cNvCxnSpPr>
-          <p:nvPr/>
-        </p:nvCxnSpPr>
-        <p:spPr>
-          <a:xfrm>
-            <a:off x="1757358" y="4240426"/>
-            <a:ext cx="9153657" cy="0"/>
-          </a:xfrm>
-          <a:prstGeom prst="straightConnector1">
-            <a:avLst/>
-          </a:prstGeom>
-          <a:ln>
-            <a:prstDash val="lgDash"/>
-            <a:tailEnd type="triangle"/>
-          </a:ln>
-        </p:spPr>
-        <p:style>
-          <a:lnRef idx="1">
-            <a:schemeClr val="accent1"/>
-          </a:lnRef>
-          <a:fillRef idx="0">
-            <a:schemeClr val="accent1"/>
-          </a:fillRef>
-          <a:effectRef idx="0">
-            <a:schemeClr val="accent1"/>
-          </a:effectRef>
-          <a:fontRef idx="minor">
-            <a:schemeClr val="tx1"/>
-          </a:fontRef>
-        </p:style>
-      </p:cxnSp>
-      <p:cxnSp>
-        <p:nvCxnSpPr>
-          <p:cNvPr id="47" name="直線矢印コネクタ 46">
-            <a:extLst>
-              <a:ext uri="{FF2B5EF4-FFF2-40B4-BE49-F238E27FC236}">
-                <a16:creationId xmlns:a16="http://schemas.microsoft.com/office/drawing/2014/main" id="{0B0389C8-911C-7C8C-0222-107D34F8581F}"/>
-              </a:ext>
-            </a:extLst>
-          </p:cNvPr>
-          <p:cNvCxnSpPr>
-            <a:cxnSpLocks/>
-          </p:cNvCxnSpPr>
-          <p:nvPr/>
-        </p:nvCxnSpPr>
-        <p:spPr>
-          <a:xfrm>
-            <a:off x="1743417" y="5245440"/>
-            <a:ext cx="9153657" cy="0"/>
-          </a:xfrm>
-          <a:prstGeom prst="straightConnector1">
-            <a:avLst/>
-          </a:prstGeom>
-          <a:ln>
-            <a:prstDash val="lgDash"/>
-            <a:tailEnd type="triangle"/>
-          </a:ln>
-        </p:spPr>
-        <p:style>
-          <a:lnRef idx="1">
-            <a:schemeClr val="accent1"/>
-          </a:lnRef>
-          <a:fillRef idx="0">
-            <a:schemeClr val="accent1"/>
-          </a:fillRef>
-          <a:effectRef idx="0">
-            <a:schemeClr val="accent1"/>
-          </a:effectRef>
-          <a:fontRef idx="minor">
-            <a:schemeClr val="tx1"/>
-          </a:fontRef>
-        </p:style>
-      </p:cxnSp>
-      <p:sp>
-        <p:nvSpPr>
-          <p:cNvPr id="48" name="四角形: 角を丸くする 47">
-            <a:extLst>
-              <a:ext uri="{FF2B5EF4-FFF2-40B4-BE49-F238E27FC236}">
-                <a16:creationId xmlns:a16="http://schemas.microsoft.com/office/drawing/2014/main" id="{89505EA0-7216-D0A1-61FA-4B5568ABB9E1}"/>
-              </a:ext>
-            </a:extLst>
-          </p:cNvPr>
-          <p:cNvSpPr/>
-          <p:nvPr/>
-        </p:nvSpPr>
-        <p:spPr>
-          <a:xfrm>
-            <a:off x="4986233" y="2727557"/>
-            <a:ext cx="1162058" cy="256190"/>
-          </a:xfrm>
-          <a:prstGeom prst="roundRect">
-            <a:avLst/>
-          </a:prstGeom>
-          <a:solidFill>
-            <a:schemeClr val="bg1"/>
-          </a:solidFill>
-          <a:ln w="38100">
-            <a:solidFill>
-              <a:srgbClr val="FF0000"/>
-            </a:solidFill>
-          </a:ln>
-        </p:spPr>
-        <p:style>
-          <a:lnRef idx="2">
-            <a:schemeClr val="accent1">
-              <a:shade val="50000"/>
-            </a:schemeClr>
-          </a:lnRef>
-          <a:fillRef idx="1">
-            <a:schemeClr val="accent1"/>
-          </a:fillRef>
-          <a:effectRef idx="0">
-            <a:schemeClr val="accent1"/>
-          </a:effectRef>
-          <a:fontRef idx="minor">
-            <a:schemeClr val="lt1"/>
-          </a:fontRef>
-        </p:style>
-        <p:txBody>
-          <a:bodyPr rtlCol="0" anchor="ctr"/>
-          <a:lstStyle/>
-          <a:p>
-            <a:pPr algn="ctr"/>
-            <a:r>
-              <a:rPr kumimoji="1" lang="en-US" altLang="ja-JP" b="1" dirty="0">
-                <a:solidFill>
-                  <a:srgbClr val="FF0000"/>
-                </a:solidFill>
-              </a:rPr>
-              <a:t>Data 2.1</a:t>
-            </a:r>
-            <a:endParaRPr kumimoji="1" lang="ja-JP" altLang="en-US" b="1" dirty="0">
-              <a:solidFill>
-                <a:srgbClr val="FF0000"/>
-              </a:solidFill>
-            </a:endParaRPr>
-          </a:p>
-        </p:txBody>
-      </p:sp>
-      <p:sp>
-        <p:nvSpPr>
-          <p:cNvPr id="49" name="四角形: 角を丸くする 48">
-            <a:extLst>
-              <a:ext uri="{FF2B5EF4-FFF2-40B4-BE49-F238E27FC236}">
-                <a16:creationId xmlns:a16="http://schemas.microsoft.com/office/drawing/2014/main" id="{CB5578A6-C968-7E46-DEC5-988E810B2DA9}"/>
-              </a:ext>
-            </a:extLst>
-          </p:cNvPr>
-          <p:cNvSpPr/>
-          <p:nvPr/>
-        </p:nvSpPr>
-        <p:spPr>
-          <a:xfrm>
-            <a:off x="6354008" y="2326624"/>
-            <a:ext cx="1162058" cy="256190"/>
-          </a:xfrm>
-          <a:prstGeom prst="roundRect">
-            <a:avLst/>
-          </a:prstGeom>
-          <a:solidFill>
-            <a:schemeClr val="bg1"/>
-          </a:solidFill>
-          <a:ln w="38100">
-            <a:solidFill>
-              <a:srgbClr val="FF0000"/>
-            </a:solidFill>
-          </a:ln>
-        </p:spPr>
-        <p:style>
-          <a:lnRef idx="2">
-            <a:schemeClr val="accent1">
-              <a:shade val="50000"/>
-            </a:schemeClr>
-          </a:lnRef>
-          <a:fillRef idx="1">
-            <a:schemeClr val="accent1"/>
-          </a:fillRef>
-          <a:effectRef idx="0">
-            <a:schemeClr val="accent1"/>
-          </a:effectRef>
-          <a:fontRef idx="minor">
-            <a:schemeClr val="lt1"/>
-          </a:fontRef>
-        </p:style>
-        <p:txBody>
-          <a:bodyPr rtlCol="0" anchor="ctr"/>
-          <a:lstStyle/>
-          <a:p>
-            <a:pPr algn="ctr"/>
-            <a:r>
-              <a:rPr kumimoji="1" lang="en-US" altLang="ja-JP" b="1" dirty="0">
-                <a:solidFill>
-                  <a:srgbClr val="FF0000"/>
-                </a:solidFill>
-              </a:rPr>
-              <a:t>Data 2.2</a:t>
-            </a:r>
-            <a:endParaRPr kumimoji="1" lang="ja-JP" altLang="en-US" b="1" dirty="0">
-              <a:solidFill>
-                <a:srgbClr val="FF0000"/>
-              </a:solidFill>
-            </a:endParaRPr>
-          </a:p>
-        </p:txBody>
-      </p:sp>
-      <p:sp>
-        <p:nvSpPr>
-          <p:cNvPr id="51" name="四角形: 角を丸くする 50">
-            <a:extLst>
-              <a:ext uri="{FF2B5EF4-FFF2-40B4-BE49-F238E27FC236}">
-                <a16:creationId xmlns:a16="http://schemas.microsoft.com/office/drawing/2014/main" id="{7A003063-47F6-6581-FE67-964B72451D73}"/>
-              </a:ext>
-            </a:extLst>
-          </p:cNvPr>
-          <p:cNvSpPr/>
-          <p:nvPr/>
-        </p:nvSpPr>
-        <p:spPr>
-          <a:xfrm>
-            <a:off x="4289855" y="3837441"/>
-            <a:ext cx="1162058" cy="256190"/>
-          </a:xfrm>
-          <a:prstGeom prst="roundRect">
-            <a:avLst/>
-          </a:prstGeom>
-          <a:solidFill>
-            <a:schemeClr val="bg1"/>
-          </a:solidFill>
-          <a:ln w="38100">
-            <a:solidFill>
-              <a:srgbClr val="00B050"/>
-            </a:solidFill>
-          </a:ln>
-        </p:spPr>
-        <p:style>
-          <a:lnRef idx="2">
-            <a:schemeClr val="accent1">
-              <a:shade val="50000"/>
-            </a:schemeClr>
-          </a:lnRef>
-          <a:fillRef idx="1">
-            <a:schemeClr val="accent1"/>
-          </a:fillRef>
-          <a:effectRef idx="0">
-            <a:schemeClr val="accent1"/>
-          </a:effectRef>
-          <a:fontRef idx="minor">
-            <a:schemeClr val="lt1"/>
-          </a:fontRef>
-        </p:style>
-        <p:txBody>
-          <a:bodyPr rtlCol="0" anchor="ctr"/>
-          <a:lstStyle/>
-          <a:p>
-            <a:pPr algn="ctr"/>
-            <a:r>
-              <a:rPr kumimoji="1" lang="en-US" altLang="ja-JP" b="1">
-                <a:solidFill>
-                  <a:srgbClr val="00B050"/>
-                </a:solidFill>
-              </a:rPr>
-              <a:t>Data 3.1</a:t>
-            </a:r>
-            <a:endParaRPr kumimoji="1" lang="ja-JP" altLang="en-US" b="1" dirty="0">
-              <a:solidFill>
-                <a:srgbClr val="00B050"/>
-              </a:solidFill>
-            </a:endParaRPr>
-          </a:p>
-        </p:txBody>
-      </p:sp>
-      <p:sp>
-        <p:nvSpPr>
-          <p:cNvPr id="52" name="四角形: 角を丸くする 51">
-            <a:extLst>
-              <a:ext uri="{FF2B5EF4-FFF2-40B4-BE49-F238E27FC236}">
-                <a16:creationId xmlns:a16="http://schemas.microsoft.com/office/drawing/2014/main" id="{C166A7DF-0E78-08AA-F9BD-D9034D875B08}"/>
-              </a:ext>
-            </a:extLst>
-          </p:cNvPr>
-          <p:cNvSpPr/>
-          <p:nvPr/>
-        </p:nvSpPr>
-        <p:spPr>
-          <a:xfrm>
-            <a:off x="8247022" y="3429000"/>
-            <a:ext cx="1162058" cy="256190"/>
-          </a:xfrm>
-          <a:prstGeom prst="roundRect">
-            <a:avLst/>
-          </a:prstGeom>
-          <a:solidFill>
-            <a:schemeClr val="bg1"/>
-          </a:solidFill>
-          <a:ln w="38100">
-            <a:solidFill>
-              <a:srgbClr val="00B050"/>
-            </a:solidFill>
-          </a:ln>
-        </p:spPr>
-        <p:style>
-          <a:lnRef idx="2">
-            <a:schemeClr val="accent1">
-              <a:shade val="50000"/>
-            </a:schemeClr>
-          </a:lnRef>
-          <a:fillRef idx="1">
-            <a:schemeClr val="accent1"/>
-          </a:fillRef>
-          <a:effectRef idx="0">
-            <a:schemeClr val="accent1"/>
-          </a:effectRef>
-          <a:fontRef idx="minor">
-            <a:schemeClr val="lt1"/>
-          </a:fontRef>
-        </p:style>
-        <p:txBody>
-          <a:bodyPr rtlCol="0" anchor="ctr"/>
-          <a:lstStyle/>
-          <a:p>
-            <a:pPr algn="ctr"/>
-            <a:r>
-              <a:rPr kumimoji="1" lang="en-US" altLang="ja-JP" b="1" dirty="0">
-                <a:solidFill>
-                  <a:srgbClr val="00B050"/>
-                </a:solidFill>
-              </a:rPr>
-              <a:t>Data 3.2</a:t>
-            </a:r>
-            <a:endParaRPr kumimoji="1" lang="ja-JP" altLang="en-US" b="1" dirty="0">
-              <a:solidFill>
-                <a:srgbClr val="00B050"/>
-              </a:solidFill>
-            </a:endParaRPr>
-          </a:p>
-        </p:txBody>
-      </p:sp>
+      </p:pic>
     </p:spTree>
     <p:extLst>
       <p:ext uri="{BB962C8B-B14F-4D97-AF65-F5344CB8AC3E}">
-        <p14:creationId xmlns:p14="http://schemas.microsoft.com/office/powerpoint/2010/main" val="1205412639"/>
+        <p14:creationId xmlns:p14="http://schemas.microsoft.com/office/powerpoint/2010/main" val="1360346291"/>
       </p:ext>
     </p:extLst>
   </p:cSld>
@@ -5281,6 +3910,129 @@
 </file>
 
 <file path=ppt/slides/slide2.xml><?xml version="1.0" encoding="utf-8"?>
+<p:sld xmlns:a="http://schemas.openxmlformats.org/drawingml/2006/main" xmlns:r="http://schemas.openxmlformats.org/officeDocument/2006/relationships" xmlns:p="http://schemas.openxmlformats.org/presentationml/2006/main">
+  <p:cSld>
+    <p:spTree>
+      <p:nvGrpSpPr>
+        <p:cNvPr id="1" name=""/>
+        <p:cNvGrpSpPr/>
+        <p:nvPr/>
+      </p:nvGrpSpPr>
+      <p:grpSpPr>
+        <a:xfrm>
+          <a:off x="0" y="0"/>
+          <a:ext cx="0" cy="0"/>
+          <a:chOff x="0" y="0"/>
+          <a:chExt cx="0" cy="0"/>
+        </a:xfrm>
+      </p:grpSpPr>
+      <p:sp>
+        <p:nvSpPr>
+          <p:cNvPr id="4" name="テキスト ボックス 3">
+            <a:extLst>
+              <a:ext uri="{FF2B5EF4-FFF2-40B4-BE49-F238E27FC236}">
+                <a16:creationId xmlns:a16="http://schemas.microsoft.com/office/drawing/2014/main" id="{D2E43E36-40EF-C274-6188-F9DBC843C7B6}"/>
+              </a:ext>
+            </a:extLst>
+          </p:cNvPr>
+          <p:cNvSpPr txBox="1"/>
+          <p:nvPr/>
+        </p:nvSpPr>
+        <p:spPr>
+          <a:xfrm>
+            <a:off x="549876" y="296562"/>
+            <a:ext cx="3021227" cy="830997"/>
+          </a:xfrm>
+          <a:prstGeom prst="rect">
+            <a:avLst/>
+          </a:prstGeom>
+          <a:noFill/>
+        </p:spPr>
+        <p:txBody>
+          <a:bodyPr wrap="square" rtlCol="0">
+            <a:spAutoFit/>
+          </a:bodyPr>
+          <a:lstStyle/>
+          <a:p>
+            <a:r>
+              <a:rPr kumimoji="1" lang="en-US" altLang="ja-JP" sz="4800" dirty="0">
+                <a:latin typeface="TAユニバーサルライン_DSP_E" panose="02000600000000000000" pitchFamily="2" charset="-128"/>
+                <a:ea typeface="TAユニバーサルライン_DSP_E" panose="02000600000000000000" pitchFamily="2" charset="-128"/>
+              </a:rPr>
+              <a:t>ALOHA</a:t>
+            </a:r>
+            <a:endParaRPr kumimoji="1" lang="ja-JP" altLang="en-US" sz="4800" dirty="0">
+              <a:latin typeface="TAユニバーサルライン_DSP_E" panose="02000600000000000000" pitchFamily="2" charset="-128"/>
+              <a:ea typeface="TAユニバーサルライン_DSP_E" panose="02000600000000000000" pitchFamily="2" charset="-128"/>
+            </a:endParaRPr>
+          </a:p>
+        </p:txBody>
+      </p:sp>
+      <mc:AlternateContent xmlns:mc="http://schemas.openxmlformats.org/markup-compatibility/2006">
+        <mc:Choice xmlns:p14="http://schemas.microsoft.com/office/powerpoint/2010/main" Requires="p14">
+          <p:contentPart p14:bwMode="auto" r:id="rId2">
+            <p14:nvContentPartPr>
+              <p14:cNvPr id="12" name="インク 11">
+                <a:extLst>
+                  <a:ext uri="{FF2B5EF4-FFF2-40B4-BE49-F238E27FC236}">
+                    <a16:creationId xmlns:a16="http://schemas.microsoft.com/office/drawing/2014/main" id="{79EBEF4A-30A9-8286-D811-B4952E424FBB}"/>
+                  </a:ext>
+                </a:extLst>
+              </p14:cNvPr>
+              <p14:cNvContentPartPr/>
+              <p14:nvPr/>
+            </p14:nvContentPartPr>
+            <p14:xfrm>
+              <a:off x="537110" y="889512"/>
+              <a:ext cx="2771280" cy="25200"/>
+            </p14:xfrm>
+          </p:contentPart>
+        </mc:Choice>
+        <mc:Fallback>
+          <p:pic>
+            <p:nvPicPr>
+              <p:cNvPr id="12" name="インク 11">
+                <a:extLst>
+                  <a:ext uri="{FF2B5EF4-FFF2-40B4-BE49-F238E27FC236}">
+                    <a16:creationId xmlns:a16="http://schemas.microsoft.com/office/drawing/2014/main" id="{79EBEF4A-30A9-8286-D811-B4952E424FBB}"/>
+                  </a:ext>
+                </a:extLst>
+              </p:cNvPr>
+              <p:cNvPicPr/>
+              <p:nvPr/>
+            </p:nvPicPr>
+            <p:blipFill>
+              <a:blip r:embed="rId3"/>
+              <a:stretch>
+                <a:fillRect/>
+              </a:stretch>
+            </p:blipFill>
+            <p:spPr>
+              <a:xfrm>
+                <a:off x="465470" y="745512"/>
+                <a:ext cx="2914920" cy="312840"/>
+              </a:xfrm>
+              <a:prstGeom prst="rect">
+                <a:avLst/>
+              </a:prstGeom>
+            </p:spPr>
+          </p:pic>
+        </mc:Fallback>
+      </mc:AlternateContent>
+    </p:spTree>
+    <p:extLst>
+      <p:ext uri="{BB962C8B-B14F-4D97-AF65-F5344CB8AC3E}">
+        <p14:creationId xmlns:p14="http://schemas.microsoft.com/office/powerpoint/2010/main" val="2173790763"/>
+      </p:ext>
+    </p:extLst>
+  </p:cSld>
+  <p:clrMapOvr>
+    <a:masterClrMapping/>
+  </p:clrMapOvr>
+</p:sld>
+</file>
+
+<file path=ppt/slides/slide3.xml><?xml version="1.0" encoding="utf-8"?>
 <p:sld xmlns:a="http://schemas.openxmlformats.org/drawingml/2006/main" xmlns:r="http://schemas.openxmlformats.org/officeDocument/2006/relationships" xmlns:p="http://schemas.openxmlformats.org/presentationml/2006/main">
   <p:cSld>
     <p:spTree>
@@ -5311,8 +4063,8 @@
         </p:nvGrpSpPr>
         <p:grpSpPr>
           <a:xfrm>
-            <a:off x="1994871" y="935831"/>
-            <a:ext cx="7806353" cy="4857707"/>
+            <a:off x="1581665" y="648730"/>
+            <a:ext cx="8343127" cy="5231306"/>
             <a:chOff x="1994871" y="935831"/>
             <a:chExt cx="7806353" cy="4857707"/>
           </a:xfrm>
@@ -6510,90 +5262,49 @@
           </p:txBody>
         </p:sp>
       </p:grpSp>
-    </p:spTree>
-    <p:extLst>
-      <p:ext uri="{BB962C8B-B14F-4D97-AF65-F5344CB8AC3E}">
-        <p14:creationId xmlns:p14="http://schemas.microsoft.com/office/powerpoint/2010/main" val="1381846713"/>
-      </p:ext>
-    </p:extLst>
-  </p:cSld>
-  <p:clrMapOvr>
-    <a:masterClrMapping/>
-  </p:clrMapOvr>
-</p:sld>
-</file>
-
-<file path=ppt/slides/slide3.xml><?xml version="1.0" encoding="utf-8"?>
-<p:sld xmlns:a="http://schemas.openxmlformats.org/drawingml/2006/main" xmlns:r="http://schemas.openxmlformats.org/officeDocument/2006/relationships" xmlns:p="http://schemas.openxmlformats.org/presentationml/2006/main">
-  <p:cSld>
-    <p:spTree>
-      <p:nvGrpSpPr>
-        <p:cNvPr id="1" name=""/>
-        <p:cNvGrpSpPr/>
-        <p:nvPr/>
-      </p:nvGrpSpPr>
-      <p:grpSpPr>
-        <a:xfrm>
-          <a:off x="0" y="0"/>
-          <a:ext cx="0" cy="0"/>
-          <a:chOff x="0" y="0"/>
-          <a:chExt cx="0" cy="0"/>
-        </a:xfrm>
-      </p:grpSpPr>
       <p:sp>
         <p:nvSpPr>
-          <p:cNvPr id="2" name="タイトル 1">
+          <p:cNvPr id="3" name="テキスト ボックス 2">
             <a:extLst>
               <a:ext uri="{FF2B5EF4-FFF2-40B4-BE49-F238E27FC236}">
-                <a16:creationId xmlns:a16="http://schemas.microsoft.com/office/drawing/2014/main" id="{21B64DBF-5566-0031-8AF8-223F61F48C93}"/>
+                <a16:creationId xmlns:a16="http://schemas.microsoft.com/office/drawing/2014/main" id="{C5412DC5-EDF6-07A0-3AFD-8B495FBE4EA9}"/>
               </a:ext>
             </a:extLst>
           </p:cNvPr>
-          <p:cNvSpPr>
-            <a:spLocks noGrp="1"/>
-          </p:cNvSpPr>
-          <p:nvPr>
-            <p:ph type="title"/>
-          </p:nvPr>
+          <p:cNvSpPr txBox="1"/>
+          <p:nvPr/>
         </p:nvSpPr>
-        <p:spPr/>
+        <p:spPr>
+          <a:xfrm>
+            <a:off x="5145726" y="6043053"/>
+            <a:ext cx="2539314" cy="461665"/>
+          </a:xfrm>
+          <a:prstGeom prst="rect">
+            <a:avLst/>
+          </a:prstGeom>
+          <a:noFill/>
+        </p:spPr>
         <p:txBody>
-          <a:bodyPr/>
+          <a:bodyPr wrap="square" rtlCol="0">
+            <a:spAutoFit/>
+          </a:bodyPr>
           <a:lstStyle/>
           <a:p>
-            <a:endParaRPr kumimoji="1" lang="ja-JP" altLang="en-US"/>
-          </a:p>
-        </p:txBody>
-      </p:sp>
-      <p:sp>
-        <p:nvSpPr>
-          <p:cNvPr id="3" name="コンテンツ プレースホルダー 2">
-            <a:extLst>
-              <a:ext uri="{FF2B5EF4-FFF2-40B4-BE49-F238E27FC236}">
-                <a16:creationId xmlns:a16="http://schemas.microsoft.com/office/drawing/2014/main" id="{89CC754C-2E69-8CF9-6541-1E38F508B534}"/>
-              </a:ext>
-            </a:extLst>
-          </p:cNvPr>
-          <p:cNvSpPr>
-            <a:spLocks noGrp="1"/>
-          </p:cNvSpPr>
-          <p:nvPr>
-            <p:ph idx="1"/>
-          </p:nvPr>
-        </p:nvSpPr>
-        <p:spPr/>
-        <p:txBody>
-          <a:bodyPr/>
-          <a:lstStyle/>
-          <a:p>
-            <a:endParaRPr kumimoji="1" lang="ja-JP" altLang="en-US"/>
+            <a:pPr algn="ctr"/>
+            <a:r>
+              <a:rPr kumimoji="1" lang="ja-JP" altLang="en-US" sz="2400" dirty="0">
+                <a:latin typeface="BIZ UDPゴシック" panose="020B0400000000000000" pitchFamily="50" charset="-128"/>
+                <a:ea typeface="BIZ UDPゴシック" panose="020B0400000000000000" pitchFamily="50" charset="-128"/>
+              </a:rPr>
+              <a:t>衝突範囲</a:t>
+            </a:r>
           </a:p>
         </p:txBody>
       </p:sp>
     </p:spTree>
     <p:extLst>
       <p:ext uri="{BB962C8B-B14F-4D97-AF65-F5344CB8AC3E}">
-        <p14:creationId xmlns:p14="http://schemas.microsoft.com/office/powerpoint/2010/main" val="3476905052"/>
+        <p14:creationId xmlns:p14="http://schemas.microsoft.com/office/powerpoint/2010/main" val="1381846713"/>
       </p:ext>
     </p:extLst>
   </p:cSld>
@@ -6622,54 +5333,3028 @@
       </p:grpSpPr>
       <p:sp>
         <p:nvSpPr>
-          <p:cNvPr id="2" name="タイトル 1">
+          <p:cNvPr id="4" name="テキスト ボックス 3">
             <a:extLst>
               <a:ext uri="{FF2B5EF4-FFF2-40B4-BE49-F238E27FC236}">
-                <a16:creationId xmlns:a16="http://schemas.microsoft.com/office/drawing/2014/main" id="{C135F0F5-91D5-E156-77C8-79F450EEED7B}"/>
+                <a16:creationId xmlns:a16="http://schemas.microsoft.com/office/drawing/2014/main" id="{06D4F17B-4E99-4ECD-146F-81361A7FD9D4}"/>
               </a:ext>
             </a:extLst>
           </p:cNvPr>
-          <p:cNvSpPr>
-            <a:spLocks noGrp="1"/>
-          </p:cNvSpPr>
-          <p:nvPr>
-            <p:ph type="title"/>
-          </p:nvPr>
+          <p:cNvSpPr txBox="1"/>
+          <p:nvPr/>
         </p:nvSpPr>
-        <p:spPr/>
+        <p:spPr>
+          <a:xfrm>
+            <a:off x="389238" y="278027"/>
+            <a:ext cx="5968314" cy="830997"/>
+          </a:xfrm>
+          <a:prstGeom prst="rect">
+            <a:avLst/>
+          </a:prstGeom>
+          <a:noFill/>
+        </p:spPr>
         <p:txBody>
-          <a:bodyPr/>
+          <a:bodyPr wrap="square" rtlCol="0">
+            <a:spAutoFit/>
+          </a:bodyPr>
           <a:lstStyle/>
           <a:p>
-            <a:endParaRPr kumimoji="1" lang="ja-JP" altLang="en-US"/>
+            <a:r>
+              <a:rPr kumimoji="1" lang="en-US" altLang="ja-JP" sz="4800" dirty="0">
+                <a:latin typeface="TAユニバーサルライン_DSP_E" panose="02000600000000000000" pitchFamily="2" charset="-128"/>
+                <a:ea typeface="TAユニバーサルライン_DSP_E" panose="02000600000000000000" pitchFamily="2" charset="-128"/>
+              </a:rPr>
+              <a:t>Slotted ALOHA</a:t>
+            </a:r>
+            <a:endParaRPr kumimoji="1" lang="ja-JP" altLang="en-US" sz="4800" dirty="0">
+              <a:latin typeface="TAユニバーサルライン_DSP_E" panose="02000600000000000000" pitchFamily="2" charset="-128"/>
+              <a:ea typeface="TAユニバーサルライン_DSP_E" panose="02000600000000000000" pitchFamily="2" charset="-128"/>
+            </a:endParaRPr>
           </a:p>
         </p:txBody>
       </p:sp>
-      <p:sp>
-        <p:nvSpPr>
-          <p:cNvPr id="3" name="コンテンツ プレースホルダー 2">
+      <mc:AlternateContent xmlns:mc="http://schemas.openxmlformats.org/markup-compatibility/2006">
+        <mc:Choice xmlns:p14="http://schemas.microsoft.com/office/powerpoint/2010/main" Requires="p14">
+          <p:contentPart p14:bwMode="auto" r:id="rId2">
+            <p14:nvContentPartPr>
+              <p14:cNvPr id="5" name="インク 4">
+                <a:extLst>
+                  <a:ext uri="{FF2B5EF4-FFF2-40B4-BE49-F238E27FC236}">
+                    <a16:creationId xmlns:a16="http://schemas.microsoft.com/office/drawing/2014/main" id="{66DB6FFB-65BB-11FF-6168-530504CFE218}"/>
+                  </a:ext>
+                </a:extLst>
+              </p14:cNvPr>
+              <p14:cNvContentPartPr/>
+              <p14:nvPr/>
+            </p14:nvContentPartPr>
+            <p14:xfrm>
+              <a:off x="302215" y="889482"/>
+              <a:ext cx="5624280" cy="25920"/>
+            </p14:xfrm>
+          </p:contentPart>
+        </mc:Choice>
+        <mc:Fallback>
+          <p:pic>
+            <p:nvPicPr>
+              <p:cNvPr id="5" name="インク 4">
+                <a:extLst>
+                  <a:ext uri="{FF2B5EF4-FFF2-40B4-BE49-F238E27FC236}">
+                    <a16:creationId xmlns:a16="http://schemas.microsoft.com/office/drawing/2014/main" id="{66DB6FFB-65BB-11FF-6168-530504CFE218}"/>
+                  </a:ext>
+                </a:extLst>
+              </p:cNvPr>
+              <p:cNvPicPr/>
+              <p:nvPr/>
+            </p:nvPicPr>
+            <p:blipFill>
+              <a:blip r:embed="rId3"/>
+              <a:stretch>
+                <a:fillRect/>
+              </a:stretch>
+            </p:blipFill>
+            <p:spPr>
+              <a:xfrm>
+                <a:off x="230575" y="745482"/>
+                <a:ext cx="5767920" cy="313560"/>
+              </a:xfrm>
+              <a:prstGeom prst="rect">
+                <a:avLst/>
+              </a:prstGeom>
+            </p:spPr>
+          </p:pic>
+        </mc:Fallback>
+      </mc:AlternateContent>
+    </p:spTree>
+    <p:extLst>
+      <p:ext uri="{BB962C8B-B14F-4D97-AF65-F5344CB8AC3E}">
+        <p14:creationId xmlns:p14="http://schemas.microsoft.com/office/powerpoint/2010/main" val="1473268776"/>
+      </p:ext>
+    </p:extLst>
+  </p:cSld>
+  <p:clrMapOvr>
+    <a:masterClrMapping/>
+  </p:clrMapOvr>
+</p:sld>
+</file>
+
+<file path=ppt/slides/slide5.xml><?xml version="1.0" encoding="utf-8"?>
+<p:sld xmlns:a="http://schemas.openxmlformats.org/drawingml/2006/main" xmlns:r="http://schemas.openxmlformats.org/officeDocument/2006/relationships" xmlns:p="http://schemas.openxmlformats.org/presentationml/2006/main">
+  <p:cSld>
+    <p:spTree>
+      <p:nvGrpSpPr>
+        <p:cNvPr id="1" name=""/>
+        <p:cNvGrpSpPr/>
+        <p:nvPr/>
+      </p:nvGrpSpPr>
+      <p:grpSpPr>
+        <a:xfrm>
+          <a:off x="0" y="0"/>
+          <a:ext cx="0" cy="0"/>
+          <a:chOff x="0" y="0"/>
+          <a:chExt cx="0" cy="0"/>
+        </a:xfrm>
+      </p:grpSpPr>
+      <p:grpSp>
+        <p:nvGrpSpPr>
+          <p:cNvPr id="40" name="グループ化 39">
             <a:extLst>
               <a:ext uri="{FF2B5EF4-FFF2-40B4-BE49-F238E27FC236}">
-                <a16:creationId xmlns:a16="http://schemas.microsoft.com/office/drawing/2014/main" id="{573F3C0F-81E3-0175-4CA0-D7A79534F777}"/>
+                <a16:creationId xmlns:a16="http://schemas.microsoft.com/office/drawing/2014/main" id="{A40BA336-84F6-E53F-5911-0013E5EAD56C}"/>
               </a:ext>
             </a:extLst>
           </p:cNvPr>
-          <p:cNvSpPr>
-            <a:spLocks noGrp="1"/>
-          </p:cNvSpPr>
-          <p:nvPr>
-            <p:ph idx="1"/>
-          </p:nvPr>
+          <p:cNvGrpSpPr/>
+          <p:nvPr/>
+        </p:nvGrpSpPr>
+        <p:grpSpPr>
+          <a:xfrm>
+            <a:off x="1581665" y="510674"/>
+            <a:ext cx="8343127" cy="4862592"/>
+            <a:chOff x="1581665" y="510674"/>
+            <a:chExt cx="8343127" cy="4862592"/>
+          </a:xfrm>
+        </p:grpSpPr>
+        <p:grpSp>
+          <p:nvGrpSpPr>
+            <p:cNvPr id="15" name="グループ化 14">
+              <a:extLst>
+                <a:ext uri="{FF2B5EF4-FFF2-40B4-BE49-F238E27FC236}">
+                  <a16:creationId xmlns:a16="http://schemas.microsoft.com/office/drawing/2014/main" id="{6CB57B2B-CBEE-D2A9-B16D-44DBD03CB8C5}"/>
+                </a:ext>
+              </a:extLst>
+            </p:cNvPr>
+            <p:cNvGrpSpPr/>
+            <p:nvPr/>
+          </p:nvGrpSpPr>
+          <p:grpSpPr>
+            <a:xfrm>
+              <a:off x="1685268" y="3817737"/>
+              <a:ext cx="1020064" cy="992967"/>
+              <a:chOff x="105013" y="1668162"/>
+              <a:chExt cx="920579" cy="846437"/>
+            </a:xfrm>
+          </p:grpSpPr>
+          <p:sp>
+            <p:nvSpPr>
+              <p:cNvPr id="29" name="正方形/長方形 28">
+                <a:extLst>
+                  <a:ext uri="{FF2B5EF4-FFF2-40B4-BE49-F238E27FC236}">
+                    <a16:creationId xmlns:a16="http://schemas.microsoft.com/office/drawing/2014/main" id="{83432415-F307-CA32-1C0F-3FDABBAD520B}"/>
+                  </a:ext>
+                </a:extLst>
+              </p:cNvPr>
+              <p:cNvSpPr/>
+              <p:nvPr/>
+            </p:nvSpPr>
+            <p:spPr>
+              <a:xfrm>
+                <a:off x="284205" y="1668162"/>
+                <a:ext cx="741387" cy="444843"/>
+              </a:xfrm>
+              <a:prstGeom prst="rect">
+                <a:avLst/>
+              </a:prstGeom>
+              <a:noFill/>
+              <a:ln w="28575">
+                <a:solidFill>
+                  <a:srgbClr val="00B050"/>
+                </a:solidFill>
+              </a:ln>
+            </p:spPr>
+            <p:style>
+              <a:lnRef idx="2">
+                <a:schemeClr val="accent1">
+                  <a:shade val="50000"/>
+                </a:schemeClr>
+              </a:lnRef>
+              <a:fillRef idx="1">
+                <a:schemeClr val="accent1"/>
+              </a:fillRef>
+              <a:effectRef idx="0">
+                <a:schemeClr val="accent1"/>
+              </a:effectRef>
+              <a:fontRef idx="minor">
+                <a:schemeClr val="lt1"/>
+              </a:fontRef>
+            </p:style>
+            <p:txBody>
+              <a:bodyPr rtlCol="0" anchor="ctr"/>
+              <a:lstStyle/>
+              <a:p>
+                <a:pPr algn="ctr"/>
+                <a:r>
+                  <a:rPr kumimoji="1" lang="en-US" altLang="ja-JP" sz="1600" b="1" dirty="0">
+                    <a:solidFill>
+                      <a:srgbClr val="00B050"/>
+                    </a:solidFill>
+                  </a:rPr>
+                  <a:t>PC3</a:t>
+                </a:r>
+                <a:endParaRPr kumimoji="1" lang="ja-JP" altLang="en-US" sz="1600" b="1" dirty="0">
+                  <a:solidFill>
+                    <a:srgbClr val="00B050"/>
+                  </a:solidFill>
+                </a:endParaRPr>
+              </a:p>
+            </p:txBody>
+          </p:sp>
+          <p:sp>
+            <p:nvSpPr>
+              <p:cNvPr id="30" name="フローチャート: データ 29">
+                <a:extLst>
+                  <a:ext uri="{FF2B5EF4-FFF2-40B4-BE49-F238E27FC236}">
+                    <a16:creationId xmlns:a16="http://schemas.microsoft.com/office/drawing/2014/main" id="{366C2E4C-EE28-5991-27BF-BD02A81C0E8B}"/>
+                  </a:ext>
+                </a:extLst>
+              </p:cNvPr>
+              <p:cNvSpPr/>
+              <p:nvPr/>
+            </p:nvSpPr>
+            <p:spPr>
+              <a:xfrm>
+                <a:off x="105013" y="2113005"/>
+                <a:ext cx="920573" cy="401594"/>
+              </a:xfrm>
+              <a:prstGeom prst="flowChartInputOutput">
+                <a:avLst/>
+              </a:prstGeom>
+              <a:noFill/>
+              <a:ln w="28575">
+                <a:solidFill>
+                  <a:srgbClr val="00B050"/>
+                </a:solidFill>
+              </a:ln>
+            </p:spPr>
+            <p:style>
+              <a:lnRef idx="2">
+                <a:schemeClr val="accent1">
+                  <a:shade val="50000"/>
+                </a:schemeClr>
+              </a:lnRef>
+              <a:fillRef idx="1">
+                <a:schemeClr val="accent1"/>
+              </a:fillRef>
+              <a:effectRef idx="0">
+                <a:schemeClr val="accent1"/>
+              </a:effectRef>
+              <a:fontRef idx="minor">
+                <a:schemeClr val="lt1"/>
+              </a:fontRef>
+            </p:style>
+            <p:txBody>
+              <a:bodyPr rtlCol="0" anchor="ctr"/>
+              <a:lstStyle/>
+              <a:p>
+                <a:pPr algn="ctr"/>
+                <a:endParaRPr kumimoji="1" lang="ja-JP" altLang="en-US"/>
+              </a:p>
+            </p:txBody>
+          </p:sp>
+        </p:grpSp>
+        <p:grpSp>
+          <p:nvGrpSpPr>
+            <p:cNvPr id="16" name="グループ化 15">
+              <a:extLst>
+                <a:ext uri="{FF2B5EF4-FFF2-40B4-BE49-F238E27FC236}">
+                  <a16:creationId xmlns:a16="http://schemas.microsoft.com/office/drawing/2014/main" id="{B8D8C9AE-971E-5196-0E90-8B7A91AE4945}"/>
+                </a:ext>
+              </a:extLst>
+            </p:cNvPr>
+            <p:cNvGrpSpPr/>
+            <p:nvPr/>
+          </p:nvGrpSpPr>
+          <p:grpSpPr>
+            <a:xfrm>
+              <a:off x="1702463" y="2304954"/>
+              <a:ext cx="1028590" cy="992967"/>
+              <a:chOff x="105013" y="1668162"/>
+              <a:chExt cx="920579" cy="846437"/>
+            </a:xfrm>
+          </p:grpSpPr>
+          <p:sp>
+            <p:nvSpPr>
+              <p:cNvPr id="27" name="正方形/長方形 26">
+                <a:extLst>
+                  <a:ext uri="{FF2B5EF4-FFF2-40B4-BE49-F238E27FC236}">
+                    <a16:creationId xmlns:a16="http://schemas.microsoft.com/office/drawing/2014/main" id="{0B4580A6-6A50-6F1F-92DE-054179738A53}"/>
+                  </a:ext>
+                </a:extLst>
+              </p:cNvPr>
+              <p:cNvSpPr/>
+              <p:nvPr/>
+            </p:nvSpPr>
+            <p:spPr>
+              <a:xfrm>
+                <a:off x="284205" y="1668162"/>
+                <a:ext cx="741387" cy="444843"/>
+              </a:xfrm>
+              <a:prstGeom prst="rect">
+                <a:avLst/>
+              </a:prstGeom>
+              <a:noFill/>
+              <a:ln w="28575">
+                <a:solidFill>
+                  <a:srgbClr val="FF0000"/>
+                </a:solidFill>
+              </a:ln>
+            </p:spPr>
+            <p:style>
+              <a:lnRef idx="2">
+                <a:schemeClr val="accent1">
+                  <a:shade val="50000"/>
+                </a:schemeClr>
+              </a:lnRef>
+              <a:fillRef idx="1">
+                <a:schemeClr val="accent1"/>
+              </a:fillRef>
+              <a:effectRef idx="0">
+                <a:schemeClr val="accent1"/>
+              </a:effectRef>
+              <a:fontRef idx="minor">
+                <a:schemeClr val="lt1"/>
+              </a:fontRef>
+            </p:style>
+            <p:txBody>
+              <a:bodyPr rtlCol="0" anchor="ctr"/>
+              <a:lstStyle/>
+              <a:p>
+                <a:pPr algn="ctr"/>
+                <a:r>
+                  <a:rPr kumimoji="1" lang="en-US" altLang="ja-JP" sz="1600" b="1" dirty="0">
+                    <a:solidFill>
+                      <a:srgbClr val="FF0000"/>
+                    </a:solidFill>
+                  </a:rPr>
+                  <a:t>PC2</a:t>
+                </a:r>
+                <a:endParaRPr kumimoji="1" lang="ja-JP" altLang="en-US" sz="1600" b="1" dirty="0">
+                  <a:solidFill>
+                    <a:srgbClr val="FF0000"/>
+                  </a:solidFill>
+                </a:endParaRPr>
+              </a:p>
+            </p:txBody>
+          </p:sp>
+          <p:sp>
+            <p:nvSpPr>
+              <p:cNvPr id="28" name="フローチャート: データ 27">
+                <a:extLst>
+                  <a:ext uri="{FF2B5EF4-FFF2-40B4-BE49-F238E27FC236}">
+                    <a16:creationId xmlns:a16="http://schemas.microsoft.com/office/drawing/2014/main" id="{7BE0C93C-2EA3-D59E-B9CE-3AAD2287BDEF}"/>
+                  </a:ext>
+                </a:extLst>
+              </p:cNvPr>
+              <p:cNvSpPr/>
+              <p:nvPr/>
+            </p:nvSpPr>
+            <p:spPr>
+              <a:xfrm>
+                <a:off x="105013" y="2113005"/>
+                <a:ext cx="920573" cy="401594"/>
+              </a:xfrm>
+              <a:prstGeom prst="flowChartInputOutput">
+                <a:avLst/>
+              </a:prstGeom>
+              <a:noFill/>
+              <a:ln w="28575">
+                <a:solidFill>
+                  <a:srgbClr val="FF0000"/>
+                </a:solidFill>
+              </a:ln>
+            </p:spPr>
+            <p:style>
+              <a:lnRef idx="2">
+                <a:schemeClr val="accent1">
+                  <a:shade val="50000"/>
+                </a:schemeClr>
+              </a:lnRef>
+              <a:fillRef idx="1">
+                <a:schemeClr val="accent1"/>
+              </a:fillRef>
+              <a:effectRef idx="0">
+                <a:schemeClr val="accent1"/>
+              </a:effectRef>
+              <a:fontRef idx="minor">
+                <a:schemeClr val="lt1"/>
+              </a:fontRef>
+            </p:style>
+            <p:txBody>
+              <a:bodyPr rtlCol="0" anchor="ctr"/>
+              <a:lstStyle/>
+              <a:p>
+                <a:pPr algn="ctr"/>
+                <a:endParaRPr kumimoji="1" lang="ja-JP" altLang="en-US"/>
+              </a:p>
+            </p:txBody>
+          </p:sp>
+        </p:grpSp>
+        <p:grpSp>
+          <p:nvGrpSpPr>
+            <p:cNvPr id="17" name="グループ化 16">
+              <a:extLst>
+                <a:ext uri="{FF2B5EF4-FFF2-40B4-BE49-F238E27FC236}">
+                  <a16:creationId xmlns:a16="http://schemas.microsoft.com/office/drawing/2014/main" id="{8D1446B7-5C9A-E976-A599-7B53158F980D}"/>
+                </a:ext>
+              </a:extLst>
+            </p:cNvPr>
+            <p:cNvGrpSpPr/>
+            <p:nvPr/>
+          </p:nvGrpSpPr>
+          <p:grpSpPr>
+            <a:xfrm>
+              <a:off x="1801185" y="898664"/>
+              <a:ext cx="1028583" cy="992967"/>
+              <a:chOff x="105013" y="1668162"/>
+              <a:chExt cx="920579" cy="846437"/>
+            </a:xfrm>
+          </p:grpSpPr>
+          <p:sp>
+            <p:nvSpPr>
+              <p:cNvPr id="25" name="正方形/長方形 24">
+                <a:extLst>
+                  <a:ext uri="{FF2B5EF4-FFF2-40B4-BE49-F238E27FC236}">
+                    <a16:creationId xmlns:a16="http://schemas.microsoft.com/office/drawing/2014/main" id="{7EEDBABD-F0EC-DED5-C10F-3579372F804E}"/>
+                  </a:ext>
+                </a:extLst>
+              </p:cNvPr>
+              <p:cNvSpPr/>
+              <p:nvPr/>
+            </p:nvSpPr>
+            <p:spPr>
+              <a:xfrm>
+                <a:off x="284205" y="1668162"/>
+                <a:ext cx="741387" cy="444843"/>
+              </a:xfrm>
+              <a:prstGeom prst="rect">
+                <a:avLst/>
+              </a:prstGeom>
+              <a:noFill/>
+              <a:ln w="28575">
+                <a:solidFill>
+                  <a:srgbClr val="0070C0"/>
+                </a:solidFill>
+              </a:ln>
+            </p:spPr>
+            <p:style>
+              <a:lnRef idx="2">
+                <a:schemeClr val="accent1">
+                  <a:shade val="50000"/>
+                </a:schemeClr>
+              </a:lnRef>
+              <a:fillRef idx="1">
+                <a:schemeClr val="accent1"/>
+              </a:fillRef>
+              <a:effectRef idx="0">
+                <a:schemeClr val="accent1"/>
+              </a:effectRef>
+              <a:fontRef idx="minor">
+                <a:schemeClr val="lt1"/>
+              </a:fontRef>
+            </p:style>
+            <p:txBody>
+              <a:bodyPr rtlCol="0" anchor="ctr"/>
+              <a:lstStyle/>
+              <a:p>
+                <a:pPr algn="ctr"/>
+                <a:r>
+                  <a:rPr kumimoji="1" lang="en-US" altLang="ja-JP" sz="1600" b="1" dirty="0">
+                    <a:solidFill>
+                      <a:srgbClr val="0070C0"/>
+                    </a:solidFill>
+                  </a:rPr>
+                  <a:t>PC1</a:t>
+                </a:r>
+                <a:endParaRPr kumimoji="1" lang="ja-JP" altLang="en-US" sz="1600" b="1" dirty="0">
+                  <a:solidFill>
+                    <a:srgbClr val="0070C0"/>
+                  </a:solidFill>
+                </a:endParaRPr>
+              </a:p>
+            </p:txBody>
+          </p:sp>
+          <p:sp>
+            <p:nvSpPr>
+              <p:cNvPr id="26" name="フローチャート: データ 25">
+                <a:extLst>
+                  <a:ext uri="{FF2B5EF4-FFF2-40B4-BE49-F238E27FC236}">
+                    <a16:creationId xmlns:a16="http://schemas.microsoft.com/office/drawing/2014/main" id="{0D518BDB-2375-D7DF-7B6A-4970661C4494}"/>
+                  </a:ext>
+                </a:extLst>
+              </p:cNvPr>
+              <p:cNvSpPr/>
+              <p:nvPr/>
+            </p:nvSpPr>
+            <p:spPr>
+              <a:xfrm>
+                <a:off x="105013" y="2113005"/>
+                <a:ext cx="920573" cy="401594"/>
+              </a:xfrm>
+              <a:prstGeom prst="flowChartInputOutput">
+                <a:avLst/>
+              </a:prstGeom>
+              <a:noFill/>
+              <a:ln w="28575">
+                <a:solidFill>
+                  <a:srgbClr val="0070C0"/>
+                </a:solidFill>
+              </a:ln>
+            </p:spPr>
+            <p:style>
+              <a:lnRef idx="2">
+                <a:schemeClr val="accent1">
+                  <a:shade val="50000"/>
+                </a:schemeClr>
+              </a:lnRef>
+              <a:fillRef idx="1">
+                <a:schemeClr val="accent1"/>
+              </a:fillRef>
+              <a:effectRef idx="0">
+                <a:schemeClr val="accent1"/>
+              </a:effectRef>
+              <a:fontRef idx="minor">
+                <a:schemeClr val="lt1"/>
+              </a:fontRef>
+            </p:style>
+            <p:txBody>
+              <a:bodyPr rtlCol="0" anchor="ctr"/>
+              <a:lstStyle/>
+              <a:p>
+                <a:pPr algn="ctr"/>
+                <a:endParaRPr kumimoji="1" lang="ja-JP" altLang="en-US" b="1"/>
+              </a:p>
+            </p:txBody>
+          </p:sp>
+        </p:grpSp>
+        <p:cxnSp>
+          <p:nvCxnSpPr>
+            <p:cNvPr id="18" name="直線コネクタ 17">
+              <a:extLst>
+                <a:ext uri="{FF2B5EF4-FFF2-40B4-BE49-F238E27FC236}">
+                  <a16:creationId xmlns:a16="http://schemas.microsoft.com/office/drawing/2014/main" id="{28CA1F18-75E0-7A88-B8EC-2272170C506F}"/>
+                </a:ext>
+              </a:extLst>
+            </p:cNvPr>
+            <p:cNvCxnSpPr>
+              <a:cxnSpLocks/>
+            </p:cNvCxnSpPr>
+            <p:nvPr/>
+          </p:nvCxnSpPr>
+          <p:spPr>
+            <a:xfrm>
+              <a:off x="3294740" y="707227"/>
+              <a:ext cx="0" cy="4310115"/>
+            </a:xfrm>
+            <a:prstGeom prst="line">
+              <a:avLst/>
+            </a:prstGeom>
+            <a:ln>
+              <a:prstDash val="dash"/>
+            </a:ln>
+          </p:spPr>
+          <p:style>
+            <a:lnRef idx="1">
+              <a:schemeClr val="accent1"/>
+            </a:lnRef>
+            <a:fillRef idx="0">
+              <a:schemeClr val="accent1"/>
+            </a:fillRef>
+            <a:effectRef idx="0">
+              <a:schemeClr val="accent1"/>
+            </a:effectRef>
+            <a:fontRef idx="minor">
+              <a:schemeClr val="tx1"/>
+            </a:fontRef>
+          </p:style>
+        </p:cxnSp>
+        <p:cxnSp>
+          <p:nvCxnSpPr>
+            <p:cNvPr id="19" name="直線矢印コネクタ 18">
+              <a:extLst>
+                <a:ext uri="{FF2B5EF4-FFF2-40B4-BE49-F238E27FC236}">
+                  <a16:creationId xmlns:a16="http://schemas.microsoft.com/office/drawing/2014/main" id="{660BAE38-1F9C-C637-51EB-8B8B33393E6B}"/>
+                </a:ext>
+              </a:extLst>
+            </p:cNvPr>
+            <p:cNvCxnSpPr>
+              <a:cxnSpLocks/>
+            </p:cNvCxnSpPr>
+            <p:nvPr/>
+          </p:nvCxnSpPr>
+          <p:spPr>
+            <a:xfrm>
+              <a:off x="1581665" y="2082978"/>
+              <a:ext cx="8343127" cy="2763"/>
+            </a:xfrm>
+            <a:prstGeom prst="straightConnector1">
+              <a:avLst/>
+            </a:prstGeom>
+            <a:ln>
+              <a:prstDash val="lgDash"/>
+              <a:tailEnd type="triangle"/>
+            </a:ln>
+          </p:spPr>
+          <p:style>
+            <a:lnRef idx="1">
+              <a:schemeClr val="accent1"/>
+            </a:lnRef>
+            <a:fillRef idx="0">
+              <a:schemeClr val="accent1"/>
+            </a:fillRef>
+            <a:effectRef idx="0">
+              <a:schemeClr val="accent1"/>
+            </a:effectRef>
+            <a:fontRef idx="minor">
+              <a:schemeClr val="tx1"/>
+            </a:fontRef>
+          </p:style>
+        </p:cxnSp>
+        <p:cxnSp>
+          <p:nvCxnSpPr>
+            <p:cNvPr id="20" name="直線矢印コネクタ 19">
+              <a:extLst>
+                <a:ext uri="{FF2B5EF4-FFF2-40B4-BE49-F238E27FC236}">
+                  <a16:creationId xmlns:a16="http://schemas.microsoft.com/office/drawing/2014/main" id="{DE8174F1-973C-F647-2046-1AD49C1C59FD}"/>
+                </a:ext>
+              </a:extLst>
+            </p:cNvPr>
+            <p:cNvCxnSpPr>
+              <a:cxnSpLocks/>
+            </p:cNvCxnSpPr>
+            <p:nvPr/>
+          </p:nvCxnSpPr>
+          <p:spPr>
+            <a:xfrm>
+              <a:off x="1581665" y="3568363"/>
+              <a:ext cx="8343127" cy="0"/>
+            </a:xfrm>
+            <a:prstGeom prst="straightConnector1">
+              <a:avLst/>
+            </a:prstGeom>
+            <a:ln>
+              <a:prstDash val="lgDash"/>
+              <a:tailEnd type="triangle"/>
+            </a:ln>
+          </p:spPr>
+          <p:style>
+            <a:lnRef idx="1">
+              <a:schemeClr val="accent1"/>
+            </a:lnRef>
+            <a:fillRef idx="0">
+              <a:schemeClr val="accent1"/>
+            </a:fillRef>
+            <a:effectRef idx="0">
+              <a:schemeClr val="accent1"/>
+            </a:effectRef>
+            <a:fontRef idx="minor">
+              <a:schemeClr val="tx1"/>
+            </a:fontRef>
+          </p:style>
+        </p:cxnSp>
+        <p:cxnSp>
+          <p:nvCxnSpPr>
+            <p:cNvPr id="21" name="直線矢印コネクタ 20">
+              <a:extLst>
+                <a:ext uri="{FF2B5EF4-FFF2-40B4-BE49-F238E27FC236}">
+                  <a16:creationId xmlns:a16="http://schemas.microsoft.com/office/drawing/2014/main" id="{7A9DBFEA-9AAD-BB79-F3F4-FC70609A9BEE}"/>
+                </a:ext>
+              </a:extLst>
+            </p:cNvPr>
+            <p:cNvCxnSpPr>
+              <a:cxnSpLocks/>
+            </p:cNvCxnSpPr>
+            <p:nvPr/>
+          </p:nvCxnSpPr>
+          <p:spPr>
+            <a:xfrm>
+              <a:off x="1581665" y="5017342"/>
+              <a:ext cx="8343127" cy="0"/>
+            </a:xfrm>
+            <a:prstGeom prst="straightConnector1">
+              <a:avLst/>
+            </a:prstGeom>
+            <a:ln>
+              <a:prstDash val="lgDash"/>
+              <a:tailEnd type="triangle"/>
+            </a:ln>
+          </p:spPr>
+          <p:style>
+            <a:lnRef idx="1">
+              <a:schemeClr val="accent1"/>
+            </a:lnRef>
+            <a:fillRef idx="0">
+              <a:schemeClr val="accent1"/>
+            </a:fillRef>
+            <a:effectRef idx="0">
+              <a:schemeClr val="accent1"/>
+            </a:effectRef>
+            <a:fontRef idx="minor">
+              <a:schemeClr val="tx1"/>
+            </a:fontRef>
+          </p:style>
+        </p:cxnSp>
+        <p:cxnSp>
+          <p:nvCxnSpPr>
+            <p:cNvPr id="22" name="直線コネクタ 21">
+              <a:extLst>
+                <a:ext uri="{FF2B5EF4-FFF2-40B4-BE49-F238E27FC236}">
+                  <a16:creationId xmlns:a16="http://schemas.microsoft.com/office/drawing/2014/main" id="{F342AE68-D347-D5FF-5FA8-CAA3CFE638F5}"/>
+                </a:ext>
+              </a:extLst>
+            </p:cNvPr>
+            <p:cNvCxnSpPr>
+              <a:cxnSpLocks/>
+            </p:cNvCxnSpPr>
+            <p:nvPr/>
+          </p:nvCxnSpPr>
+          <p:spPr>
+            <a:xfrm>
+              <a:off x="5335928" y="707227"/>
+              <a:ext cx="0" cy="4310115"/>
+            </a:xfrm>
+            <a:prstGeom prst="line">
+              <a:avLst/>
+            </a:prstGeom>
+            <a:ln>
+              <a:prstDash val="dash"/>
+            </a:ln>
+          </p:spPr>
+          <p:style>
+            <a:lnRef idx="1">
+              <a:schemeClr val="accent1"/>
+            </a:lnRef>
+            <a:fillRef idx="0">
+              <a:schemeClr val="accent1"/>
+            </a:fillRef>
+            <a:effectRef idx="0">
+              <a:schemeClr val="accent1"/>
+            </a:effectRef>
+            <a:fontRef idx="minor">
+              <a:schemeClr val="tx1"/>
+            </a:fontRef>
+          </p:style>
+        </p:cxnSp>
+        <p:cxnSp>
+          <p:nvCxnSpPr>
+            <p:cNvPr id="23" name="直線コネクタ 22">
+              <a:extLst>
+                <a:ext uri="{FF2B5EF4-FFF2-40B4-BE49-F238E27FC236}">
+                  <a16:creationId xmlns:a16="http://schemas.microsoft.com/office/drawing/2014/main" id="{85E1E66A-986B-EF49-BFFD-6A858A319FB8}"/>
+                </a:ext>
+              </a:extLst>
+            </p:cNvPr>
+            <p:cNvCxnSpPr>
+              <a:cxnSpLocks/>
+            </p:cNvCxnSpPr>
+            <p:nvPr/>
+          </p:nvCxnSpPr>
+          <p:spPr>
+            <a:xfrm>
+              <a:off x="7393130" y="707227"/>
+              <a:ext cx="24539" cy="4310115"/>
+            </a:xfrm>
+            <a:prstGeom prst="line">
+              <a:avLst/>
+            </a:prstGeom>
+            <a:ln>
+              <a:prstDash val="dash"/>
+            </a:ln>
+          </p:spPr>
+          <p:style>
+            <a:lnRef idx="1">
+              <a:schemeClr val="accent1"/>
+            </a:lnRef>
+            <a:fillRef idx="0">
+              <a:schemeClr val="accent1"/>
+            </a:fillRef>
+            <a:effectRef idx="0">
+              <a:schemeClr val="accent1"/>
+            </a:effectRef>
+            <a:fontRef idx="minor">
+              <a:schemeClr val="tx1"/>
+            </a:fontRef>
+          </p:style>
+        </p:cxnSp>
+        <p:cxnSp>
+          <p:nvCxnSpPr>
+            <p:cNvPr id="24" name="直線コネクタ 23">
+              <a:extLst>
+                <a:ext uri="{FF2B5EF4-FFF2-40B4-BE49-F238E27FC236}">
+                  <a16:creationId xmlns:a16="http://schemas.microsoft.com/office/drawing/2014/main" id="{7A12FE67-390E-DEC5-0F76-F48EA81B739A}"/>
+                </a:ext>
+              </a:extLst>
+            </p:cNvPr>
+            <p:cNvCxnSpPr>
+              <a:cxnSpLocks/>
+            </p:cNvCxnSpPr>
+            <p:nvPr/>
+          </p:nvCxnSpPr>
+          <p:spPr>
+            <a:xfrm>
+              <a:off x="9454262" y="707227"/>
+              <a:ext cx="0" cy="4334302"/>
+            </a:xfrm>
+            <a:prstGeom prst="line">
+              <a:avLst/>
+            </a:prstGeom>
+            <a:ln>
+              <a:prstDash val="dash"/>
+            </a:ln>
+          </p:spPr>
+          <p:style>
+            <a:lnRef idx="1">
+              <a:schemeClr val="accent1"/>
+            </a:lnRef>
+            <a:fillRef idx="0">
+              <a:schemeClr val="accent1"/>
+            </a:fillRef>
+            <a:effectRef idx="0">
+              <a:schemeClr val="accent1"/>
+            </a:effectRef>
+            <a:fontRef idx="minor">
+              <a:schemeClr val="tx1"/>
+            </a:fontRef>
+          </p:style>
+        </p:cxnSp>
+        <p:sp>
+          <p:nvSpPr>
+            <p:cNvPr id="6" name="四角形: 角を丸くする 5">
+              <a:extLst>
+                <a:ext uri="{FF2B5EF4-FFF2-40B4-BE49-F238E27FC236}">
+                  <a16:creationId xmlns:a16="http://schemas.microsoft.com/office/drawing/2014/main" id="{693E3233-6BEC-D32E-8974-1CC1D5E615E5}"/>
+                </a:ext>
+              </a:extLst>
+            </p:cNvPr>
+            <p:cNvSpPr/>
+            <p:nvPr/>
+          </p:nvSpPr>
+          <p:spPr>
+            <a:xfrm>
+              <a:off x="5363262" y="2673343"/>
+              <a:ext cx="2020582" cy="402067"/>
+            </a:xfrm>
+            <a:prstGeom prst="roundRect">
+              <a:avLst/>
+            </a:prstGeom>
+            <a:solidFill>
+              <a:schemeClr val="bg1"/>
+            </a:solidFill>
+            <a:ln w="38100">
+              <a:solidFill>
+                <a:srgbClr val="FF0000"/>
+              </a:solidFill>
+            </a:ln>
+          </p:spPr>
+          <p:style>
+            <a:lnRef idx="2">
+              <a:schemeClr val="accent1">
+                <a:shade val="50000"/>
+              </a:schemeClr>
+            </a:lnRef>
+            <a:fillRef idx="1">
+              <a:schemeClr val="accent1"/>
+            </a:fillRef>
+            <a:effectRef idx="0">
+              <a:schemeClr val="accent1"/>
+            </a:effectRef>
+            <a:fontRef idx="minor">
+              <a:schemeClr val="lt1"/>
+            </a:fontRef>
+          </p:style>
+          <p:txBody>
+            <a:bodyPr rtlCol="0" anchor="ctr"/>
+            <a:lstStyle/>
+            <a:p>
+              <a:pPr algn="ctr"/>
+              <a:r>
+                <a:rPr kumimoji="1" lang="en-US" altLang="ja-JP" b="1" dirty="0">
+                  <a:solidFill>
+                    <a:srgbClr val="FF0000"/>
+                  </a:solidFill>
+                </a:rPr>
+                <a:t>Data 2.1</a:t>
+              </a:r>
+              <a:endParaRPr kumimoji="1" lang="ja-JP" altLang="en-US" b="1" dirty="0">
+                <a:solidFill>
+                  <a:srgbClr val="FF0000"/>
+                </a:solidFill>
+              </a:endParaRPr>
+            </a:p>
+          </p:txBody>
+        </p:sp>
+        <p:sp>
+          <p:nvSpPr>
+            <p:cNvPr id="7" name="四角形: 角を丸くする 6">
+              <a:extLst>
+                <a:ext uri="{FF2B5EF4-FFF2-40B4-BE49-F238E27FC236}">
+                  <a16:creationId xmlns:a16="http://schemas.microsoft.com/office/drawing/2014/main" id="{44E48FA4-107A-85D8-6E8D-2C5C71AF7993}"/>
+                </a:ext>
+              </a:extLst>
+            </p:cNvPr>
+            <p:cNvSpPr/>
+            <p:nvPr/>
+          </p:nvSpPr>
+          <p:spPr>
+            <a:xfrm>
+              <a:off x="3293790" y="1194399"/>
+              <a:ext cx="2020582" cy="402067"/>
+            </a:xfrm>
+            <a:prstGeom prst="roundRect">
+              <a:avLst/>
+            </a:prstGeom>
+            <a:solidFill>
+              <a:schemeClr val="bg1"/>
+            </a:solidFill>
+            <a:ln w="38100">
+              <a:solidFill>
+                <a:schemeClr val="accent1"/>
+              </a:solidFill>
+            </a:ln>
+          </p:spPr>
+          <p:style>
+            <a:lnRef idx="2">
+              <a:schemeClr val="accent1">
+                <a:shade val="50000"/>
+              </a:schemeClr>
+            </a:lnRef>
+            <a:fillRef idx="1">
+              <a:schemeClr val="accent1"/>
+            </a:fillRef>
+            <a:effectRef idx="0">
+              <a:schemeClr val="accent1"/>
+            </a:effectRef>
+            <a:fontRef idx="minor">
+              <a:schemeClr val="lt1"/>
+            </a:fontRef>
+          </p:style>
+          <p:txBody>
+            <a:bodyPr rtlCol="0" anchor="ctr"/>
+            <a:lstStyle/>
+            <a:p>
+              <a:pPr algn="ctr"/>
+              <a:r>
+                <a:rPr kumimoji="1" lang="en-US" altLang="ja-JP" b="1" dirty="0">
+                  <a:solidFill>
+                    <a:srgbClr val="0070C0"/>
+                  </a:solidFill>
+                </a:rPr>
+                <a:t>Data 1.1</a:t>
+              </a:r>
+              <a:endParaRPr kumimoji="1" lang="ja-JP" altLang="en-US" b="1" dirty="0">
+                <a:solidFill>
+                  <a:srgbClr val="0070C0"/>
+                </a:solidFill>
+              </a:endParaRPr>
+            </a:p>
+          </p:txBody>
+        </p:sp>
+        <p:sp>
+          <p:nvSpPr>
+            <p:cNvPr id="8" name="四角形: 角を丸くする 7">
+              <a:extLst>
+                <a:ext uri="{FF2B5EF4-FFF2-40B4-BE49-F238E27FC236}">
+                  <a16:creationId xmlns:a16="http://schemas.microsoft.com/office/drawing/2014/main" id="{E16FB258-C373-1FD0-3180-69BB3D4FFBB4}"/>
+                </a:ext>
+              </a:extLst>
+            </p:cNvPr>
+            <p:cNvSpPr/>
+            <p:nvPr/>
+          </p:nvSpPr>
+          <p:spPr>
+            <a:xfrm>
+              <a:off x="5363261" y="4141843"/>
+              <a:ext cx="2029865" cy="402067"/>
+            </a:xfrm>
+            <a:prstGeom prst="roundRect">
+              <a:avLst/>
+            </a:prstGeom>
+            <a:solidFill>
+              <a:schemeClr val="bg1"/>
+            </a:solidFill>
+            <a:ln w="38100">
+              <a:solidFill>
+                <a:srgbClr val="00B050"/>
+              </a:solidFill>
+            </a:ln>
+          </p:spPr>
+          <p:style>
+            <a:lnRef idx="2">
+              <a:schemeClr val="accent1">
+                <a:shade val="50000"/>
+              </a:schemeClr>
+            </a:lnRef>
+            <a:fillRef idx="1">
+              <a:schemeClr val="accent1"/>
+            </a:fillRef>
+            <a:effectRef idx="0">
+              <a:schemeClr val="accent1"/>
+            </a:effectRef>
+            <a:fontRef idx="minor">
+              <a:schemeClr val="lt1"/>
+            </a:fontRef>
+          </p:style>
+          <p:txBody>
+            <a:bodyPr rtlCol="0" anchor="ctr"/>
+            <a:lstStyle/>
+            <a:p>
+              <a:pPr algn="ctr"/>
+              <a:r>
+                <a:rPr kumimoji="1" lang="en-US" altLang="ja-JP" b="1" dirty="0">
+                  <a:solidFill>
+                    <a:srgbClr val="00B050"/>
+                  </a:solidFill>
+                </a:rPr>
+                <a:t>Data 3.1</a:t>
+              </a:r>
+              <a:endParaRPr kumimoji="1" lang="ja-JP" altLang="en-US" b="1" dirty="0">
+                <a:solidFill>
+                  <a:srgbClr val="00B050"/>
+                </a:solidFill>
+              </a:endParaRPr>
+            </a:p>
+          </p:txBody>
+        </p:sp>
+        <p:cxnSp>
+          <p:nvCxnSpPr>
+            <p:cNvPr id="12" name="直線矢印コネクタ 11">
+              <a:extLst>
+                <a:ext uri="{FF2B5EF4-FFF2-40B4-BE49-F238E27FC236}">
+                  <a16:creationId xmlns:a16="http://schemas.microsoft.com/office/drawing/2014/main" id="{C5B3FC70-2FD2-5153-B641-6A1940936AF0}"/>
+                </a:ext>
+              </a:extLst>
+            </p:cNvPr>
+            <p:cNvCxnSpPr>
+              <a:cxnSpLocks/>
+            </p:cNvCxnSpPr>
+            <p:nvPr/>
+          </p:nvCxnSpPr>
+          <p:spPr>
+            <a:xfrm>
+              <a:off x="5363262" y="4810704"/>
+              <a:ext cx="2069471" cy="0"/>
+            </a:xfrm>
+            <a:prstGeom prst="straightConnector1">
+              <a:avLst/>
+            </a:prstGeom>
+            <a:ln>
+              <a:solidFill>
+                <a:srgbClr val="FF0000"/>
+              </a:solidFill>
+              <a:headEnd type="triangle"/>
+              <a:tailEnd type="triangle"/>
+            </a:ln>
+          </p:spPr>
+          <p:style>
+            <a:lnRef idx="3">
+              <a:schemeClr val="accent2"/>
+            </a:lnRef>
+            <a:fillRef idx="0">
+              <a:schemeClr val="accent2"/>
+            </a:fillRef>
+            <a:effectRef idx="2">
+              <a:schemeClr val="accent2"/>
+            </a:effectRef>
+            <a:fontRef idx="minor">
+              <a:schemeClr val="tx1"/>
+            </a:fontRef>
+          </p:style>
+        </p:cxnSp>
+        <p:sp>
+          <p:nvSpPr>
+            <p:cNvPr id="13" name="テキスト ボックス 12">
+              <a:extLst>
+                <a:ext uri="{FF2B5EF4-FFF2-40B4-BE49-F238E27FC236}">
+                  <a16:creationId xmlns:a16="http://schemas.microsoft.com/office/drawing/2014/main" id="{FDE9F6B9-EE70-3B70-5628-CE81D2964D66}"/>
+                </a:ext>
+              </a:extLst>
+            </p:cNvPr>
+            <p:cNvSpPr txBox="1"/>
+            <p:nvPr/>
+          </p:nvSpPr>
+          <p:spPr>
+            <a:xfrm>
+              <a:off x="6207449" y="4975529"/>
+              <a:ext cx="435193" cy="397737"/>
+            </a:xfrm>
+            <a:prstGeom prst="rect">
+              <a:avLst/>
+            </a:prstGeom>
+            <a:noFill/>
+          </p:spPr>
+          <p:txBody>
+            <a:bodyPr wrap="square" rtlCol="0">
+              <a:spAutoFit/>
+            </a:bodyPr>
+            <a:lstStyle/>
+            <a:p>
+              <a:pPr algn="ctr"/>
+              <a:r>
+                <a:rPr kumimoji="1" lang="en-US" altLang="ja-JP" sz="2000" dirty="0">
+                  <a:solidFill>
+                    <a:srgbClr val="FF0000"/>
+                  </a:solidFill>
+                  <a:latin typeface="Arial" panose="020B0604020202020204" pitchFamily="34" charset="0"/>
+                  <a:cs typeface="Arial" panose="020B0604020202020204" pitchFamily="34" charset="0"/>
+                </a:rPr>
+                <a:t>T</a:t>
+              </a:r>
+              <a:endParaRPr kumimoji="1" lang="ja-JP" altLang="en-US" sz="2000" dirty="0">
+                <a:solidFill>
+                  <a:srgbClr val="FF0000"/>
+                </a:solidFill>
+                <a:latin typeface="Arial" panose="020B0604020202020204" pitchFamily="34" charset="0"/>
+                <a:cs typeface="Arial" panose="020B0604020202020204" pitchFamily="34" charset="0"/>
+              </a:endParaRPr>
+            </a:p>
+          </p:txBody>
+        </p:sp>
+        <p:cxnSp>
+          <p:nvCxnSpPr>
+            <p:cNvPr id="35" name="直線コネクタ 34">
+              <a:extLst>
+                <a:ext uri="{FF2B5EF4-FFF2-40B4-BE49-F238E27FC236}">
+                  <a16:creationId xmlns:a16="http://schemas.microsoft.com/office/drawing/2014/main" id="{D2AA9090-0871-391D-7E61-EC7D78A95871}"/>
+                </a:ext>
+              </a:extLst>
+            </p:cNvPr>
+            <p:cNvCxnSpPr/>
+            <p:nvPr/>
+          </p:nvCxnSpPr>
+          <p:spPr>
+            <a:xfrm>
+              <a:off x="5335928" y="683040"/>
+              <a:ext cx="0" cy="4334302"/>
+            </a:xfrm>
+            <a:prstGeom prst="line">
+              <a:avLst/>
+            </a:prstGeom>
+            <a:ln>
+              <a:solidFill>
+                <a:srgbClr val="FF0000"/>
+              </a:solidFill>
+            </a:ln>
+          </p:spPr>
+          <p:style>
+            <a:lnRef idx="3">
+              <a:schemeClr val="accent2"/>
+            </a:lnRef>
+            <a:fillRef idx="0">
+              <a:schemeClr val="accent2"/>
+            </a:fillRef>
+            <a:effectRef idx="2">
+              <a:schemeClr val="accent2"/>
+            </a:effectRef>
+            <a:fontRef idx="minor">
+              <a:schemeClr val="tx1"/>
+            </a:fontRef>
+          </p:style>
+        </p:cxnSp>
+        <p:cxnSp>
+          <p:nvCxnSpPr>
+            <p:cNvPr id="36" name="直線コネクタ 35">
+              <a:extLst>
+                <a:ext uri="{FF2B5EF4-FFF2-40B4-BE49-F238E27FC236}">
+                  <a16:creationId xmlns:a16="http://schemas.microsoft.com/office/drawing/2014/main" id="{92B05E9D-3A8A-C875-8012-3F91665BC8ED}"/>
+                </a:ext>
+              </a:extLst>
+            </p:cNvPr>
+            <p:cNvCxnSpPr>
+              <a:cxnSpLocks/>
+            </p:cNvCxnSpPr>
+            <p:nvPr/>
+          </p:nvCxnSpPr>
+          <p:spPr>
+            <a:xfrm>
+              <a:off x="7387910" y="707227"/>
+              <a:ext cx="29759" cy="4334302"/>
+            </a:xfrm>
+            <a:prstGeom prst="line">
+              <a:avLst/>
+            </a:prstGeom>
+            <a:ln>
+              <a:solidFill>
+                <a:srgbClr val="FF0000"/>
+              </a:solidFill>
+            </a:ln>
+          </p:spPr>
+          <p:style>
+            <a:lnRef idx="3">
+              <a:schemeClr val="accent2"/>
+            </a:lnRef>
+            <a:fillRef idx="0">
+              <a:schemeClr val="accent2"/>
+            </a:fillRef>
+            <a:effectRef idx="2">
+              <a:schemeClr val="accent2"/>
+            </a:effectRef>
+            <a:fontRef idx="minor">
+              <a:schemeClr val="tx1"/>
+            </a:fontRef>
+          </p:style>
+        </p:cxnSp>
+        <p:sp>
+          <p:nvSpPr>
+            <p:cNvPr id="38" name="テキスト ボックス 37">
+              <a:extLst>
+                <a:ext uri="{FF2B5EF4-FFF2-40B4-BE49-F238E27FC236}">
+                  <a16:creationId xmlns:a16="http://schemas.microsoft.com/office/drawing/2014/main" id="{492D47F6-BB4A-DFDC-9650-E560D2A1A2D3}"/>
+                </a:ext>
+              </a:extLst>
+            </p:cNvPr>
+            <p:cNvSpPr txBox="1"/>
+            <p:nvPr/>
+          </p:nvSpPr>
+          <p:spPr>
+            <a:xfrm>
+              <a:off x="5464192" y="1509499"/>
+              <a:ext cx="1871709" cy="523220"/>
+            </a:xfrm>
+            <a:prstGeom prst="rect">
+              <a:avLst/>
+            </a:prstGeom>
+            <a:noFill/>
+          </p:spPr>
+          <p:txBody>
+            <a:bodyPr wrap="square" rtlCol="0">
+              <a:spAutoFit/>
+            </a:bodyPr>
+            <a:lstStyle/>
+            <a:p>
+              <a:pPr algn="ctr"/>
+              <a:r>
+                <a:rPr kumimoji="1" lang="en-US" altLang="ja-JP" sz="2800" dirty="0">
+                  <a:solidFill>
+                    <a:srgbClr val="FF0000"/>
+                  </a:solidFill>
+                  <a:latin typeface="Arial Black" panose="020B0A04020102020204" pitchFamily="34" charset="0"/>
+                </a:rPr>
+                <a:t>Collision</a:t>
+              </a:r>
+              <a:endParaRPr kumimoji="1" lang="ja-JP" altLang="en-US" sz="2800" dirty="0">
+                <a:solidFill>
+                  <a:srgbClr val="FF0000"/>
+                </a:solidFill>
+                <a:latin typeface="Arial Black" panose="020B0A04020102020204" pitchFamily="34" charset="0"/>
+              </a:endParaRPr>
+            </a:p>
+          </p:txBody>
+        </p:sp>
+        <p:sp>
+          <p:nvSpPr>
+            <p:cNvPr id="39" name="テキスト ボックス 38">
+              <a:extLst>
+                <a:ext uri="{FF2B5EF4-FFF2-40B4-BE49-F238E27FC236}">
+                  <a16:creationId xmlns:a16="http://schemas.microsoft.com/office/drawing/2014/main" id="{DFD74222-2E91-DA33-AC00-672521E7DD42}"/>
+                </a:ext>
+              </a:extLst>
+            </p:cNvPr>
+            <p:cNvSpPr txBox="1"/>
+            <p:nvPr/>
+          </p:nvSpPr>
+          <p:spPr>
+            <a:xfrm>
+              <a:off x="3575036" y="510674"/>
+              <a:ext cx="2108365" cy="894019"/>
+            </a:xfrm>
+            <a:prstGeom prst="rect">
+              <a:avLst/>
+            </a:prstGeom>
+            <a:noFill/>
+          </p:spPr>
+          <p:txBody>
+            <a:bodyPr wrap="square" rtlCol="0">
+              <a:spAutoFit/>
+            </a:bodyPr>
+            <a:lstStyle/>
+            <a:p>
+              <a:r>
+                <a:rPr kumimoji="1" lang="en-US" altLang="ja-JP" dirty="0">
+                  <a:latin typeface="Arial" panose="020B0604020202020204" pitchFamily="34" charset="0"/>
+                  <a:cs typeface="Arial" panose="020B0604020202020204" pitchFamily="34" charset="0"/>
+                </a:rPr>
+                <a:t>Successful</a:t>
+              </a:r>
+            </a:p>
+            <a:p>
+              <a:r>
+                <a:rPr lang="en-US" altLang="ja-JP" dirty="0">
+                  <a:latin typeface="Arial" panose="020B0604020202020204" pitchFamily="34" charset="0"/>
+                  <a:cs typeface="Arial" panose="020B0604020202020204" pitchFamily="34" charset="0"/>
+                </a:rPr>
+                <a:t>transmission</a:t>
+              </a:r>
+              <a:endParaRPr kumimoji="1" lang="ja-JP" altLang="en-US" dirty="0">
+                <a:latin typeface="Arial" panose="020B0604020202020204" pitchFamily="34" charset="0"/>
+                <a:cs typeface="Arial" panose="020B0604020202020204" pitchFamily="34" charset="0"/>
+              </a:endParaRPr>
+            </a:p>
+          </p:txBody>
+        </p:sp>
+      </p:grpSp>
+    </p:spTree>
+    <p:extLst>
+      <p:ext uri="{BB962C8B-B14F-4D97-AF65-F5344CB8AC3E}">
+        <p14:creationId xmlns:p14="http://schemas.microsoft.com/office/powerpoint/2010/main" val="1984713368"/>
+      </p:ext>
+    </p:extLst>
+  </p:cSld>
+  <p:clrMapOvr>
+    <a:masterClrMapping/>
+  </p:clrMapOvr>
+</p:sld>
+</file>
+
+<file path=ppt/slides/slide6.xml><?xml version="1.0" encoding="utf-8"?>
+<p:sld xmlns:a="http://schemas.openxmlformats.org/drawingml/2006/main" xmlns:r="http://schemas.openxmlformats.org/officeDocument/2006/relationships" xmlns:p="http://schemas.openxmlformats.org/presentationml/2006/main">
+  <p:cSld>
+    <p:spTree>
+      <p:nvGrpSpPr>
+        <p:cNvPr id="1" name=""/>
+        <p:cNvGrpSpPr/>
+        <p:nvPr/>
+      </p:nvGrpSpPr>
+      <p:grpSpPr>
+        <a:xfrm>
+          <a:off x="0" y="0"/>
+          <a:ext cx="0" cy="0"/>
+          <a:chOff x="0" y="0"/>
+          <a:chExt cx="0" cy="0"/>
+        </a:xfrm>
+      </p:grpSpPr>
+      <p:sp>
+        <p:nvSpPr>
+          <p:cNvPr id="4" name="テキスト ボックス 3">
+            <a:extLst>
+              <a:ext uri="{FF2B5EF4-FFF2-40B4-BE49-F238E27FC236}">
+                <a16:creationId xmlns:a16="http://schemas.microsoft.com/office/drawing/2014/main" id="{EC598BA7-6D61-8D81-32B1-3506D230C962}"/>
+              </a:ext>
+            </a:extLst>
+          </p:cNvPr>
+          <p:cNvSpPr txBox="1"/>
+          <p:nvPr/>
         </p:nvSpPr>
-        <p:spPr/>
+        <p:spPr>
+          <a:xfrm>
+            <a:off x="339811" y="308920"/>
+            <a:ext cx="3571103" cy="830997"/>
+          </a:xfrm>
+          <a:prstGeom prst="rect">
+            <a:avLst/>
+          </a:prstGeom>
+          <a:noFill/>
+        </p:spPr>
         <p:txBody>
-          <a:bodyPr/>
+          <a:bodyPr wrap="square" rtlCol="0">
+            <a:spAutoFit/>
+          </a:bodyPr>
           <a:lstStyle/>
           <a:p>
-            <a:endParaRPr kumimoji="1" lang="ja-JP" altLang="en-US"/>
+            <a:r>
+              <a:rPr kumimoji="1" lang="en-US" altLang="ja-JP" sz="4800" dirty="0">
+                <a:latin typeface="TAユニバーサルライン_DSP_E" panose="02000600000000000000" pitchFamily="2" charset="-128"/>
+                <a:ea typeface="TAユニバーサルライン_DSP_E" panose="02000600000000000000" pitchFamily="2" charset="-128"/>
+              </a:rPr>
+              <a:t>CSMA</a:t>
+            </a:r>
+            <a:endParaRPr kumimoji="1" lang="ja-JP" altLang="en-US" sz="4800" dirty="0">
+              <a:latin typeface="TAユニバーサルライン_DSP_E" panose="02000600000000000000" pitchFamily="2" charset="-128"/>
+              <a:ea typeface="TAユニバーサルライン_DSP_E" panose="02000600000000000000" pitchFamily="2" charset="-128"/>
+            </a:endParaRPr>
           </a:p>
         </p:txBody>
       </p:sp>
+      <mc:AlternateContent xmlns:mc="http://schemas.openxmlformats.org/markup-compatibility/2006">
+        <mc:Choice xmlns:p14="http://schemas.microsoft.com/office/powerpoint/2010/main" Requires="p14">
+          <p:contentPart p14:bwMode="auto" r:id="rId2">
+            <p14:nvContentPartPr>
+              <p14:cNvPr id="5" name="インク 4">
+                <a:extLst>
+                  <a:ext uri="{FF2B5EF4-FFF2-40B4-BE49-F238E27FC236}">
+                    <a16:creationId xmlns:a16="http://schemas.microsoft.com/office/drawing/2014/main" id="{60FECEBE-7444-2FCA-49E2-CA744635B0E8}"/>
+                  </a:ext>
+                </a:extLst>
+              </p14:cNvPr>
+              <p14:cNvContentPartPr/>
+              <p14:nvPr/>
+            </p14:nvContentPartPr>
+            <p14:xfrm>
+              <a:off x="481563" y="914196"/>
+              <a:ext cx="2015640" cy="95400"/>
+            </p14:xfrm>
+          </p:contentPart>
+        </mc:Choice>
+        <mc:Fallback>
+          <p:pic>
+            <p:nvPicPr>
+              <p:cNvPr id="5" name="インク 4">
+                <a:extLst>
+                  <a:ext uri="{FF2B5EF4-FFF2-40B4-BE49-F238E27FC236}">
+                    <a16:creationId xmlns:a16="http://schemas.microsoft.com/office/drawing/2014/main" id="{60FECEBE-7444-2FCA-49E2-CA744635B0E8}"/>
+                  </a:ext>
+                </a:extLst>
+              </p:cNvPr>
+              <p:cNvPicPr/>
+              <p:nvPr/>
+            </p:nvPicPr>
+            <p:blipFill>
+              <a:blip r:embed="rId3"/>
+              <a:stretch>
+                <a:fillRect/>
+              </a:stretch>
+            </p:blipFill>
+            <p:spPr>
+              <a:xfrm>
+                <a:off x="409923" y="770196"/>
+                <a:ext cx="2159280" cy="383040"/>
+              </a:xfrm>
+              <a:prstGeom prst="rect">
+                <a:avLst/>
+              </a:prstGeom>
+            </p:spPr>
+          </p:pic>
+        </mc:Fallback>
+      </mc:AlternateContent>
+    </p:spTree>
+    <p:extLst>
+      <p:ext uri="{BB962C8B-B14F-4D97-AF65-F5344CB8AC3E}">
+        <p14:creationId xmlns:p14="http://schemas.microsoft.com/office/powerpoint/2010/main" val="1281690432"/>
+      </p:ext>
+    </p:extLst>
+  </p:cSld>
+  <p:clrMapOvr>
+    <a:masterClrMapping/>
+  </p:clrMapOvr>
+</p:sld>
+</file>
+
+<file path=ppt/slides/slide7.xml><?xml version="1.0" encoding="utf-8"?>
+<p:sld xmlns:a="http://schemas.openxmlformats.org/drawingml/2006/main" xmlns:r="http://schemas.openxmlformats.org/officeDocument/2006/relationships" xmlns:p="http://schemas.openxmlformats.org/presentationml/2006/main">
+  <p:cSld>
+    <p:spTree>
+      <p:nvGrpSpPr>
+        <p:cNvPr id="1" name=""/>
+        <p:cNvGrpSpPr/>
+        <p:nvPr/>
+      </p:nvGrpSpPr>
+      <p:grpSpPr>
+        <a:xfrm>
+          <a:off x="0" y="0"/>
+          <a:ext cx="0" cy="0"/>
+          <a:chOff x="0" y="0"/>
+          <a:chExt cx="0" cy="0"/>
+        </a:xfrm>
+      </p:grpSpPr>
+      <p:grpSp>
+        <p:nvGrpSpPr>
+          <p:cNvPr id="69" name="グループ化 68">
+            <a:extLst>
+              <a:ext uri="{FF2B5EF4-FFF2-40B4-BE49-F238E27FC236}">
+                <a16:creationId xmlns:a16="http://schemas.microsoft.com/office/drawing/2014/main" id="{A183A918-C81E-CA1E-1A74-A57C6789B912}"/>
+              </a:ext>
+            </a:extLst>
+          </p:cNvPr>
+          <p:cNvGrpSpPr/>
+          <p:nvPr/>
+        </p:nvGrpSpPr>
+        <p:grpSpPr>
+          <a:xfrm>
+            <a:off x="1097691" y="1377778"/>
+            <a:ext cx="9996617" cy="4609071"/>
+            <a:chOff x="2044298" y="1660276"/>
+            <a:chExt cx="7806353" cy="3332126"/>
+          </a:xfrm>
+        </p:grpSpPr>
+        <p:grpSp>
+          <p:nvGrpSpPr>
+            <p:cNvPr id="63" name="グループ化 62">
+              <a:extLst>
+                <a:ext uri="{FF2B5EF4-FFF2-40B4-BE49-F238E27FC236}">
+                  <a16:creationId xmlns:a16="http://schemas.microsoft.com/office/drawing/2014/main" id="{0ADD9884-5A66-F0A1-06F3-520DCFB3F9EE}"/>
+                </a:ext>
+              </a:extLst>
+            </p:cNvPr>
+            <p:cNvGrpSpPr/>
+            <p:nvPr/>
+          </p:nvGrpSpPr>
+          <p:grpSpPr>
+            <a:xfrm>
+              <a:off x="2044298" y="1660276"/>
+              <a:ext cx="7806353" cy="3332126"/>
+              <a:chOff x="2044298" y="1660276"/>
+              <a:chExt cx="7806353" cy="3332126"/>
+            </a:xfrm>
+          </p:grpSpPr>
+          <p:grpSp>
+            <p:nvGrpSpPr>
+              <p:cNvPr id="16" name="グループ化 15">
+                <a:extLst>
+                  <a:ext uri="{FF2B5EF4-FFF2-40B4-BE49-F238E27FC236}">
+                    <a16:creationId xmlns:a16="http://schemas.microsoft.com/office/drawing/2014/main" id="{E3E5CF1D-4DE8-CBEB-5CB2-B0D4DCE7EC0B}"/>
+                  </a:ext>
+                </a:extLst>
+              </p:cNvPr>
+              <p:cNvGrpSpPr/>
+              <p:nvPr/>
+            </p:nvGrpSpPr>
+            <p:grpSpPr>
+              <a:xfrm>
+                <a:off x="2157324" y="3276962"/>
+                <a:ext cx="962413" cy="922053"/>
+                <a:chOff x="105013" y="1668162"/>
+                <a:chExt cx="920579" cy="846437"/>
+              </a:xfrm>
+            </p:grpSpPr>
+            <p:sp>
+              <p:nvSpPr>
+                <p:cNvPr id="27" name="正方形/長方形 26">
+                  <a:extLst>
+                    <a:ext uri="{FF2B5EF4-FFF2-40B4-BE49-F238E27FC236}">
+                      <a16:creationId xmlns:a16="http://schemas.microsoft.com/office/drawing/2014/main" id="{F8AEE0E7-0EDF-F0CB-7271-E3AEC99E0EF6}"/>
+                    </a:ext>
+                  </a:extLst>
+                </p:cNvPr>
+                <p:cNvSpPr/>
+                <p:nvPr/>
+              </p:nvSpPr>
+              <p:spPr>
+                <a:xfrm>
+                  <a:off x="284205" y="1668162"/>
+                  <a:ext cx="741387" cy="444843"/>
+                </a:xfrm>
+                <a:prstGeom prst="rect">
+                  <a:avLst/>
+                </a:prstGeom>
+                <a:noFill/>
+                <a:ln w="28575">
+                  <a:solidFill>
+                    <a:srgbClr val="FF0000"/>
+                  </a:solidFill>
+                </a:ln>
+              </p:spPr>
+              <p:style>
+                <a:lnRef idx="2">
+                  <a:schemeClr val="accent1">
+                    <a:shade val="50000"/>
+                  </a:schemeClr>
+                </a:lnRef>
+                <a:fillRef idx="1">
+                  <a:schemeClr val="accent1"/>
+                </a:fillRef>
+                <a:effectRef idx="0">
+                  <a:schemeClr val="accent1"/>
+                </a:effectRef>
+                <a:fontRef idx="minor">
+                  <a:schemeClr val="lt1"/>
+                </a:fontRef>
+              </p:style>
+              <p:txBody>
+                <a:bodyPr rtlCol="0" anchor="ctr"/>
+                <a:lstStyle/>
+                <a:p>
+                  <a:pPr algn="ctr"/>
+                  <a:r>
+                    <a:rPr kumimoji="1" lang="en-US" altLang="ja-JP" sz="1600" b="1" dirty="0">
+                      <a:solidFill>
+                        <a:srgbClr val="FF0000"/>
+                      </a:solidFill>
+                    </a:rPr>
+                    <a:t>PC2</a:t>
+                  </a:r>
+                  <a:endParaRPr kumimoji="1" lang="ja-JP" altLang="en-US" sz="1600" b="1" dirty="0">
+                    <a:solidFill>
+                      <a:srgbClr val="FF0000"/>
+                    </a:solidFill>
+                  </a:endParaRPr>
+                </a:p>
+              </p:txBody>
+            </p:sp>
+            <p:sp>
+              <p:nvSpPr>
+                <p:cNvPr id="28" name="フローチャート: データ 27">
+                  <a:extLst>
+                    <a:ext uri="{FF2B5EF4-FFF2-40B4-BE49-F238E27FC236}">
+                      <a16:creationId xmlns:a16="http://schemas.microsoft.com/office/drawing/2014/main" id="{34EC8807-A5C9-7B4C-B988-64526C360A0F}"/>
+                    </a:ext>
+                  </a:extLst>
+                </p:cNvPr>
+                <p:cNvSpPr/>
+                <p:nvPr/>
+              </p:nvSpPr>
+              <p:spPr>
+                <a:xfrm>
+                  <a:off x="105013" y="2113005"/>
+                  <a:ext cx="920573" cy="401594"/>
+                </a:xfrm>
+                <a:prstGeom prst="flowChartInputOutput">
+                  <a:avLst/>
+                </a:prstGeom>
+                <a:noFill/>
+                <a:ln w="28575">
+                  <a:solidFill>
+                    <a:srgbClr val="FF0000"/>
+                  </a:solidFill>
+                </a:ln>
+              </p:spPr>
+              <p:style>
+                <a:lnRef idx="2">
+                  <a:schemeClr val="accent1">
+                    <a:shade val="50000"/>
+                  </a:schemeClr>
+                </a:lnRef>
+                <a:fillRef idx="1">
+                  <a:schemeClr val="accent1"/>
+                </a:fillRef>
+                <a:effectRef idx="0">
+                  <a:schemeClr val="accent1"/>
+                </a:effectRef>
+                <a:fontRef idx="minor">
+                  <a:schemeClr val="lt1"/>
+                </a:fontRef>
+              </p:style>
+              <p:txBody>
+                <a:bodyPr rtlCol="0" anchor="ctr"/>
+                <a:lstStyle/>
+                <a:p>
+                  <a:pPr algn="ctr"/>
+                  <a:endParaRPr kumimoji="1" lang="ja-JP" altLang="en-US"/>
+                </a:p>
+              </p:txBody>
+            </p:sp>
+          </p:grpSp>
+          <p:grpSp>
+            <p:nvGrpSpPr>
+              <p:cNvPr id="17" name="グループ化 16">
+                <a:extLst>
+                  <a:ext uri="{FF2B5EF4-FFF2-40B4-BE49-F238E27FC236}">
+                    <a16:creationId xmlns:a16="http://schemas.microsoft.com/office/drawing/2014/main" id="{7B9C08EE-B0C2-BA39-BBE7-57F7B7F09D93}"/>
+                  </a:ext>
+                </a:extLst>
+              </p:cNvPr>
+              <p:cNvGrpSpPr/>
+              <p:nvPr/>
+            </p:nvGrpSpPr>
+            <p:grpSpPr>
+              <a:xfrm>
+                <a:off x="2249695" y="1971104"/>
+                <a:ext cx="962407" cy="922053"/>
+                <a:chOff x="105013" y="1668162"/>
+                <a:chExt cx="920579" cy="846437"/>
+              </a:xfrm>
+            </p:grpSpPr>
+            <p:sp>
+              <p:nvSpPr>
+                <p:cNvPr id="25" name="正方形/長方形 24">
+                  <a:extLst>
+                    <a:ext uri="{FF2B5EF4-FFF2-40B4-BE49-F238E27FC236}">
+                      <a16:creationId xmlns:a16="http://schemas.microsoft.com/office/drawing/2014/main" id="{AF0E97C4-1B70-0430-2E56-FC2684BCA9DC}"/>
+                    </a:ext>
+                  </a:extLst>
+                </p:cNvPr>
+                <p:cNvSpPr/>
+                <p:nvPr/>
+              </p:nvSpPr>
+              <p:spPr>
+                <a:xfrm>
+                  <a:off x="284205" y="1668162"/>
+                  <a:ext cx="741387" cy="444843"/>
+                </a:xfrm>
+                <a:prstGeom prst="rect">
+                  <a:avLst/>
+                </a:prstGeom>
+                <a:noFill/>
+                <a:ln w="28575">
+                  <a:solidFill>
+                    <a:srgbClr val="0070C0"/>
+                  </a:solidFill>
+                </a:ln>
+              </p:spPr>
+              <p:style>
+                <a:lnRef idx="2">
+                  <a:schemeClr val="accent1">
+                    <a:shade val="50000"/>
+                  </a:schemeClr>
+                </a:lnRef>
+                <a:fillRef idx="1">
+                  <a:schemeClr val="accent1"/>
+                </a:fillRef>
+                <a:effectRef idx="0">
+                  <a:schemeClr val="accent1"/>
+                </a:effectRef>
+                <a:fontRef idx="minor">
+                  <a:schemeClr val="lt1"/>
+                </a:fontRef>
+              </p:style>
+              <p:txBody>
+                <a:bodyPr rtlCol="0" anchor="ctr"/>
+                <a:lstStyle/>
+                <a:p>
+                  <a:pPr algn="ctr"/>
+                  <a:r>
+                    <a:rPr kumimoji="1" lang="en-US" altLang="ja-JP" sz="1600" b="1" dirty="0">
+                      <a:solidFill>
+                        <a:srgbClr val="0070C0"/>
+                      </a:solidFill>
+                    </a:rPr>
+                    <a:t>PC1</a:t>
+                  </a:r>
+                  <a:endParaRPr kumimoji="1" lang="ja-JP" altLang="en-US" sz="1600" b="1" dirty="0">
+                    <a:solidFill>
+                      <a:srgbClr val="0070C0"/>
+                    </a:solidFill>
+                  </a:endParaRPr>
+                </a:p>
+              </p:txBody>
+            </p:sp>
+            <p:sp>
+              <p:nvSpPr>
+                <p:cNvPr id="26" name="フローチャート: データ 25">
+                  <a:extLst>
+                    <a:ext uri="{FF2B5EF4-FFF2-40B4-BE49-F238E27FC236}">
+                      <a16:creationId xmlns:a16="http://schemas.microsoft.com/office/drawing/2014/main" id="{B6C80ABB-ED4E-ED2E-DAAF-94C69312D945}"/>
+                    </a:ext>
+                  </a:extLst>
+                </p:cNvPr>
+                <p:cNvSpPr/>
+                <p:nvPr/>
+              </p:nvSpPr>
+              <p:spPr>
+                <a:xfrm>
+                  <a:off x="105013" y="2113005"/>
+                  <a:ext cx="920573" cy="401594"/>
+                </a:xfrm>
+                <a:prstGeom prst="flowChartInputOutput">
+                  <a:avLst/>
+                </a:prstGeom>
+                <a:noFill/>
+                <a:ln w="28575">
+                  <a:solidFill>
+                    <a:srgbClr val="0070C0"/>
+                  </a:solidFill>
+                </a:ln>
+              </p:spPr>
+              <p:style>
+                <a:lnRef idx="2">
+                  <a:schemeClr val="accent1">
+                    <a:shade val="50000"/>
+                  </a:schemeClr>
+                </a:lnRef>
+                <a:fillRef idx="1">
+                  <a:schemeClr val="accent1"/>
+                </a:fillRef>
+                <a:effectRef idx="0">
+                  <a:schemeClr val="accent1"/>
+                </a:effectRef>
+                <a:fontRef idx="minor">
+                  <a:schemeClr val="lt1"/>
+                </a:fontRef>
+              </p:style>
+              <p:txBody>
+                <a:bodyPr rtlCol="0" anchor="ctr"/>
+                <a:lstStyle/>
+                <a:p>
+                  <a:pPr algn="ctr"/>
+                  <a:endParaRPr kumimoji="1" lang="ja-JP" altLang="en-US" b="1"/>
+                </a:p>
+              </p:txBody>
+            </p:sp>
+          </p:grpSp>
+          <p:cxnSp>
+            <p:nvCxnSpPr>
+              <p:cNvPr id="18" name="直線コネクタ 17">
+                <a:extLst>
+                  <a:ext uri="{FF2B5EF4-FFF2-40B4-BE49-F238E27FC236}">
+                    <a16:creationId xmlns:a16="http://schemas.microsoft.com/office/drawing/2014/main" id="{7A5C1E21-EA87-F00D-0B8E-685FE1AD2DDB}"/>
+                  </a:ext>
+                </a:extLst>
+              </p:cNvPr>
+              <p:cNvCxnSpPr>
+                <a:cxnSpLocks/>
+              </p:cNvCxnSpPr>
+              <p:nvPr/>
+            </p:nvCxnSpPr>
+            <p:spPr>
+              <a:xfrm flipH="1">
+                <a:off x="3626369" y="1793339"/>
+                <a:ext cx="20789" cy="2656805"/>
+              </a:xfrm>
+              <a:prstGeom prst="line">
+                <a:avLst/>
+              </a:prstGeom>
+              <a:ln>
+                <a:prstDash val="dash"/>
+              </a:ln>
+            </p:spPr>
+            <p:style>
+              <a:lnRef idx="1">
+                <a:schemeClr val="accent1"/>
+              </a:lnRef>
+              <a:fillRef idx="0">
+                <a:schemeClr val="accent1"/>
+              </a:fillRef>
+              <a:effectRef idx="0">
+                <a:schemeClr val="accent1"/>
+              </a:effectRef>
+              <a:fontRef idx="minor">
+                <a:schemeClr val="tx1"/>
+              </a:fontRef>
+            </p:style>
+          </p:cxnSp>
+          <p:cxnSp>
+            <p:nvCxnSpPr>
+              <p:cNvPr id="19" name="直線矢印コネクタ 18">
+                <a:extLst>
+                  <a:ext uri="{FF2B5EF4-FFF2-40B4-BE49-F238E27FC236}">
+                    <a16:creationId xmlns:a16="http://schemas.microsoft.com/office/drawing/2014/main" id="{2649C1F5-7F54-08F9-58B7-634278A763C4}"/>
+                  </a:ext>
+                </a:extLst>
+              </p:cNvPr>
+              <p:cNvCxnSpPr>
+                <a:cxnSpLocks/>
+              </p:cNvCxnSpPr>
+              <p:nvPr/>
+            </p:nvCxnSpPr>
+            <p:spPr>
+              <a:xfrm>
+                <a:off x="2044298" y="3070839"/>
+                <a:ext cx="7806353" cy="2566"/>
+              </a:xfrm>
+              <a:prstGeom prst="straightConnector1">
+                <a:avLst/>
+              </a:prstGeom>
+              <a:ln>
+                <a:prstDash val="lgDash"/>
+                <a:tailEnd type="triangle"/>
+              </a:ln>
+            </p:spPr>
+            <p:style>
+              <a:lnRef idx="1">
+                <a:schemeClr val="accent1"/>
+              </a:lnRef>
+              <a:fillRef idx="0">
+                <a:schemeClr val="accent1"/>
+              </a:fillRef>
+              <a:effectRef idx="0">
+                <a:schemeClr val="accent1"/>
+              </a:effectRef>
+              <a:fontRef idx="minor">
+                <a:schemeClr val="tx1"/>
+              </a:fontRef>
+            </p:style>
+          </p:cxnSp>
+          <p:cxnSp>
+            <p:nvCxnSpPr>
+              <p:cNvPr id="20" name="直線矢印コネクタ 19">
+                <a:extLst>
+                  <a:ext uri="{FF2B5EF4-FFF2-40B4-BE49-F238E27FC236}">
+                    <a16:creationId xmlns:a16="http://schemas.microsoft.com/office/drawing/2014/main" id="{A0B4D4EA-5C18-A5A7-0C82-2169E2CFB6AD}"/>
+                  </a:ext>
+                </a:extLst>
+              </p:cNvPr>
+              <p:cNvCxnSpPr>
+                <a:cxnSpLocks/>
+              </p:cNvCxnSpPr>
+              <p:nvPr/>
+            </p:nvCxnSpPr>
+            <p:spPr>
+              <a:xfrm>
+                <a:off x="2044298" y="4450144"/>
+                <a:ext cx="7806353" cy="0"/>
+              </a:xfrm>
+              <a:prstGeom prst="straightConnector1">
+                <a:avLst/>
+              </a:prstGeom>
+              <a:ln>
+                <a:prstDash val="lgDash"/>
+                <a:tailEnd type="triangle"/>
+              </a:ln>
+            </p:spPr>
+            <p:style>
+              <a:lnRef idx="1">
+                <a:schemeClr val="accent1"/>
+              </a:lnRef>
+              <a:fillRef idx="0">
+                <a:schemeClr val="accent1"/>
+              </a:fillRef>
+              <a:effectRef idx="0">
+                <a:schemeClr val="accent1"/>
+              </a:effectRef>
+              <a:fontRef idx="minor">
+                <a:schemeClr val="tx1"/>
+              </a:fontRef>
+            </p:style>
+          </p:cxnSp>
+          <p:cxnSp>
+            <p:nvCxnSpPr>
+              <p:cNvPr id="22" name="直線コネクタ 21">
+                <a:extLst>
+                  <a:ext uri="{FF2B5EF4-FFF2-40B4-BE49-F238E27FC236}">
+                    <a16:creationId xmlns:a16="http://schemas.microsoft.com/office/drawing/2014/main" id="{9896D659-79A4-F0D8-2919-F5F6197C82AD}"/>
+                  </a:ext>
+                </a:extLst>
+              </p:cNvPr>
+              <p:cNvCxnSpPr>
+                <a:cxnSpLocks/>
+              </p:cNvCxnSpPr>
+              <p:nvPr/>
+            </p:nvCxnSpPr>
+            <p:spPr>
+              <a:xfrm flipH="1">
+                <a:off x="5552724" y="1793339"/>
+                <a:ext cx="4298" cy="2656805"/>
+              </a:xfrm>
+              <a:prstGeom prst="line">
+                <a:avLst/>
+              </a:prstGeom>
+              <a:ln>
+                <a:prstDash val="dash"/>
+              </a:ln>
+            </p:spPr>
+            <p:style>
+              <a:lnRef idx="1">
+                <a:schemeClr val="accent1"/>
+              </a:lnRef>
+              <a:fillRef idx="0">
+                <a:schemeClr val="accent1"/>
+              </a:fillRef>
+              <a:effectRef idx="0">
+                <a:schemeClr val="accent1"/>
+              </a:effectRef>
+              <a:fontRef idx="minor">
+                <a:schemeClr val="tx1"/>
+              </a:fontRef>
+            </p:style>
+          </p:cxnSp>
+          <p:cxnSp>
+            <p:nvCxnSpPr>
+              <p:cNvPr id="23" name="直線コネクタ 22">
+                <a:extLst>
+                  <a:ext uri="{FF2B5EF4-FFF2-40B4-BE49-F238E27FC236}">
+                    <a16:creationId xmlns:a16="http://schemas.microsoft.com/office/drawing/2014/main" id="{54771A64-20B9-9EA7-90D3-0750E9A4A96D}"/>
+                  </a:ext>
+                </a:extLst>
+              </p:cNvPr>
+              <p:cNvCxnSpPr>
+                <a:cxnSpLocks/>
+              </p:cNvCxnSpPr>
+              <p:nvPr/>
+            </p:nvCxnSpPr>
+            <p:spPr>
+              <a:xfrm>
+                <a:off x="7481869" y="1793339"/>
+                <a:ext cx="37942" cy="2656805"/>
+              </a:xfrm>
+              <a:prstGeom prst="line">
+                <a:avLst/>
+              </a:prstGeom>
+              <a:ln>
+                <a:prstDash val="dash"/>
+              </a:ln>
+            </p:spPr>
+            <p:style>
+              <a:lnRef idx="1">
+                <a:schemeClr val="accent1"/>
+              </a:lnRef>
+              <a:fillRef idx="0">
+                <a:schemeClr val="accent1"/>
+              </a:fillRef>
+              <a:effectRef idx="0">
+                <a:schemeClr val="accent1"/>
+              </a:effectRef>
+              <a:fontRef idx="minor">
+                <a:schemeClr val="tx1"/>
+              </a:fontRef>
+            </p:style>
+          </p:cxnSp>
+          <p:cxnSp>
+            <p:nvCxnSpPr>
+              <p:cNvPr id="24" name="直線コネクタ 23">
+                <a:extLst>
+                  <a:ext uri="{FF2B5EF4-FFF2-40B4-BE49-F238E27FC236}">
+                    <a16:creationId xmlns:a16="http://schemas.microsoft.com/office/drawing/2014/main" id="{7AE70ED7-E399-7294-1C64-2B043C4E9FF4}"/>
+                  </a:ext>
+                </a:extLst>
+              </p:cNvPr>
+              <p:cNvCxnSpPr>
+                <a:cxnSpLocks/>
+              </p:cNvCxnSpPr>
+              <p:nvPr/>
+            </p:nvCxnSpPr>
+            <p:spPr>
+              <a:xfrm>
+                <a:off x="9410394" y="1793339"/>
+                <a:ext cx="0" cy="2656805"/>
+              </a:xfrm>
+              <a:prstGeom prst="line">
+                <a:avLst/>
+              </a:prstGeom>
+              <a:ln>
+                <a:prstDash val="dash"/>
+              </a:ln>
+            </p:spPr>
+            <p:style>
+              <a:lnRef idx="1">
+                <a:schemeClr val="accent1"/>
+              </a:lnRef>
+              <a:fillRef idx="0">
+                <a:schemeClr val="accent1"/>
+              </a:fillRef>
+              <a:effectRef idx="0">
+                <a:schemeClr val="accent1"/>
+              </a:effectRef>
+              <a:fontRef idx="minor">
+                <a:schemeClr val="tx1"/>
+              </a:fontRef>
+            </p:style>
+          </p:cxnSp>
+          <p:sp>
+            <p:nvSpPr>
+              <p:cNvPr id="6" name="四角形: 角を丸くする 5">
+                <a:extLst>
+                  <a:ext uri="{FF2B5EF4-FFF2-40B4-BE49-F238E27FC236}">
+                    <a16:creationId xmlns:a16="http://schemas.microsoft.com/office/drawing/2014/main" id="{06254F3B-2AB0-10C9-76A9-CECE77CA4289}"/>
+                  </a:ext>
+                </a:extLst>
+              </p:cNvPr>
+              <p:cNvSpPr/>
+              <p:nvPr/>
+            </p:nvSpPr>
+            <p:spPr>
+              <a:xfrm>
+                <a:off x="5163636" y="3606927"/>
+                <a:ext cx="1890583" cy="373353"/>
+              </a:xfrm>
+              <a:prstGeom prst="roundRect">
+                <a:avLst/>
+              </a:prstGeom>
+              <a:solidFill>
+                <a:schemeClr val="bg1"/>
+              </a:solidFill>
+              <a:ln w="38100">
+                <a:solidFill>
+                  <a:srgbClr val="FF0000"/>
+                </a:solidFill>
+              </a:ln>
+            </p:spPr>
+            <p:style>
+              <a:lnRef idx="2">
+                <a:schemeClr val="accent1">
+                  <a:shade val="50000"/>
+                </a:schemeClr>
+              </a:lnRef>
+              <a:fillRef idx="1">
+                <a:schemeClr val="accent1"/>
+              </a:fillRef>
+              <a:effectRef idx="0">
+                <a:schemeClr val="accent1"/>
+              </a:effectRef>
+              <a:fontRef idx="minor">
+                <a:schemeClr val="lt1"/>
+              </a:fontRef>
+            </p:style>
+            <p:txBody>
+              <a:bodyPr rtlCol="0" anchor="ctr"/>
+              <a:lstStyle/>
+              <a:p>
+                <a:pPr algn="ctr"/>
+                <a:r>
+                  <a:rPr kumimoji="1" lang="en-US" altLang="ja-JP" b="1" dirty="0">
+                    <a:solidFill>
+                      <a:srgbClr val="FF0000"/>
+                    </a:solidFill>
+                  </a:rPr>
+                  <a:t>Data 2.1</a:t>
+                </a:r>
+                <a:endParaRPr kumimoji="1" lang="ja-JP" altLang="en-US" b="1" dirty="0">
+                  <a:solidFill>
+                    <a:srgbClr val="FF0000"/>
+                  </a:solidFill>
+                </a:endParaRPr>
+              </a:p>
+            </p:txBody>
+          </p:sp>
+          <p:sp>
+            <p:nvSpPr>
+              <p:cNvPr id="7" name="四角形: 角を丸くする 6">
+                <a:extLst>
+                  <a:ext uri="{FF2B5EF4-FFF2-40B4-BE49-F238E27FC236}">
+                    <a16:creationId xmlns:a16="http://schemas.microsoft.com/office/drawing/2014/main" id="{E5F7DA71-92FC-30C8-853A-630EE31B01AE}"/>
+                  </a:ext>
+                </a:extLst>
+              </p:cNvPr>
+              <p:cNvSpPr/>
+              <p:nvPr/>
+            </p:nvSpPr>
+            <p:spPr>
+              <a:xfrm>
+                <a:off x="4174580" y="2251276"/>
+                <a:ext cx="1890583" cy="373353"/>
+              </a:xfrm>
+              <a:prstGeom prst="roundRect">
+                <a:avLst/>
+              </a:prstGeom>
+              <a:solidFill>
+                <a:schemeClr val="bg1"/>
+              </a:solidFill>
+              <a:ln w="38100">
+                <a:solidFill>
+                  <a:schemeClr val="accent1"/>
+                </a:solidFill>
+              </a:ln>
+            </p:spPr>
+            <p:style>
+              <a:lnRef idx="2">
+                <a:schemeClr val="accent1">
+                  <a:shade val="50000"/>
+                </a:schemeClr>
+              </a:lnRef>
+              <a:fillRef idx="1">
+                <a:schemeClr val="accent1"/>
+              </a:fillRef>
+              <a:effectRef idx="0">
+                <a:schemeClr val="accent1"/>
+              </a:effectRef>
+              <a:fontRef idx="minor">
+                <a:schemeClr val="lt1"/>
+              </a:fontRef>
+            </p:style>
+            <p:txBody>
+              <a:bodyPr rtlCol="0" anchor="ctr"/>
+              <a:lstStyle/>
+              <a:p>
+                <a:pPr algn="ctr"/>
+                <a:r>
+                  <a:rPr kumimoji="1" lang="en-US" altLang="ja-JP" b="1" dirty="0">
+                    <a:solidFill>
+                      <a:srgbClr val="0070C0"/>
+                    </a:solidFill>
+                  </a:rPr>
+                  <a:t>Data 1.1</a:t>
+                </a:r>
+                <a:endParaRPr kumimoji="1" lang="ja-JP" altLang="en-US" b="1" dirty="0">
+                  <a:solidFill>
+                    <a:srgbClr val="0070C0"/>
+                  </a:solidFill>
+                </a:endParaRPr>
+              </a:p>
+            </p:txBody>
+          </p:sp>
+          <p:sp>
+            <p:nvSpPr>
+              <p:cNvPr id="32" name="四角形: 角を丸くする 31">
+                <a:extLst>
+                  <a:ext uri="{FF2B5EF4-FFF2-40B4-BE49-F238E27FC236}">
+                    <a16:creationId xmlns:a16="http://schemas.microsoft.com/office/drawing/2014/main" id="{D02FB630-972F-C12F-5C8B-CE62F5C9230C}"/>
+                  </a:ext>
+                </a:extLst>
+              </p:cNvPr>
+              <p:cNvSpPr/>
+              <p:nvPr/>
+            </p:nvSpPr>
+            <p:spPr>
+              <a:xfrm>
+                <a:off x="4380496" y="2255143"/>
+                <a:ext cx="1890583" cy="373353"/>
+              </a:xfrm>
+              <a:prstGeom prst="roundRect">
+                <a:avLst/>
+              </a:prstGeom>
+              <a:solidFill>
+                <a:schemeClr val="bg1"/>
+              </a:solidFill>
+              <a:ln w="38100">
+                <a:solidFill>
+                  <a:schemeClr val="tx1"/>
+                </a:solidFill>
+              </a:ln>
+            </p:spPr>
+            <p:style>
+              <a:lnRef idx="2">
+                <a:schemeClr val="accent1">
+                  <a:shade val="50000"/>
+                </a:schemeClr>
+              </a:lnRef>
+              <a:fillRef idx="1">
+                <a:schemeClr val="accent1"/>
+              </a:fillRef>
+              <a:effectRef idx="0">
+                <a:schemeClr val="accent1"/>
+              </a:effectRef>
+              <a:fontRef idx="minor">
+                <a:schemeClr val="lt1"/>
+              </a:fontRef>
+            </p:style>
+            <p:txBody>
+              <a:bodyPr rtlCol="0" anchor="ctr"/>
+              <a:lstStyle/>
+              <a:p>
+                <a:pPr algn="ctr"/>
+                <a:r>
+                  <a:rPr kumimoji="1" lang="en-US" altLang="ja-JP" b="1" dirty="0">
+                    <a:solidFill>
+                      <a:srgbClr val="0070C0"/>
+                    </a:solidFill>
+                  </a:rPr>
+                  <a:t>Data 1.1</a:t>
+                </a:r>
+                <a:endParaRPr kumimoji="1" lang="ja-JP" altLang="en-US" b="1" dirty="0">
+                  <a:solidFill>
+                    <a:srgbClr val="0070C0"/>
+                  </a:solidFill>
+                </a:endParaRPr>
+              </a:p>
+            </p:txBody>
+          </p:sp>
+          <p:sp>
+            <p:nvSpPr>
+              <p:cNvPr id="33" name="四角形: 角を丸くする 32">
+                <a:extLst>
+                  <a:ext uri="{FF2B5EF4-FFF2-40B4-BE49-F238E27FC236}">
+                    <a16:creationId xmlns:a16="http://schemas.microsoft.com/office/drawing/2014/main" id="{E5E6D4AB-3BBB-9564-1E20-6ADB58C2A9A2}"/>
+                  </a:ext>
+                </a:extLst>
+              </p:cNvPr>
+              <p:cNvSpPr/>
+              <p:nvPr/>
+            </p:nvSpPr>
+            <p:spPr>
+              <a:xfrm>
+                <a:off x="5346438" y="3606926"/>
+                <a:ext cx="1890583" cy="373353"/>
+              </a:xfrm>
+              <a:prstGeom prst="roundRect">
+                <a:avLst/>
+              </a:prstGeom>
+              <a:solidFill>
+                <a:schemeClr val="bg1"/>
+              </a:solidFill>
+              <a:ln w="38100">
+                <a:solidFill>
+                  <a:schemeClr val="tx1"/>
+                </a:solidFill>
+              </a:ln>
+            </p:spPr>
+            <p:style>
+              <a:lnRef idx="2">
+                <a:schemeClr val="accent1">
+                  <a:shade val="50000"/>
+                </a:schemeClr>
+              </a:lnRef>
+              <a:fillRef idx="1">
+                <a:schemeClr val="accent1"/>
+              </a:fillRef>
+              <a:effectRef idx="0">
+                <a:schemeClr val="accent1"/>
+              </a:effectRef>
+              <a:fontRef idx="minor">
+                <a:schemeClr val="lt1"/>
+              </a:fontRef>
+            </p:style>
+            <p:txBody>
+              <a:bodyPr rtlCol="0" anchor="ctr"/>
+              <a:lstStyle/>
+              <a:p>
+                <a:pPr algn="ctr"/>
+                <a:r>
+                  <a:rPr kumimoji="1" lang="en-US" altLang="ja-JP" b="1" dirty="0">
+                    <a:solidFill>
+                      <a:srgbClr val="FF0000"/>
+                    </a:solidFill>
+                  </a:rPr>
+                  <a:t>Data 2.1</a:t>
+                </a:r>
+                <a:endParaRPr kumimoji="1" lang="ja-JP" altLang="en-US" b="1" dirty="0">
+                  <a:solidFill>
+                    <a:srgbClr val="FF0000"/>
+                  </a:solidFill>
+                </a:endParaRPr>
+              </a:p>
+            </p:txBody>
+          </p:sp>
+          <p:cxnSp>
+            <p:nvCxnSpPr>
+              <p:cNvPr id="36" name="直線矢印コネクタ 35">
+                <a:extLst>
+                  <a:ext uri="{FF2B5EF4-FFF2-40B4-BE49-F238E27FC236}">
+                    <a16:creationId xmlns:a16="http://schemas.microsoft.com/office/drawing/2014/main" id="{9FECF8BE-F174-E1CE-9867-9AF602E48AA5}"/>
+                  </a:ext>
+                </a:extLst>
+              </p:cNvPr>
+              <p:cNvCxnSpPr>
+                <a:cxnSpLocks/>
+              </p:cNvCxnSpPr>
+              <p:nvPr/>
+            </p:nvCxnSpPr>
+            <p:spPr>
+              <a:xfrm flipH="1" flipV="1">
+                <a:off x="4340426" y="2678512"/>
+                <a:ext cx="26457" cy="1922100"/>
+              </a:xfrm>
+              <a:prstGeom prst="straightConnector1">
+                <a:avLst/>
+              </a:prstGeom>
+              <a:ln>
+                <a:solidFill>
+                  <a:schemeClr val="tx1"/>
+                </a:solidFill>
+                <a:tailEnd type="triangle"/>
+              </a:ln>
+            </p:spPr>
+            <p:style>
+              <a:lnRef idx="1">
+                <a:schemeClr val="accent1"/>
+              </a:lnRef>
+              <a:fillRef idx="0">
+                <a:schemeClr val="accent1"/>
+              </a:fillRef>
+              <a:effectRef idx="0">
+                <a:schemeClr val="accent1"/>
+              </a:effectRef>
+              <a:fontRef idx="minor">
+                <a:schemeClr val="tx1"/>
+              </a:fontRef>
+            </p:style>
+          </p:cxnSp>
+          <p:sp>
+            <p:nvSpPr>
+              <p:cNvPr id="44" name="テキスト ボックス 43">
+                <a:extLst>
+                  <a:ext uri="{FF2B5EF4-FFF2-40B4-BE49-F238E27FC236}">
+                    <a16:creationId xmlns:a16="http://schemas.microsoft.com/office/drawing/2014/main" id="{26B784C6-2698-4590-B2D9-AABD2484457A}"/>
+                  </a:ext>
+                </a:extLst>
+              </p:cNvPr>
+              <p:cNvSpPr txBox="1"/>
+              <p:nvPr/>
+            </p:nvSpPr>
+            <p:spPr>
+              <a:xfrm>
+                <a:off x="3667043" y="4623070"/>
+                <a:ext cx="1855716" cy="369332"/>
+              </a:xfrm>
+              <a:prstGeom prst="rect">
+                <a:avLst/>
+              </a:prstGeom>
+              <a:noFill/>
+            </p:spPr>
+            <p:txBody>
+              <a:bodyPr wrap="square" rtlCol="0">
+                <a:spAutoFit/>
+              </a:bodyPr>
+              <a:lstStyle/>
+              <a:p>
+                <a:pPr algn="ctr"/>
+                <a:r>
+                  <a:rPr kumimoji="1" lang="en-US" altLang="ja-JP" dirty="0">
+                    <a:latin typeface="Arial" panose="020B0604020202020204" pitchFamily="34" charset="0"/>
+                    <a:cs typeface="Arial" panose="020B0604020202020204" pitchFamily="34" charset="0"/>
+                  </a:rPr>
+                  <a:t>Carrier sense</a:t>
+                </a:r>
+                <a:endParaRPr kumimoji="1" lang="ja-JP" altLang="en-US" dirty="0">
+                  <a:latin typeface="Arial" panose="020B0604020202020204" pitchFamily="34" charset="0"/>
+                  <a:cs typeface="Arial" panose="020B0604020202020204" pitchFamily="34" charset="0"/>
+                </a:endParaRPr>
+              </a:p>
+            </p:txBody>
+          </p:sp>
+          <p:cxnSp>
+            <p:nvCxnSpPr>
+              <p:cNvPr id="45" name="直線矢印コネクタ 44">
+                <a:extLst>
+                  <a:ext uri="{FF2B5EF4-FFF2-40B4-BE49-F238E27FC236}">
+                    <a16:creationId xmlns:a16="http://schemas.microsoft.com/office/drawing/2014/main" id="{F7D89BF3-98E5-37BA-45AE-25B549F57BB1}"/>
+                  </a:ext>
+                </a:extLst>
+              </p:cNvPr>
+              <p:cNvCxnSpPr>
+                <a:cxnSpLocks/>
+                <a:stCxn id="44" idx="0"/>
+                <a:endCxn id="6" idx="1"/>
+              </p:cNvCxnSpPr>
+              <p:nvPr/>
+            </p:nvCxnSpPr>
+            <p:spPr>
+              <a:xfrm flipV="1">
+                <a:off x="4594901" y="3793604"/>
+                <a:ext cx="568735" cy="829466"/>
+              </a:xfrm>
+              <a:prstGeom prst="straightConnector1">
+                <a:avLst/>
+              </a:prstGeom>
+              <a:ln>
+                <a:solidFill>
+                  <a:schemeClr val="tx1"/>
+                </a:solidFill>
+                <a:tailEnd type="triangle"/>
+              </a:ln>
+            </p:spPr>
+            <p:style>
+              <a:lnRef idx="1">
+                <a:schemeClr val="accent1"/>
+              </a:lnRef>
+              <a:fillRef idx="0">
+                <a:schemeClr val="accent1"/>
+              </a:fillRef>
+              <a:effectRef idx="0">
+                <a:schemeClr val="accent1"/>
+              </a:effectRef>
+              <a:fontRef idx="minor">
+                <a:schemeClr val="tx1"/>
+              </a:fontRef>
+            </p:style>
+          </p:cxnSp>
+          <p:sp>
+            <p:nvSpPr>
+              <p:cNvPr id="55" name="テキスト ボックス 54">
+                <a:extLst>
+                  <a:ext uri="{FF2B5EF4-FFF2-40B4-BE49-F238E27FC236}">
+                    <a16:creationId xmlns:a16="http://schemas.microsoft.com/office/drawing/2014/main" id="{10AE89D5-6A4B-4E7C-2101-9EBB4EE0CC42}"/>
+                  </a:ext>
+                </a:extLst>
+              </p:cNvPr>
+              <p:cNvSpPr txBox="1"/>
+              <p:nvPr/>
+            </p:nvSpPr>
+            <p:spPr>
+              <a:xfrm>
+                <a:off x="4196890" y="1660276"/>
+                <a:ext cx="1646421" cy="646331"/>
+              </a:xfrm>
+              <a:prstGeom prst="rect">
+                <a:avLst/>
+              </a:prstGeom>
+              <a:noFill/>
+            </p:spPr>
+            <p:txBody>
+              <a:bodyPr wrap="square" rtlCol="0">
+                <a:spAutoFit/>
+              </a:bodyPr>
+              <a:lstStyle/>
+              <a:p>
+                <a:r>
+                  <a:rPr kumimoji="1" lang="en-US" altLang="ja-JP" dirty="0">
+                    <a:latin typeface="Arial" panose="020B0604020202020204" pitchFamily="34" charset="0"/>
+                    <a:cs typeface="Arial" panose="020B0604020202020204" pitchFamily="34" charset="0"/>
+                  </a:rPr>
+                  <a:t>Successful</a:t>
+                </a:r>
+              </a:p>
+              <a:p>
+                <a:r>
+                  <a:rPr lang="en-US" altLang="ja-JP" dirty="0">
+                    <a:latin typeface="Arial" panose="020B0604020202020204" pitchFamily="34" charset="0"/>
+                    <a:cs typeface="Arial" panose="020B0604020202020204" pitchFamily="34" charset="0"/>
+                  </a:rPr>
+                  <a:t>transmission</a:t>
+                </a:r>
+                <a:endParaRPr kumimoji="1" lang="ja-JP" altLang="en-US" dirty="0">
+                  <a:latin typeface="Arial" panose="020B0604020202020204" pitchFamily="34" charset="0"/>
+                  <a:cs typeface="Arial" panose="020B0604020202020204" pitchFamily="34" charset="0"/>
+                </a:endParaRPr>
+              </a:p>
+            </p:txBody>
+          </p:sp>
+        </p:grpSp>
+        <p:sp>
+          <p:nvSpPr>
+            <p:cNvPr id="65" name="四角形: 角を丸くする 64">
+              <a:extLst>
+                <a:ext uri="{FF2B5EF4-FFF2-40B4-BE49-F238E27FC236}">
+                  <a16:creationId xmlns:a16="http://schemas.microsoft.com/office/drawing/2014/main" id="{FDB8DBC3-D941-11B5-3623-F5952C2976B7}"/>
+                </a:ext>
+              </a:extLst>
+            </p:cNvPr>
+            <p:cNvSpPr/>
+            <p:nvPr/>
+          </p:nvSpPr>
+          <p:spPr>
+            <a:xfrm>
+              <a:off x="7525633" y="3619042"/>
+              <a:ext cx="1890583" cy="373353"/>
+            </a:xfrm>
+            <a:prstGeom prst="roundRect">
+              <a:avLst/>
+            </a:prstGeom>
+            <a:solidFill>
+              <a:schemeClr val="bg1"/>
+            </a:solidFill>
+            <a:ln w="38100">
+              <a:solidFill>
+                <a:schemeClr val="accent1"/>
+              </a:solidFill>
+            </a:ln>
+          </p:spPr>
+          <p:style>
+            <a:lnRef idx="2">
+              <a:schemeClr val="accent1">
+                <a:shade val="50000"/>
+              </a:schemeClr>
+            </a:lnRef>
+            <a:fillRef idx="1">
+              <a:schemeClr val="accent1"/>
+            </a:fillRef>
+            <a:effectRef idx="0">
+              <a:schemeClr val="accent1"/>
+            </a:effectRef>
+            <a:fontRef idx="minor">
+              <a:schemeClr val="lt1"/>
+            </a:fontRef>
+          </p:style>
+          <p:txBody>
+            <a:bodyPr rtlCol="0" anchor="ctr"/>
+            <a:lstStyle/>
+            <a:p>
+              <a:pPr algn="ctr"/>
+              <a:r>
+                <a:rPr kumimoji="1" lang="en-US" altLang="ja-JP" b="1" dirty="0">
+                  <a:solidFill>
+                    <a:srgbClr val="0070C0"/>
+                  </a:solidFill>
+                </a:rPr>
+                <a:t>Data 1.1</a:t>
+              </a:r>
+              <a:endParaRPr kumimoji="1" lang="ja-JP" altLang="en-US" b="1" dirty="0">
+                <a:solidFill>
+                  <a:srgbClr val="0070C0"/>
+                </a:solidFill>
+              </a:endParaRPr>
+            </a:p>
+          </p:txBody>
+        </p:sp>
+        <p:sp>
+          <p:nvSpPr>
+            <p:cNvPr id="64" name="四角形: 角を丸くする 63">
+              <a:extLst>
+                <a:ext uri="{FF2B5EF4-FFF2-40B4-BE49-F238E27FC236}">
+                  <a16:creationId xmlns:a16="http://schemas.microsoft.com/office/drawing/2014/main" id="{69CC3DE5-F105-2BEC-3110-DF587137D104}"/>
+                </a:ext>
+              </a:extLst>
+            </p:cNvPr>
+            <p:cNvSpPr/>
+            <p:nvPr/>
+          </p:nvSpPr>
+          <p:spPr>
+            <a:xfrm>
+              <a:off x="7708435" y="3619042"/>
+              <a:ext cx="1890583" cy="373353"/>
+            </a:xfrm>
+            <a:prstGeom prst="roundRect">
+              <a:avLst/>
+            </a:prstGeom>
+            <a:solidFill>
+              <a:schemeClr val="bg1"/>
+            </a:solidFill>
+            <a:ln w="38100">
+              <a:solidFill>
+                <a:schemeClr val="tx1"/>
+              </a:solidFill>
+            </a:ln>
+          </p:spPr>
+          <p:style>
+            <a:lnRef idx="2">
+              <a:schemeClr val="accent1">
+                <a:shade val="50000"/>
+              </a:schemeClr>
+            </a:lnRef>
+            <a:fillRef idx="1">
+              <a:schemeClr val="accent1"/>
+            </a:fillRef>
+            <a:effectRef idx="0">
+              <a:schemeClr val="accent1"/>
+            </a:effectRef>
+            <a:fontRef idx="minor">
+              <a:schemeClr val="lt1"/>
+            </a:fontRef>
+          </p:style>
+          <p:txBody>
+            <a:bodyPr rtlCol="0" anchor="ctr"/>
+            <a:lstStyle/>
+            <a:p>
+              <a:pPr algn="ctr"/>
+              <a:r>
+                <a:rPr kumimoji="1" lang="en-US" altLang="ja-JP" b="1" dirty="0">
+                  <a:solidFill>
+                    <a:srgbClr val="FF0000"/>
+                  </a:solidFill>
+                </a:rPr>
+                <a:t>Data 2.1</a:t>
+              </a:r>
+              <a:endParaRPr kumimoji="1" lang="ja-JP" altLang="en-US" b="1" dirty="0">
+                <a:solidFill>
+                  <a:srgbClr val="FF0000"/>
+                </a:solidFill>
+              </a:endParaRPr>
+            </a:p>
+          </p:txBody>
+        </p:sp>
+        <p:sp>
+          <p:nvSpPr>
+            <p:cNvPr id="67" name="テキスト ボックス 66">
+              <a:extLst>
+                <a:ext uri="{FF2B5EF4-FFF2-40B4-BE49-F238E27FC236}">
+                  <a16:creationId xmlns:a16="http://schemas.microsoft.com/office/drawing/2014/main" id="{2F80CFFE-77CE-4BA1-BF06-2F8CCCF7B07C}"/>
+                </a:ext>
+              </a:extLst>
+            </p:cNvPr>
+            <p:cNvSpPr txBox="1"/>
+            <p:nvPr/>
+          </p:nvSpPr>
+          <p:spPr>
+            <a:xfrm>
+              <a:off x="7830516" y="3067002"/>
+              <a:ext cx="1646421" cy="646331"/>
+            </a:xfrm>
+            <a:prstGeom prst="rect">
+              <a:avLst/>
+            </a:prstGeom>
+            <a:noFill/>
+          </p:spPr>
+          <p:txBody>
+            <a:bodyPr wrap="square" rtlCol="0">
+              <a:spAutoFit/>
+            </a:bodyPr>
+            <a:lstStyle/>
+            <a:p>
+              <a:r>
+                <a:rPr kumimoji="1" lang="en-US" altLang="ja-JP" dirty="0">
+                  <a:latin typeface="Arial" panose="020B0604020202020204" pitchFamily="34" charset="0"/>
+                  <a:cs typeface="Arial" panose="020B0604020202020204" pitchFamily="34" charset="0"/>
+                </a:rPr>
+                <a:t>Successful</a:t>
+              </a:r>
+            </a:p>
+            <a:p>
+              <a:r>
+                <a:rPr lang="en-US" altLang="ja-JP" dirty="0">
+                  <a:latin typeface="Arial" panose="020B0604020202020204" pitchFamily="34" charset="0"/>
+                  <a:cs typeface="Arial" panose="020B0604020202020204" pitchFamily="34" charset="0"/>
+                </a:rPr>
+                <a:t>transmission</a:t>
+              </a:r>
+              <a:endParaRPr kumimoji="1" lang="ja-JP" altLang="en-US" dirty="0">
+                <a:latin typeface="Arial" panose="020B0604020202020204" pitchFamily="34" charset="0"/>
+                <a:cs typeface="Arial" panose="020B0604020202020204" pitchFamily="34" charset="0"/>
+              </a:endParaRPr>
+            </a:p>
+          </p:txBody>
+        </p:sp>
+        <p:sp>
+          <p:nvSpPr>
+            <p:cNvPr id="68" name="テキスト ボックス 67">
+              <a:extLst>
+                <a:ext uri="{FF2B5EF4-FFF2-40B4-BE49-F238E27FC236}">
+                  <a16:creationId xmlns:a16="http://schemas.microsoft.com/office/drawing/2014/main" id="{6C85AD73-04F4-3548-05D7-CC1DEE8CF75D}"/>
+                </a:ext>
+              </a:extLst>
+            </p:cNvPr>
+            <p:cNvSpPr txBox="1"/>
+            <p:nvPr/>
+          </p:nvSpPr>
+          <p:spPr>
+            <a:xfrm>
+              <a:off x="5285716" y="3246330"/>
+              <a:ext cx="1646421" cy="369332"/>
+            </a:xfrm>
+            <a:prstGeom prst="rect">
+              <a:avLst/>
+            </a:prstGeom>
+            <a:noFill/>
+          </p:spPr>
+          <p:txBody>
+            <a:bodyPr wrap="square" rtlCol="0">
+              <a:spAutoFit/>
+            </a:bodyPr>
+            <a:lstStyle/>
+            <a:p>
+              <a:pPr algn="ctr"/>
+              <a:r>
+                <a:rPr lang="en-US" altLang="ja-JP" dirty="0">
+                  <a:latin typeface="Arial" panose="020B0604020202020204" pitchFamily="34" charset="0"/>
+                  <a:cs typeface="Arial" panose="020B0604020202020204" pitchFamily="34" charset="0"/>
+                </a:rPr>
+                <a:t>Wait</a:t>
+              </a:r>
+              <a:endParaRPr kumimoji="1" lang="ja-JP" altLang="en-US" dirty="0">
+                <a:latin typeface="Arial" panose="020B0604020202020204" pitchFamily="34" charset="0"/>
+                <a:cs typeface="Arial" panose="020B0604020202020204" pitchFamily="34" charset="0"/>
+              </a:endParaRPr>
+            </a:p>
+          </p:txBody>
+        </p:sp>
+      </p:grpSp>
+      <p:cxnSp>
+        <p:nvCxnSpPr>
+          <p:cNvPr id="70" name="直線矢印コネクタ 69">
+            <a:extLst>
+              <a:ext uri="{FF2B5EF4-FFF2-40B4-BE49-F238E27FC236}">
+                <a16:creationId xmlns:a16="http://schemas.microsoft.com/office/drawing/2014/main" id="{9541BBAD-A057-1104-2DDE-52F26A0C7D39}"/>
+              </a:ext>
+            </a:extLst>
+          </p:cNvPr>
+          <p:cNvCxnSpPr>
+            <a:cxnSpLocks/>
+          </p:cNvCxnSpPr>
+          <p:nvPr/>
+        </p:nvCxnSpPr>
+        <p:spPr>
+          <a:xfrm flipV="1">
+            <a:off x="5173424" y="4522573"/>
+            <a:ext cx="2943525" cy="1112108"/>
+          </a:xfrm>
+          <a:prstGeom prst="straightConnector1">
+            <a:avLst/>
+          </a:prstGeom>
+          <a:ln>
+            <a:solidFill>
+              <a:schemeClr val="tx1"/>
+            </a:solidFill>
+            <a:tailEnd type="triangle"/>
+          </a:ln>
+        </p:spPr>
+        <p:style>
+          <a:lnRef idx="1">
+            <a:schemeClr val="accent1"/>
+          </a:lnRef>
+          <a:fillRef idx="0">
+            <a:schemeClr val="accent1"/>
+          </a:fillRef>
+          <a:effectRef idx="0">
+            <a:schemeClr val="accent1"/>
+          </a:effectRef>
+          <a:fontRef idx="minor">
+            <a:schemeClr val="tx1"/>
+          </a:fontRef>
+        </p:style>
+      </p:cxnSp>
+    </p:spTree>
+    <p:extLst>
+      <p:ext uri="{BB962C8B-B14F-4D97-AF65-F5344CB8AC3E}">
+        <p14:creationId xmlns:p14="http://schemas.microsoft.com/office/powerpoint/2010/main" val="3476905052"/>
+      </p:ext>
+    </p:extLst>
+  </p:cSld>
+  <p:clrMapOvr>
+    <a:masterClrMapping/>
+  </p:clrMapOvr>
+</p:sld>
+</file>
+
+<file path=ppt/slides/slide8.xml><?xml version="1.0" encoding="utf-8"?>
+<p:sld xmlns:a="http://schemas.openxmlformats.org/drawingml/2006/main" xmlns:r="http://schemas.openxmlformats.org/officeDocument/2006/relationships" xmlns:p="http://schemas.openxmlformats.org/presentationml/2006/main">
+  <p:cSld>
+    <p:spTree>
+      <p:nvGrpSpPr>
+        <p:cNvPr id="1" name=""/>
+        <p:cNvGrpSpPr/>
+        <p:nvPr/>
+      </p:nvGrpSpPr>
+      <p:grpSpPr>
+        <a:xfrm>
+          <a:off x="0" y="0"/>
+          <a:ext cx="0" cy="0"/>
+          <a:chOff x="0" y="0"/>
+          <a:chExt cx="0" cy="0"/>
+        </a:xfrm>
+      </p:grpSpPr>
+      <p:sp>
+        <p:nvSpPr>
+          <p:cNvPr id="4" name="テキスト ボックス 3">
+            <a:extLst>
+              <a:ext uri="{FF2B5EF4-FFF2-40B4-BE49-F238E27FC236}">
+                <a16:creationId xmlns:a16="http://schemas.microsoft.com/office/drawing/2014/main" id="{0D4374DC-0440-C983-BBA9-6AFEDD8220DE}"/>
+              </a:ext>
+            </a:extLst>
+          </p:cNvPr>
+          <p:cNvSpPr txBox="1"/>
+          <p:nvPr/>
+        </p:nvSpPr>
+        <p:spPr>
+          <a:xfrm>
+            <a:off x="376881" y="315097"/>
+            <a:ext cx="3601995" cy="830997"/>
+          </a:xfrm>
+          <a:prstGeom prst="rect">
+            <a:avLst/>
+          </a:prstGeom>
+          <a:noFill/>
+        </p:spPr>
+        <p:txBody>
+          <a:bodyPr wrap="square" rtlCol="0">
+            <a:spAutoFit/>
+          </a:bodyPr>
+          <a:lstStyle/>
+          <a:p>
+            <a:r>
+              <a:rPr kumimoji="1" lang="en-US" altLang="ja-JP" sz="4800" dirty="0">
+                <a:latin typeface="TAユニバーサルライン_DSP_E" panose="02000600000000000000" pitchFamily="2" charset="-128"/>
+                <a:ea typeface="TAユニバーサルライン_DSP_E" panose="02000600000000000000" pitchFamily="2" charset="-128"/>
+              </a:rPr>
+              <a:t>CSMA/CA</a:t>
+            </a:r>
+            <a:endParaRPr kumimoji="1" lang="ja-JP" altLang="en-US" sz="4800" dirty="0">
+              <a:latin typeface="TAユニバーサルライン_DSP_E" panose="02000600000000000000" pitchFamily="2" charset="-128"/>
+              <a:ea typeface="TAユニバーサルライン_DSP_E" panose="02000600000000000000" pitchFamily="2" charset="-128"/>
+            </a:endParaRPr>
+          </a:p>
+        </p:txBody>
+      </p:sp>
+      <mc:AlternateContent xmlns:mc="http://schemas.openxmlformats.org/markup-compatibility/2006">
+        <mc:Choice xmlns:p14="http://schemas.microsoft.com/office/powerpoint/2010/main" Requires="p14">
+          <p:contentPart p14:bwMode="auto" r:id="rId2">
+            <p14:nvContentPartPr>
+              <p14:cNvPr id="5" name="インク 4">
+                <a:extLst>
+                  <a:ext uri="{FF2B5EF4-FFF2-40B4-BE49-F238E27FC236}">
+                    <a16:creationId xmlns:a16="http://schemas.microsoft.com/office/drawing/2014/main" id="{82A4D1F0-7A20-213C-CBCF-B72070FC8A0F}"/>
+                  </a:ext>
+                </a:extLst>
+              </p14:cNvPr>
+              <p14:cNvContentPartPr/>
+              <p14:nvPr/>
+            </p14:nvContentPartPr>
+            <p14:xfrm>
+              <a:off x="481563" y="913116"/>
+              <a:ext cx="3410640" cy="32400"/>
+            </p14:xfrm>
+          </p:contentPart>
+        </mc:Choice>
+        <mc:Fallback>
+          <p:pic>
+            <p:nvPicPr>
+              <p:cNvPr id="5" name="インク 4">
+                <a:extLst>
+                  <a:ext uri="{FF2B5EF4-FFF2-40B4-BE49-F238E27FC236}">
+                    <a16:creationId xmlns:a16="http://schemas.microsoft.com/office/drawing/2014/main" id="{82A4D1F0-7A20-213C-CBCF-B72070FC8A0F}"/>
+                  </a:ext>
+                </a:extLst>
+              </p:cNvPr>
+              <p:cNvPicPr/>
+              <p:nvPr/>
+            </p:nvPicPr>
+            <p:blipFill>
+              <a:blip r:embed="rId3"/>
+              <a:stretch>
+                <a:fillRect/>
+              </a:stretch>
+            </p:blipFill>
+            <p:spPr>
+              <a:xfrm>
+                <a:off x="409923" y="769476"/>
+                <a:ext cx="3554280" cy="320040"/>
+              </a:xfrm>
+              <a:prstGeom prst="rect">
+                <a:avLst/>
+              </a:prstGeom>
+            </p:spPr>
+          </p:pic>
+        </mc:Fallback>
+      </mc:AlternateContent>
+    </p:spTree>
+    <p:extLst>
+      <p:ext uri="{BB962C8B-B14F-4D97-AF65-F5344CB8AC3E}">
+        <p14:creationId xmlns:p14="http://schemas.microsoft.com/office/powerpoint/2010/main" val="4113547026"/>
+      </p:ext>
+    </p:extLst>
+  </p:cSld>
+  <p:clrMapOvr>
+    <a:masterClrMapping/>
+  </p:clrMapOvr>
+</p:sld>
+</file>
+
+<file path=ppt/slides/slide9.xml><?xml version="1.0" encoding="utf-8"?>
+<p:sld xmlns:a="http://schemas.openxmlformats.org/drawingml/2006/main" xmlns:r="http://schemas.openxmlformats.org/officeDocument/2006/relationships" xmlns:p="http://schemas.openxmlformats.org/presentationml/2006/main">
+  <p:cSld>
+    <p:spTree>
+      <p:nvGrpSpPr>
+        <p:cNvPr id="1" name=""/>
+        <p:cNvGrpSpPr/>
+        <p:nvPr/>
+      </p:nvGrpSpPr>
+      <p:grpSpPr>
+        <a:xfrm>
+          <a:off x="0" y="0"/>
+          <a:ext cx="0" cy="0"/>
+          <a:chOff x="0" y="0"/>
+          <a:chExt cx="0" cy="0"/>
+        </a:xfrm>
+      </p:grpSpPr>
+      <p:cxnSp>
+        <p:nvCxnSpPr>
+          <p:cNvPr id="5" name="直線矢印コネクタ 4">
+            <a:extLst>
+              <a:ext uri="{FF2B5EF4-FFF2-40B4-BE49-F238E27FC236}">
+                <a16:creationId xmlns:a16="http://schemas.microsoft.com/office/drawing/2014/main" id="{D27AD419-E456-D84E-0163-A5B713643E37}"/>
+              </a:ext>
+            </a:extLst>
+          </p:cNvPr>
+          <p:cNvCxnSpPr/>
+          <p:nvPr/>
+        </p:nvCxnSpPr>
+        <p:spPr>
+          <a:xfrm>
+            <a:off x="0" y="2321718"/>
+            <a:ext cx="12192000" cy="0"/>
+          </a:xfrm>
+          <a:prstGeom prst="straightConnector1">
+            <a:avLst/>
+          </a:prstGeom>
+          <a:ln>
+            <a:tailEnd type="triangle"/>
+          </a:ln>
+        </p:spPr>
+        <p:style>
+          <a:lnRef idx="1">
+            <a:schemeClr val="accent1"/>
+          </a:lnRef>
+          <a:fillRef idx="0">
+            <a:schemeClr val="accent1"/>
+          </a:fillRef>
+          <a:effectRef idx="0">
+            <a:schemeClr val="accent1"/>
+          </a:effectRef>
+          <a:fontRef idx="minor">
+            <a:schemeClr val="tx1"/>
+          </a:fontRef>
+        </p:style>
+      </p:cxnSp>
+      <p:cxnSp>
+        <p:nvCxnSpPr>
+          <p:cNvPr id="9" name="直線矢印コネクタ 8">
+            <a:extLst>
+              <a:ext uri="{FF2B5EF4-FFF2-40B4-BE49-F238E27FC236}">
+                <a16:creationId xmlns:a16="http://schemas.microsoft.com/office/drawing/2014/main" id="{4CB9C985-B903-D4CD-46DF-F170B75F768E}"/>
+              </a:ext>
+            </a:extLst>
+          </p:cNvPr>
+          <p:cNvCxnSpPr/>
+          <p:nvPr/>
+        </p:nvCxnSpPr>
+        <p:spPr>
+          <a:xfrm>
+            <a:off x="71437" y="3645693"/>
+            <a:ext cx="12192000" cy="0"/>
+          </a:xfrm>
+          <a:prstGeom prst="straightConnector1">
+            <a:avLst/>
+          </a:prstGeom>
+          <a:ln>
+            <a:tailEnd type="triangle"/>
+          </a:ln>
+        </p:spPr>
+        <p:style>
+          <a:lnRef idx="1">
+            <a:schemeClr val="accent1"/>
+          </a:lnRef>
+          <a:fillRef idx="0">
+            <a:schemeClr val="accent1"/>
+          </a:fillRef>
+          <a:effectRef idx="0">
+            <a:schemeClr val="accent1"/>
+          </a:effectRef>
+          <a:fontRef idx="minor">
+            <a:schemeClr val="tx1"/>
+          </a:fontRef>
+        </p:style>
+      </p:cxnSp>
+      <p:cxnSp>
+        <p:nvCxnSpPr>
+          <p:cNvPr id="10" name="直線矢印コネクタ 9">
+            <a:extLst>
+              <a:ext uri="{FF2B5EF4-FFF2-40B4-BE49-F238E27FC236}">
+                <a16:creationId xmlns:a16="http://schemas.microsoft.com/office/drawing/2014/main" id="{15009F3E-FF0E-535F-5AE3-DE017D4A5343}"/>
+              </a:ext>
+            </a:extLst>
+          </p:cNvPr>
+          <p:cNvCxnSpPr/>
+          <p:nvPr/>
+        </p:nvCxnSpPr>
+        <p:spPr>
+          <a:xfrm>
+            <a:off x="0" y="4726781"/>
+            <a:ext cx="12192000" cy="0"/>
+          </a:xfrm>
+          <a:prstGeom prst="straightConnector1">
+            <a:avLst/>
+          </a:prstGeom>
+          <a:ln>
+            <a:tailEnd type="triangle"/>
+          </a:ln>
+        </p:spPr>
+        <p:style>
+          <a:lnRef idx="1">
+            <a:schemeClr val="accent1"/>
+          </a:lnRef>
+          <a:fillRef idx="0">
+            <a:schemeClr val="accent1"/>
+          </a:fillRef>
+          <a:effectRef idx="0">
+            <a:schemeClr val="accent1"/>
+          </a:effectRef>
+          <a:fontRef idx="minor">
+            <a:schemeClr val="tx1"/>
+          </a:fontRef>
+        </p:style>
+      </p:cxnSp>
     </p:spTree>
     <p:extLst>
       <p:ext uri="{BB962C8B-B14F-4D97-AF65-F5344CB8AC3E}">
